--- a/Documentação/Projeto Monitoramento.pptx
+++ b/Documentação/Projeto Monitoramento.pptx
@@ -2,22 +2,26 @@
 <file path=ppt/presentation.xml><?xml version="1.0" encoding="utf-8"?>
 <p:presentation xmlns:a="http://schemas.openxmlformats.org/drawingml/2006/main" xmlns:r="http://schemas.openxmlformats.org/officeDocument/2006/relationships" xmlns:p="http://schemas.openxmlformats.org/presentationml/2006/main" saveSubsetFonts="1">
   <p:sldMasterIdLst>
-    <p:sldMasterId id="2147483648" r:id="rId1"/>
+    <p:sldMasterId id="2147483660" r:id="rId1"/>
   </p:sldMasterIdLst>
   <p:sldIdLst>
     <p:sldId id="256" r:id="rId2"/>
     <p:sldId id="257" r:id="rId3"/>
-    <p:sldId id="258" r:id="rId4"/>
-    <p:sldId id="259" r:id="rId5"/>
-    <p:sldId id="260" r:id="rId6"/>
+    <p:sldId id="261" r:id="rId4"/>
+    <p:sldId id="262" r:id="rId5"/>
+    <p:sldId id="265" r:id="rId6"/>
+    <p:sldId id="258" r:id="rId7"/>
+    <p:sldId id="259" r:id="rId8"/>
+    <p:sldId id="263" r:id="rId9"/>
+    <p:sldId id="260" r:id="rId10"/>
   </p:sldIdLst>
   <p:sldSz cx="12192000" cy="6858000"/>
   <p:notesSz cx="6858000" cy="9144000"/>
   <p:defaultTextStyle>
     <a:defPPr>
-      <a:defRPr lang="pt-BR"/>
+      <a:defRPr lang="en-US"/>
     </a:defPPr>
-    <a:lvl1pPr marL="0" algn="l" defTabSz="914400" rtl="0" eaLnBrk="1" latinLnBrk="0" hangingPunct="1">
+    <a:lvl1pPr marL="0" algn="l" defTabSz="457200" rtl="0" eaLnBrk="1" latinLnBrk="0" hangingPunct="1">
       <a:defRPr sz="1800" kern="1200">
         <a:solidFill>
           <a:schemeClr val="tx1"/>
@@ -27,7 +31,7 @@
         <a:cs typeface="+mn-cs"/>
       </a:defRPr>
     </a:lvl1pPr>
-    <a:lvl2pPr marL="457200" algn="l" defTabSz="914400" rtl="0" eaLnBrk="1" latinLnBrk="0" hangingPunct="1">
+    <a:lvl2pPr marL="457200" algn="l" defTabSz="457200" rtl="0" eaLnBrk="1" latinLnBrk="0" hangingPunct="1">
       <a:defRPr sz="1800" kern="1200">
         <a:solidFill>
           <a:schemeClr val="tx1"/>
@@ -37,7 +41,7 @@
         <a:cs typeface="+mn-cs"/>
       </a:defRPr>
     </a:lvl2pPr>
-    <a:lvl3pPr marL="914400" algn="l" defTabSz="914400" rtl="0" eaLnBrk="1" latinLnBrk="0" hangingPunct="1">
+    <a:lvl3pPr marL="914400" algn="l" defTabSz="457200" rtl="0" eaLnBrk="1" latinLnBrk="0" hangingPunct="1">
       <a:defRPr sz="1800" kern="1200">
         <a:solidFill>
           <a:schemeClr val="tx1"/>
@@ -47,7 +51,7 @@
         <a:cs typeface="+mn-cs"/>
       </a:defRPr>
     </a:lvl3pPr>
-    <a:lvl4pPr marL="1371600" algn="l" defTabSz="914400" rtl="0" eaLnBrk="1" latinLnBrk="0" hangingPunct="1">
+    <a:lvl4pPr marL="1371600" algn="l" defTabSz="457200" rtl="0" eaLnBrk="1" latinLnBrk="0" hangingPunct="1">
       <a:defRPr sz="1800" kern="1200">
         <a:solidFill>
           <a:schemeClr val="tx1"/>
@@ -57,7 +61,7 @@
         <a:cs typeface="+mn-cs"/>
       </a:defRPr>
     </a:lvl4pPr>
-    <a:lvl5pPr marL="1828800" algn="l" defTabSz="914400" rtl="0" eaLnBrk="1" latinLnBrk="0" hangingPunct="1">
+    <a:lvl5pPr marL="1828800" algn="l" defTabSz="457200" rtl="0" eaLnBrk="1" latinLnBrk="0" hangingPunct="1">
       <a:defRPr sz="1800" kern="1200">
         <a:solidFill>
           <a:schemeClr val="tx1"/>
@@ -67,7 +71,7 @@
         <a:cs typeface="+mn-cs"/>
       </a:defRPr>
     </a:lvl5pPr>
-    <a:lvl6pPr marL="2286000" algn="l" defTabSz="914400" rtl="0" eaLnBrk="1" latinLnBrk="0" hangingPunct="1">
+    <a:lvl6pPr marL="2286000" algn="l" defTabSz="457200" rtl="0" eaLnBrk="1" latinLnBrk="0" hangingPunct="1">
       <a:defRPr sz="1800" kern="1200">
         <a:solidFill>
           <a:schemeClr val="tx1"/>
@@ -77,7 +81,7 @@
         <a:cs typeface="+mn-cs"/>
       </a:defRPr>
     </a:lvl6pPr>
-    <a:lvl7pPr marL="2743200" algn="l" defTabSz="914400" rtl="0" eaLnBrk="1" latinLnBrk="0" hangingPunct="1">
+    <a:lvl7pPr marL="2743200" algn="l" defTabSz="457200" rtl="0" eaLnBrk="1" latinLnBrk="0" hangingPunct="1">
       <a:defRPr sz="1800" kern="1200">
         <a:solidFill>
           <a:schemeClr val="tx1"/>
@@ -87,7 +91,7 @@
         <a:cs typeface="+mn-cs"/>
       </a:defRPr>
     </a:lvl7pPr>
-    <a:lvl8pPr marL="3200400" algn="l" defTabSz="914400" rtl="0" eaLnBrk="1" latinLnBrk="0" hangingPunct="1">
+    <a:lvl8pPr marL="3200400" algn="l" defTabSz="457200" rtl="0" eaLnBrk="1" latinLnBrk="0" hangingPunct="1">
       <a:defRPr sz="1800" kern="1200">
         <a:solidFill>
           <a:schemeClr val="tx1"/>
@@ -97,7 +101,7 @@
         <a:cs typeface="+mn-cs"/>
       </a:defRPr>
     </a:lvl8pPr>
-    <a:lvl9pPr marL="3657600" algn="l" defTabSz="914400" rtl="0" eaLnBrk="1" latinLnBrk="0" hangingPunct="1">
+    <a:lvl9pPr marL="3657600" algn="l" defTabSz="457200" rtl="0" eaLnBrk="1" latinLnBrk="0" hangingPunct="1">
       <a:defRPr sz="1800" kern="1200">
         <a:solidFill>
           <a:schemeClr val="tx1"/>
@@ -127,6 +131,11 @@
 <file path=ppt/slideLayouts/slideLayout1.xml><?xml version="1.0" encoding="utf-8"?>
 <p:sldLayout xmlns:a="http://schemas.openxmlformats.org/drawingml/2006/main" xmlns:r="http://schemas.openxmlformats.org/officeDocument/2006/relationships" xmlns:p="http://schemas.openxmlformats.org/presentationml/2006/main" type="title" preserve="1">
   <p:cSld name="Slide de Título">
+    <p:bg>
+      <p:bgRef idx="1003">
+        <a:schemeClr val="bg2"/>
+      </p:bgRef>
+    </p:bg>
     <p:spTree>
       <p:nvGrpSpPr>
         <p:cNvPr id="1" name=""/>
@@ -141,15 +150,39 @@
           <a:chExt cx="0" cy="0"/>
         </a:xfrm>
       </p:grpSpPr>
-      <p:sp>
-        <p:nvSpPr>
-          <p:cNvPr id="2" name="Título 1">
+      <p:pic>
+        <p:nvPicPr>
+          <p:cNvPr id="7" name="Picture 6" descr="Celestia-R1---OverlayTitleHD.png"/>
+          <p:cNvPicPr>
+            <a:picLocks noChangeAspect="1"/>
+          </p:cNvPicPr>
+          <p:nvPr/>
+        </p:nvPicPr>
+        <p:blipFill>
+          <a:blip r:embed="rId2">
             <a:extLst>
-              <a:ext uri="{FF2B5EF4-FFF2-40B4-BE49-F238E27FC236}">
-                <a16:creationId xmlns:a16="http://schemas.microsoft.com/office/drawing/2014/main" id="{17C24441-2419-4FA9-976A-26742E62DB1D}"/>
+              <a:ext uri="{28A0092B-C50C-407E-A947-70E740481C1C}">
+                <a14:useLocalDpi xmlns:a14="http://schemas.microsoft.com/office/drawing/2010/main" val="0"/>
               </a:ext>
             </a:extLst>
-          </p:cNvPr>
+          </a:blip>
+          <a:stretch>
+            <a:fillRect/>
+          </a:stretch>
+        </p:blipFill>
+        <p:spPr>
+          <a:xfrm>
+            <a:off x="0" y="0"/>
+            <a:ext cx="12188825" cy="6856214"/>
+          </a:xfrm>
+          <a:prstGeom prst="rect">
+            <a:avLst/>
+          </a:prstGeom>
+        </p:spPr>
+      </p:pic>
+      <p:sp>
+        <p:nvSpPr>
+          <p:cNvPr id="2" name="Title 1"/>
           <p:cNvSpPr>
             <a:spLocks noGrp="1"/>
           </p:cNvSpPr>
@@ -159,15 +192,19 @@
         </p:nvSpPr>
         <p:spPr>
           <a:xfrm>
-            <a:off x="1524000" y="1122363"/>
-            <a:ext cx="9144000" cy="2387600"/>
-          </a:xfrm>
-        </p:spPr>
-        <p:txBody>
-          <a:bodyPr anchor="b"/>
+            <a:off x="3962399" y="1964267"/>
+            <a:ext cx="7197726" cy="2421464"/>
+          </a:xfrm>
+        </p:spPr>
+        <p:txBody>
+          <a:bodyPr anchor="b">
+            <a:normAutofit/>
+          </a:bodyPr>
           <a:lstStyle>
-            <a:lvl1pPr algn="ctr">
-              <a:defRPr sz="6000"/>
+            <a:lvl1pPr algn="r">
+              <a:defRPr sz="4800">
+                <a:effectLst/>
+              </a:defRPr>
             </a:lvl1pPr>
           </a:lstStyle>
           <a:p>
@@ -175,18 +212,13 @@
               <a:rPr lang="pt-BR"/>
               <a:t>Clique para editar o título Mestre</a:t>
             </a:r>
-          </a:p>
-        </p:txBody>
-      </p:sp>
-      <p:sp>
-        <p:nvSpPr>
-          <p:cNvPr id="3" name="Subtítulo 2">
-            <a:extLst>
-              <a:ext uri="{FF2B5EF4-FFF2-40B4-BE49-F238E27FC236}">
-                <a16:creationId xmlns:a16="http://schemas.microsoft.com/office/drawing/2014/main" id="{6247E1DF-525A-4497-AF6A-F3258AA8C179}"/>
-              </a:ext>
-            </a:extLst>
-          </p:cNvPr>
+            <a:endParaRPr lang="en-US" dirty="0"/>
+          </a:p>
+        </p:txBody>
+      </p:sp>
+      <p:sp>
+        <p:nvSpPr>
+          <p:cNvPr id="3" name="Subtitle 2"/>
           <p:cNvSpPr>
             <a:spLocks noGrp="1"/>
           </p:cNvSpPr>
@@ -196,48 +228,102 @@
         </p:nvSpPr>
         <p:spPr>
           <a:xfrm>
-            <a:off x="1524000" y="3602038"/>
-            <a:ext cx="9144000" cy="1655762"/>
-          </a:xfrm>
-        </p:spPr>
-        <p:txBody>
-          <a:bodyPr/>
+            <a:off x="3962399" y="4385732"/>
+            <a:ext cx="7197726" cy="1405467"/>
+          </a:xfrm>
+        </p:spPr>
+        <p:txBody>
+          <a:bodyPr anchor="t">
+            <a:normAutofit/>
+          </a:bodyPr>
           <a:lstStyle>
-            <a:lvl1pPr marL="0" indent="0" algn="ctr">
-              <a:buNone/>
-              <a:defRPr sz="2400"/>
+            <a:lvl1pPr marL="0" indent="0" algn="r">
+              <a:buNone/>
+              <a:defRPr sz="1800" cap="all">
+                <a:solidFill>
+                  <a:schemeClr val="tx1"/>
+                </a:solidFill>
+              </a:defRPr>
             </a:lvl1pPr>
             <a:lvl2pPr marL="457200" indent="0" algn="ctr">
               <a:buNone/>
-              <a:defRPr sz="2000"/>
+              <a:defRPr>
+                <a:solidFill>
+                  <a:schemeClr val="tx1">
+                    <a:tint val="75000"/>
+                  </a:schemeClr>
+                </a:solidFill>
+              </a:defRPr>
             </a:lvl2pPr>
             <a:lvl3pPr marL="914400" indent="0" algn="ctr">
               <a:buNone/>
-              <a:defRPr sz="1800"/>
+              <a:defRPr>
+                <a:solidFill>
+                  <a:schemeClr val="tx1">
+                    <a:tint val="75000"/>
+                  </a:schemeClr>
+                </a:solidFill>
+              </a:defRPr>
             </a:lvl3pPr>
             <a:lvl4pPr marL="1371600" indent="0" algn="ctr">
               <a:buNone/>
-              <a:defRPr sz="1600"/>
+              <a:defRPr>
+                <a:solidFill>
+                  <a:schemeClr val="tx1">
+                    <a:tint val="75000"/>
+                  </a:schemeClr>
+                </a:solidFill>
+              </a:defRPr>
             </a:lvl4pPr>
             <a:lvl5pPr marL="1828800" indent="0" algn="ctr">
               <a:buNone/>
-              <a:defRPr sz="1600"/>
+              <a:defRPr>
+                <a:solidFill>
+                  <a:schemeClr val="tx1">
+                    <a:tint val="75000"/>
+                  </a:schemeClr>
+                </a:solidFill>
+              </a:defRPr>
             </a:lvl5pPr>
             <a:lvl6pPr marL="2286000" indent="0" algn="ctr">
               <a:buNone/>
-              <a:defRPr sz="1600"/>
+              <a:defRPr>
+                <a:solidFill>
+                  <a:schemeClr val="tx1">
+                    <a:tint val="75000"/>
+                  </a:schemeClr>
+                </a:solidFill>
+              </a:defRPr>
             </a:lvl6pPr>
             <a:lvl7pPr marL="2743200" indent="0" algn="ctr">
               <a:buNone/>
-              <a:defRPr sz="1600"/>
+              <a:defRPr>
+                <a:solidFill>
+                  <a:schemeClr val="tx1">
+                    <a:tint val="75000"/>
+                  </a:schemeClr>
+                </a:solidFill>
+              </a:defRPr>
             </a:lvl7pPr>
             <a:lvl8pPr marL="3200400" indent="0" algn="ctr">
               <a:buNone/>
-              <a:defRPr sz="1600"/>
+              <a:defRPr>
+                <a:solidFill>
+                  <a:schemeClr val="tx1">
+                    <a:tint val="75000"/>
+                  </a:schemeClr>
+                </a:solidFill>
+              </a:defRPr>
             </a:lvl8pPr>
             <a:lvl9pPr marL="3657600" indent="0" algn="ctr">
               <a:buNone/>
-              <a:defRPr sz="1600"/>
+              <a:defRPr>
+                <a:solidFill>
+                  <a:schemeClr val="tx1">
+                    <a:tint val="75000"/>
+                  </a:schemeClr>
+                </a:solidFill>
+              </a:defRPr>
             </a:lvl9pPr>
           </a:lstStyle>
           <a:p>
@@ -245,18 +331,13 @@
               <a:rPr lang="pt-BR"/>
               <a:t>Clique para editar o estilo do subtítulo Mestre</a:t>
             </a:r>
-          </a:p>
-        </p:txBody>
-      </p:sp>
-      <p:sp>
-        <p:nvSpPr>
-          <p:cNvPr id="4" name="Espaço Reservado para Data 3">
-            <a:extLst>
-              <a:ext uri="{FF2B5EF4-FFF2-40B4-BE49-F238E27FC236}">
-                <a16:creationId xmlns:a16="http://schemas.microsoft.com/office/drawing/2014/main" id="{79994BDE-27C3-41F1-B729-9AD892775D3D}"/>
-              </a:ext>
-            </a:extLst>
-          </p:cNvPr>
+            <a:endParaRPr lang="en-US" dirty="0"/>
+          </a:p>
+        </p:txBody>
+      </p:sp>
+      <p:sp>
+        <p:nvSpPr>
+          <p:cNvPr id="4" name="Date Placeholder 3"/>
           <p:cNvSpPr>
             <a:spLocks noGrp="1"/>
           </p:cNvSpPr>
@@ -264,14 +345,19 @@
             <p:ph type="dt" sz="half" idx="10"/>
           </p:nvPr>
         </p:nvSpPr>
-        <p:spPr/>
+        <p:spPr>
+          <a:xfrm>
+            <a:off x="8932558" y="5870575"/>
+            <a:ext cx="1600200" cy="377825"/>
+          </a:xfrm>
+        </p:spPr>
         <p:txBody>
           <a:bodyPr/>
           <a:lstStyle/>
           <a:p>
             <a:fld id="{73F84220-E5C1-4CCC-8729-E034337E325F}" type="datetimeFigureOut">
               <a:rPr lang="pt-BR" smtClean="0"/>
-              <a:t>07/09/2019</a:t>
+              <a:t>10/09/2019</a:t>
             </a:fld>
             <a:endParaRPr lang="pt-BR"/>
           </a:p>
@@ -279,13 +365,7 @@
       </p:sp>
       <p:sp>
         <p:nvSpPr>
-          <p:cNvPr id="5" name="Espaço Reservado para Rodapé 4">
-            <a:extLst>
-              <a:ext uri="{FF2B5EF4-FFF2-40B4-BE49-F238E27FC236}">
-                <a16:creationId xmlns:a16="http://schemas.microsoft.com/office/drawing/2014/main" id="{943BA3F4-822F-4CCE-BED6-387B41626641}"/>
-              </a:ext>
-            </a:extLst>
-          </p:cNvPr>
+          <p:cNvPr id="5" name="Footer Placeholder 4"/>
           <p:cNvSpPr>
             <a:spLocks noGrp="1"/>
           </p:cNvSpPr>
@@ -293,7 +373,12 @@
             <p:ph type="ftr" sz="quarter" idx="11"/>
           </p:nvPr>
         </p:nvSpPr>
-        <p:spPr/>
+        <p:spPr>
+          <a:xfrm>
+            <a:off x="3962399" y="5870575"/>
+            <a:ext cx="4893958" cy="377825"/>
+          </a:xfrm>
+        </p:spPr>
         <p:txBody>
           <a:bodyPr/>
           <a:lstStyle/>
@@ -304,13 +389,7 @@
       </p:sp>
       <p:sp>
         <p:nvSpPr>
-          <p:cNvPr id="6" name="Espaço Reservado para Número de Slide 5">
-            <a:extLst>
-              <a:ext uri="{FF2B5EF4-FFF2-40B4-BE49-F238E27FC236}">
-                <a16:creationId xmlns:a16="http://schemas.microsoft.com/office/drawing/2014/main" id="{AC3C46CC-8657-4BDB-8E2A-6D33F9A580BB}"/>
-              </a:ext>
-            </a:extLst>
-          </p:cNvPr>
+          <p:cNvPr id="6" name="Slide Number Placeholder 5"/>
           <p:cNvSpPr>
             <a:spLocks noGrp="1"/>
           </p:cNvSpPr>
@@ -318,7 +397,12 @@
             <p:ph type="sldNum" sz="quarter" idx="12"/>
           </p:nvPr>
         </p:nvSpPr>
-        <p:spPr/>
+        <p:spPr>
+          <a:xfrm>
+            <a:off x="10608958" y="5870575"/>
+            <a:ext cx="551167" cy="377825"/>
+          </a:xfrm>
+        </p:spPr>
         <p:txBody>
           <a:bodyPr/>
           <a:lstStyle/>
@@ -334,7 +418,331 @@
     </p:spTree>
     <p:extLst>
       <p:ext uri="{BB962C8B-B14F-4D97-AF65-F5344CB8AC3E}">
-        <p14:creationId xmlns:p14="http://schemas.microsoft.com/office/powerpoint/2010/main" val="3379537686"/>
+        <p14:creationId xmlns:p14="http://schemas.microsoft.com/office/powerpoint/2010/main" val="101179413"/>
+      </p:ext>
+    </p:extLst>
+  </p:cSld>
+  <p:clrMapOvr>
+    <a:overrideClrMapping bg1="dk1" tx1="lt1" bg2="dk2" tx2="lt2" accent1="accent1" accent2="accent2" accent3="accent3" accent4="accent4" accent5="accent5" accent6="accent6" hlink="hlink" folHlink="folHlink"/>
+  </p:clrMapOvr>
+</p:sldLayout>
+</file>
+
+<file path=ppt/slideLayouts/slideLayout10.xml><?xml version="1.0" encoding="utf-8"?>
+<p:sldLayout xmlns:a="http://schemas.openxmlformats.org/drawingml/2006/main" xmlns:r="http://schemas.openxmlformats.org/officeDocument/2006/relationships" xmlns:p="http://schemas.openxmlformats.org/presentationml/2006/main" preserve="1">
+  <p:cSld name="Foto Panorâmica com Legenda">
+    <p:spTree>
+      <p:nvGrpSpPr>
+        <p:cNvPr id="1" name=""/>
+        <p:cNvGrpSpPr/>
+        <p:nvPr/>
+      </p:nvGrpSpPr>
+      <p:grpSpPr>
+        <a:xfrm>
+          <a:off x="0" y="0"/>
+          <a:ext cx="0" cy="0"/>
+          <a:chOff x="0" y="0"/>
+          <a:chExt cx="0" cy="0"/>
+        </a:xfrm>
+      </p:grpSpPr>
+      <p:pic>
+        <p:nvPicPr>
+          <p:cNvPr id="8" name="Picture 7" descr="Celestia-R1---OverlayContentHD.png"/>
+          <p:cNvPicPr>
+            <a:picLocks noChangeAspect="1"/>
+          </p:cNvPicPr>
+          <p:nvPr/>
+        </p:nvPicPr>
+        <p:blipFill>
+          <a:blip r:embed="rId2">
+            <a:extLst>
+              <a:ext uri="{28A0092B-C50C-407E-A947-70E740481C1C}">
+                <a14:useLocalDpi xmlns:a14="http://schemas.microsoft.com/office/drawing/2010/main" val="0"/>
+              </a:ext>
+            </a:extLst>
+          </a:blip>
+          <a:stretch>
+            <a:fillRect/>
+          </a:stretch>
+        </p:blipFill>
+        <p:spPr>
+          <a:xfrm>
+            <a:off x="0" y="0"/>
+            <a:ext cx="12188825" cy="6856214"/>
+          </a:xfrm>
+          <a:prstGeom prst="rect">
+            <a:avLst/>
+          </a:prstGeom>
+        </p:spPr>
+      </p:pic>
+      <p:sp>
+        <p:nvSpPr>
+          <p:cNvPr id="2" name="Title 1"/>
+          <p:cNvSpPr>
+            <a:spLocks noGrp="1"/>
+          </p:cNvSpPr>
+          <p:nvPr>
+            <p:ph type="title"/>
+          </p:nvPr>
+        </p:nvSpPr>
+        <p:spPr>
+          <a:xfrm>
+            <a:off x="685800" y="4732865"/>
+            <a:ext cx="10131427" cy="566738"/>
+          </a:xfrm>
+        </p:spPr>
+        <p:txBody>
+          <a:bodyPr anchor="b">
+            <a:normAutofit/>
+          </a:bodyPr>
+          <a:lstStyle>
+            <a:lvl1pPr algn="l">
+              <a:defRPr sz="2400" b="0"/>
+            </a:lvl1pPr>
+          </a:lstStyle>
+          <a:p>
+            <a:r>
+              <a:rPr lang="pt-BR"/>
+              <a:t>Clique para editar o título Mestre</a:t>
+            </a:r>
+            <a:endParaRPr lang="en-US" dirty="0"/>
+          </a:p>
+        </p:txBody>
+      </p:sp>
+      <p:sp>
+        <p:nvSpPr>
+          <p:cNvPr id="3" name="Picture Placeholder 2"/>
+          <p:cNvSpPr>
+            <a:spLocks noGrp="1" noChangeAspect="1"/>
+          </p:cNvSpPr>
+          <p:nvPr>
+            <p:ph type="pic" idx="1"/>
+          </p:nvPr>
+        </p:nvSpPr>
+        <p:spPr>
+          <a:xfrm>
+            <a:off x="1371600" y="932112"/>
+            <a:ext cx="8759827" cy="3164976"/>
+          </a:xfrm>
+          <a:prstGeom prst="roundRect">
+            <a:avLst>
+              <a:gd name="adj" fmla="val 4380"/>
+            </a:avLst>
+          </a:prstGeom>
+          <a:ln w="50800" cap="sq" cmpd="dbl">
+            <a:gradFill flip="none" rotWithShape="1">
+              <a:gsLst>
+                <a:gs pos="0">
+                  <a:srgbClr val="FFFFFF"/>
+                </a:gs>
+                <a:gs pos="100000">
+                  <a:schemeClr val="tx1">
+                    <a:alpha val="0"/>
+                  </a:schemeClr>
+                </a:gs>
+              </a:gsLst>
+              <a:path path="circle">
+                <a:fillToRect l="50000" t="50000" r="50000" b="50000"/>
+              </a:path>
+              <a:tileRect/>
+            </a:gradFill>
+            <a:miter lim="800000"/>
+          </a:ln>
+          <a:effectLst>
+            <a:outerShdw blurRad="254000" algn="tl" rotWithShape="0">
+              <a:srgbClr val="000000">
+                <a:alpha val="43000"/>
+              </a:srgbClr>
+            </a:outerShdw>
+          </a:effectLst>
+        </p:spPr>
+        <p:txBody>
+          <a:bodyPr anchor="t">
+            <a:normAutofit/>
+          </a:bodyPr>
+          <a:lstStyle>
+            <a:lvl1pPr marL="0" indent="0" algn="ctr">
+              <a:buNone/>
+              <a:defRPr sz="1600"/>
+            </a:lvl1pPr>
+            <a:lvl2pPr marL="457200" indent="0">
+              <a:buNone/>
+              <a:defRPr sz="1600"/>
+            </a:lvl2pPr>
+            <a:lvl3pPr marL="914400" indent="0">
+              <a:buNone/>
+              <a:defRPr sz="1600"/>
+            </a:lvl3pPr>
+            <a:lvl4pPr marL="1371600" indent="0">
+              <a:buNone/>
+              <a:defRPr sz="1600"/>
+            </a:lvl4pPr>
+            <a:lvl5pPr marL="1828800" indent="0">
+              <a:buNone/>
+              <a:defRPr sz="1600"/>
+            </a:lvl5pPr>
+            <a:lvl6pPr marL="2286000" indent="0">
+              <a:buNone/>
+              <a:defRPr sz="1600"/>
+            </a:lvl6pPr>
+            <a:lvl7pPr marL="2743200" indent="0">
+              <a:buNone/>
+              <a:defRPr sz="1600"/>
+            </a:lvl7pPr>
+            <a:lvl8pPr marL="3200400" indent="0">
+              <a:buNone/>
+              <a:defRPr sz="1600"/>
+            </a:lvl8pPr>
+            <a:lvl9pPr marL="3657600" indent="0">
+              <a:buNone/>
+              <a:defRPr sz="1600"/>
+            </a:lvl9pPr>
+          </a:lstStyle>
+          <a:p>
+            <a:r>
+              <a:rPr lang="pt-BR"/>
+              <a:t>Clique no ícone para adicionar uma imagem</a:t>
+            </a:r>
+            <a:endParaRPr lang="en-US" dirty="0"/>
+          </a:p>
+        </p:txBody>
+      </p:sp>
+      <p:sp>
+        <p:nvSpPr>
+          <p:cNvPr id="4" name="Text Placeholder 3"/>
+          <p:cNvSpPr>
+            <a:spLocks noGrp="1"/>
+          </p:cNvSpPr>
+          <p:nvPr>
+            <p:ph type="body" sz="half" idx="2"/>
+          </p:nvPr>
+        </p:nvSpPr>
+        <p:spPr>
+          <a:xfrm>
+            <a:off x="685800" y="5299603"/>
+            <a:ext cx="10131427" cy="493712"/>
+          </a:xfrm>
+        </p:spPr>
+        <p:txBody>
+          <a:bodyPr anchor="t">
+            <a:normAutofit/>
+          </a:bodyPr>
+          <a:lstStyle>
+            <a:lvl1pPr marL="0" indent="0">
+              <a:buNone/>
+              <a:defRPr sz="1400"/>
+            </a:lvl1pPr>
+            <a:lvl2pPr marL="457200" indent="0">
+              <a:buNone/>
+              <a:defRPr sz="1200"/>
+            </a:lvl2pPr>
+            <a:lvl3pPr marL="914400" indent="0">
+              <a:buNone/>
+              <a:defRPr sz="1000"/>
+            </a:lvl3pPr>
+            <a:lvl4pPr marL="1371600" indent="0">
+              <a:buNone/>
+              <a:defRPr sz="900"/>
+            </a:lvl4pPr>
+            <a:lvl5pPr marL="1828800" indent="0">
+              <a:buNone/>
+              <a:defRPr sz="900"/>
+            </a:lvl5pPr>
+            <a:lvl6pPr marL="2286000" indent="0">
+              <a:buNone/>
+              <a:defRPr sz="900"/>
+            </a:lvl6pPr>
+            <a:lvl7pPr marL="2743200" indent="0">
+              <a:buNone/>
+              <a:defRPr sz="900"/>
+            </a:lvl7pPr>
+            <a:lvl8pPr marL="3200400" indent="0">
+              <a:buNone/>
+              <a:defRPr sz="900"/>
+            </a:lvl8pPr>
+            <a:lvl9pPr marL="3657600" indent="0">
+              <a:buNone/>
+              <a:defRPr sz="900"/>
+            </a:lvl9pPr>
+          </a:lstStyle>
+          <a:p>
+            <a:pPr lvl="0"/>
+            <a:r>
+              <a:rPr lang="pt-BR"/>
+              <a:t>Clique para editar os estilos de texto Mestres</a:t>
+            </a:r>
+          </a:p>
+        </p:txBody>
+      </p:sp>
+      <p:sp>
+        <p:nvSpPr>
+          <p:cNvPr id="5" name="Date Placeholder 4"/>
+          <p:cNvSpPr>
+            <a:spLocks noGrp="1"/>
+          </p:cNvSpPr>
+          <p:nvPr>
+            <p:ph type="dt" sz="half" idx="10"/>
+          </p:nvPr>
+        </p:nvSpPr>
+        <p:spPr/>
+        <p:txBody>
+          <a:bodyPr/>
+          <a:lstStyle/>
+          <a:p>
+            <a:fld id="{73F84220-E5C1-4CCC-8729-E034337E325F}" type="datetimeFigureOut">
+              <a:rPr lang="pt-BR" smtClean="0"/>
+              <a:t>10/09/2019</a:t>
+            </a:fld>
+            <a:endParaRPr lang="pt-BR"/>
+          </a:p>
+        </p:txBody>
+      </p:sp>
+      <p:sp>
+        <p:nvSpPr>
+          <p:cNvPr id="6" name="Footer Placeholder 5"/>
+          <p:cNvSpPr>
+            <a:spLocks noGrp="1"/>
+          </p:cNvSpPr>
+          <p:nvPr>
+            <p:ph type="ftr" sz="quarter" idx="11"/>
+          </p:nvPr>
+        </p:nvSpPr>
+        <p:spPr/>
+        <p:txBody>
+          <a:bodyPr/>
+          <a:lstStyle/>
+          <a:p>
+            <a:endParaRPr lang="pt-BR"/>
+          </a:p>
+        </p:txBody>
+      </p:sp>
+      <p:sp>
+        <p:nvSpPr>
+          <p:cNvPr id="7" name="Slide Number Placeholder 6"/>
+          <p:cNvSpPr>
+            <a:spLocks noGrp="1"/>
+          </p:cNvSpPr>
+          <p:nvPr>
+            <p:ph type="sldNum" sz="quarter" idx="12"/>
+          </p:nvPr>
+        </p:nvSpPr>
+        <p:spPr/>
+        <p:txBody>
+          <a:bodyPr/>
+          <a:lstStyle/>
+          <a:p>
+            <a:fld id="{8948A2B0-3D46-4435-BE96-F2E382CDFECB}" type="slidenum">
+              <a:rPr lang="pt-BR" smtClean="0"/>
+              <a:t>‹nº›</a:t>
+            </a:fld>
+            <a:endParaRPr lang="pt-BR"/>
+          </a:p>
+        </p:txBody>
+      </p:sp>
+    </p:spTree>
+    <p:extLst>
+      <p:ext uri="{BB962C8B-B14F-4D97-AF65-F5344CB8AC3E}">
+        <p14:creationId xmlns:p14="http://schemas.microsoft.com/office/powerpoint/2010/main" val="2257210286"/>
       </p:ext>
     </p:extLst>
   </p:cSld>
@@ -344,7 +752,2020 @@
 </p:sldLayout>
 </file>
 
-<file path=ppt/slideLayouts/slideLayout10.xml><?xml version="1.0" encoding="utf-8"?>
+<file path=ppt/slideLayouts/slideLayout11.xml><?xml version="1.0" encoding="utf-8"?>
+<p:sldLayout xmlns:a="http://schemas.openxmlformats.org/drawingml/2006/main" xmlns:r="http://schemas.openxmlformats.org/officeDocument/2006/relationships" xmlns:p="http://schemas.openxmlformats.org/presentationml/2006/main" preserve="1">
+  <p:cSld name="Título e Legenda">
+    <p:spTree>
+      <p:nvGrpSpPr>
+        <p:cNvPr id="1" name=""/>
+        <p:cNvGrpSpPr/>
+        <p:nvPr/>
+      </p:nvGrpSpPr>
+      <p:grpSpPr>
+        <a:xfrm>
+          <a:off x="0" y="0"/>
+          <a:ext cx="0" cy="0"/>
+          <a:chOff x="0" y="0"/>
+          <a:chExt cx="0" cy="0"/>
+        </a:xfrm>
+      </p:grpSpPr>
+      <p:pic>
+        <p:nvPicPr>
+          <p:cNvPr id="7" name="Picture 6" descr="Celestia-R1---OverlayContentHD.png"/>
+          <p:cNvPicPr>
+            <a:picLocks noChangeAspect="1"/>
+          </p:cNvPicPr>
+          <p:nvPr/>
+        </p:nvPicPr>
+        <p:blipFill>
+          <a:blip r:embed="rId2">
+            <a:extLst>
+              <a:ext uri="{28A0092B-C50C-407E-A947-70E740481C1C}">
+                <a14:useLocalDpi xmlns:a14="http://schemas.microsoft.com/office/drawing/2010/main" val="0"/>
+              </a:ext>
+            </a:extLst>
+          </a:blip>
+          <a:stretch>
+            <a:fillRect/>
+          </a:stretch>
+        </p:blipFill>
+        <p:spPr>
+          <a:xfrm>
+            <a:off x="0" y="0"/>
+            <a:ext cx="12188825" cy="6856214"/>
+          </a:xfrm>
+          <a:prstGeom prst="rect">
+            <a:avLst/>
+          </a:prstGeom>
+        </p:spPr>
+      </p:pic>
+      <p:sp>
+        <p:nvSpPr>
+          <p:cNvPr id="2" name="Title 1"/>
+          <p:cNvSpPr>
+            <a:spLocks noGrp="1"/>
+          </p:cNvSpPr>
+          <p:nvPr>
+            <p:ph type="title"/>
+          </p:nvPr>
+        </p:nvSpPr>
+        <p:spPr>
+          <a:xfrm>
+            <a:off x="685801" y="609601"/>
+            <a:ext cx="10131427" cy="3124199"/>
+          </a:xfrm>
+        </p:spPr>
+        <p:txBody>
+          <a:bodyPr anchor="ctr">
+            <a:normAutofit/>
+          </a:bodyPr>
+          <a:lstStyle>
+            <a:lvl1pPr algn="l">
+              <a:defRPr sz="3200" b="0" cap="none"/>
+            </a:lvl1pPr>
+          </a:lstStyle>
+          <a:p>
+            <a:r>
+              <a:rPr lang="pt-BR"/>
+              <a:t>Clique para editar o título Mestre</a:t>
+            </a:r>
+            <a:endParaRPr lang="en-US" dirty="0"/>
+          </a:p>
+        </p:txBody>
+      </p:sp>
+      <p:sp>
+        <p:nvSpPr>
+          <p:cNvPr id="3" name="Text Placeholder 2"/>
+          <p:cNvSpPr>
+            <a:spLocks noGrp="1"/>
+          </p:cNvSpPr>
+          <p:nvPr>
+            <p:ph type="body" idx="1"/>
+          </p:nvPr>
+        </p:nvSpPr>
+        <p:spPr>
+          <a:xfrm>
+            <a:off x="685800" y="4343400"/>
+            <a:ext cx="10131428" cy="1447800"/>
+          </a:xfrm>
+        </p:spPr>
+        <p:txBody>
+          <a:bodyPr anchor="ctr">
+            <a:normAutofit/>
+          </a:bodyPr>
+          <a:lstStyle>
+            <a:lvl1pPr marL="0" indent="0" algn="l">
+              <a:buNone/>
+              <a:defRPr sz="2000">
+                <a:solidFill>
+                  <a:schemeClr val="tx1"/>
+                </a:solidFill>
+              </a:defRPr>
+            </a:lvl1pPr>
+            <a:lvl2pPr marL="457200" indent="0">
+              <a:buNone/>
+              <a:defRPr sz="1800">
+                <a:solidFill>
+                  <a:schemeClr val="tx1">
+                    <a:tint val="75000"/>
+                  </a:schemeClr>
+                </a:solidFill>
+              </a:defRPr>
+            </a:lvl2pPr>
+            <a:lvl3pPr marL="914400" indent="0">
+              <a:buNone/>
+              <a:defRPr sz="1600">
+                <a:solidFill>
+                  <a:schemeClr val="tx1">
+                    <a:tint val="75000"/>
+                  </a:schemeClr>
+                </a:solidFill>
+              </a:defRPr>
+            </a:lvl3pPr>
+            <a:lvl4pPr marL="1371600" indent="0">
+              <a:buNone/>
+              <a:defRPr sz="1400">
+                <a:solidFill>
+                  <a:schemeClr val="tx1">
+                    <a:tint val="75000"/>
+                  </a:schemeClr>
+                </a:solidFill>
+              </a:defRPr>
+            </a:lvl4pPr>
+            <a:lvl5pPr marL="1828800" indent="0">
+              <a:buNone/>
+              <a:defRPr sz="1400">
+                <a:solidFill>
+                  <a:schemeClr val="tx1">
+                    <a:tint val="75000"/>
+                  </a:schemeClr>
+                </a:solidFill>
+              </a:defRPr>
+            </a:lvl5pPr>
+            <a:lvl6pPr marL="2286000" indent="0">
+              <a:buNone/>
+              <a:defRPr sz="1400">
+                <a:solidFill>
+                  <a:schemeClr val="tx1">
+                    <a:tint val="75000"/>
+                  </a:schemeClr>
+                </a:solidFill>
+              </a:defRPr>
+            </a:lvl6pPr>
+            <a:lvl7pPr marL="2743200" indent="0">
+              <a:buNone/>
+              <a:defRPr sz="1400">
+                <a:solidFill>
+                  <a:schemeClr val="tx1">
+                    <a:tint val="75000"/>
+                  </a:schemeClr>
+                </a:solidFill>
+              </a:defRPr>
+            </a:lvl7pPr>
+            <a:lvl8pPr marL="3200400" indent="0">
+              <a:buNone/>
+              <a:defRPr sz="1400">
+                <a:solidFill>
+                  <a:schemeClr val="tx1">
+                    <a:tint val="75000"/>
+                  </a:schemeClr>
+                </a:solidFill>
+              </a:defRPr>
+            </a:lvl8pPr>
+            <a:lvl9pPr marL="3657600" indent="0">
+              <a:buNone/>
+              <a:defRPr sz="1400">
+                <a:solidFill>
+                  <a:schemeClr val="tx1">
+                    <a:tint val="75000"/>
+                  </a:schemeClr>
+                </a:solidFill>
+              </a:defRPr>
+            </a:lvl9pPr>
+          </a:lstStyle>
+          <a:p>
+            <a:pPr lvl="0"/>
+            <a:r>
+              <a:rPr lang="pt-BR"/>
+              <a:t>Clique para editar os estilos de texto Mestres</a:t>
+            </a:r>
+          </a:p>
+        </p:txBody>
+      </p:sp>
+      <p:sp>
+        <p:nvSpPr>
+          <p:cNvPr id="4" name="Date Placeholder 3"/>
+          <p:cNvSpPr>
+            <a:spLocks noGrp="1"/>
+          </p:cNvSpPr>
+          <p:nvPr>
+            <p:ph type="dt" sz="half" idx="10"/>
+          </p:nvPr>
+        </p:nvSpPr>
+        <p:spPr/>
+        <p:txBody>
+          <a:bodyPr/>
+          <a:lstStyle/>
+          <a:p>
+            <a:fld id="{73F84220-E5C1-4CCC-8729-E034337E325F}" type="datetimeFigureOut">
+              <a:rPr lang="pt-BR" smtClean="0"/>
+              <a:t>10/09/2019</a:t>
+            </a:fld>
+            <a:endParaRPr lang="pt-BR"/>
+          </a:p>
+        </p:txBody>
+      </p:sp>
+      <p:sp>
+        <p:nvSpPr>
+          <p:cNvPr id="5" name="Footer Placeholder 4"/>
+          <p:cNvSpPr>
+            <a:spLocks noGrp="1"/>
+          </p:cNvSpPr>
+          <p:nvPr>
+            <p:ph type="ftr" sz="quarter" idx="11"/>
+          </p:nvPr>
+        </p:nvSpPr>
+        <p:spPr/>
+        <p:txBody>
+          <a:bodyPr/>
+          <a:lstStyle/>
+          <a:p>
+            <a:endParaRPr lang="pt-BR"/>
+          </a:p>
+        </p:txBody>
+      </p:sp>
+      <p:sp>
+        <p:nvSpPr>
+          <p:cNvPr id="6" name="Slide Number Placeholder 5"/>
+          <p:cNvSpPr>
+            <a:spLocks noGrp="1"/>
+          </p:cNvSpPr>
+          <p:nvPr>
+            <p:ph type="sldNum" sz="quarter" idx="12"/>
+          </p:nvPr>
+        </p:nvSpPr>
+        <p:spPr/>
+        <p:txBody>
+          <a:bodyPr/>
+          <a:lstStyle/>
+          <a:p>
+            <a:fld id="{8948A2B0-3D46-4435-BE96-F2E382CDFECB}" type="slidenum">
+              <a:rPr lang="pt-BR" smtClean="0"/>
+              <a:t>‹nº›</a:t>
+            </a:fld>
+            <a:endParaRPr lang="pt-BR"/>
+          </a:p>
+        </p:txBody>
+      </p:sp>
+    </p:spTree>
+    <p:extLst>
+      <p:ext uri="{BB962C8B-B14F-4D97-AF65-F5344CB8AC3E}">
+        <p14:creationId xmlns:p14="http://schemas.microsoft.com/office/powerpoint/2010/main" val="95301574"/>
+      </p:ext>
+    </p:extLst>
+  </p:cSld>
+  <p:clrMapOvr>
+    <a:masterClrMapping/>
+  </p:clrMapOvr>
+</p:sldLayout>
+</file>
+
+<file path=ppt/slideLayouts/slideLayout12.xml><?xml version="1.0" encoding="utf-8"?>
+<p:sldLayout xmlns:a="http://schemas.openxmlformats.org/drawingml/2006/main" xmlns:r="http://schemas.openxmlformats.org/officeDocument/2006/relationships" xmlns:p="http://schemas.openxmlformats.org/presentationml/2006/main" preserve="1">
+  <p:cSld name="Citação com Legenda">
+    <p:spTree>
+      <p:nvGrpSpPr>
+        <p:cNvPr id="1" name=""/>
+        <p:cNvGrpSpPr/>
+        <p:nvPr/>
+      </p:nvGrpSpPr>
+      <p:grpSpPr>
+        <a:xfrm>
+          <a:off x="0" y="0"/>
+          <a:ext cx="0" cy="0"/>
+          <a:chOff x="0" y="0"/>
+          <a:chExt cx="0" cy="0"/>
+        </a:xfrm>
+      </p:grpSpPr>
+      <p:pic>
+        <p:nvPicPr>
+          <p:cNvPr id="16" name="Picture 15" descr="Celestia-R1---OverlayContentHD.png"/>
+          <p:cNvPicPr>
+            <a:picLocks noChangeAspect="1"/>
+          </p:cNvPicPr>
+          <p:nvPr/>
+        </p:nvPicPr>
+        <p:blipFill>
+          <a:blip r:embed="rId2">
+            <a:extLst>
+              <a:ext uri="{28A0092B-C50C-407E-A947-70E740481C1C}">
+                <a14:useLocalDpi xmlns:a14="http://schemas.microsoft.com/office/drawing/2010/main" val="0"/>
+              </a:ext>
+            </a:extLst>
+          </a:blip>
+          <a:stretch>
+            <a:fillRect/>
+          </a:stretch>
+        </p:blipFill>
+        <p:spPr>
+          <a:xfrm>
+            <a:off x="0" y="0"/>
+            <a:ext cx="12188825" cy="6856214"/>
+          </a:xfrm>
+          <a:prstGeom prst="rect">
+            <a:avLst/>
+          </a:prstGeom>
+        </p:spPr>
+      </p:pic>
+      <p:sp>
+        <p:nvSpPr>
+          <p:cNvPr id="15" name="TextBox 14"/>
+          <p:cNvSpPr txBox="1"/>
+          <p:nvPr/>
+        </p:nvSpPr>
+        <p:spPr>
+          <a:xfrm>
+            <a:off x="10237867" y="2743200"/>
+            <a:ext cx="609600" cy="584776"/>
+          </a:xfrm>
+          <a:prstGeom prst="rect">
+            <a:avLst/>
+          </a:prstGeom>
+        </p:spPr>
+        <p:txBody>
+          <a:bodyPr vert="horz" lIns="91440" tIns="45720" rIns="91440" bIns="45720" rtlCol="0" anchor="ctr">
+            <a:noAutofit/>
+          </a:bodyPr>
+          <a:lstStyle>
+            <a:lvl1pPr>
+              <a:spcBef>
+                <a:spcPct val="0"/>
+              </a:spcBef>
+              <a:buNone/>
+              <a:defRPr sz="3200" b="0" cap="all">
+                <a:ln w="3175" cmpd="sng">
+                  <a:noFill/>
+                </a:ln>
+                <a:effectLst>
+                  <a:glow rad="38100">
+                    <a:schemeClr val="bg1">
+                      <a:lumMod val="65000"/>
+                      <a:lumOff val="35000"/>
+                      <a:alpha val="40000"/>
+                    </a:schemeClr>
+                  </a:glow>
+                  <a:outerShdw blurRad="28575" dist="38100" dir="14040000" algn="tl" rotWithShape="0">
+                    <a:srgbClr val="000000">
+                      <a:alpha val="25000"/>
+                    </a:srgbClr>
+                  </a:outerShdw>
+                </a:effectLst>
+              </a:defRPr>
+            </a:lvl1pPr>
+            <a:lvl2pPr>
+              <a:defRPr>
+                <a:solidFill>
+                  <a:schemeClr val="tx2"/>
+                </a:solidFill>
+              </a:defRPr>
+            </a:lvl2pPr>
+            <a:lvl3pPr>
+              <a:defRPr>
+                <a:solidFill>
+                  <a:schemeClr val="tx2"/>
+                </a:solidFill>
+              </a:defRPr>
+            </a:lvl3pPr>
+            <a:lvl4pPr>
+              <a:defRPr>
+                <a:solidFill>
+                  <a:schemeClr val="tx2"/>
+                </a:solidFill>
+              </a:defRPr>
+            </a:lvl4pPr>
+            <a:lvl5pPr>
+              <a:defRPr>
+                <a:solidFill>
+                  <a:schemeClr val="tx2"/>
+                </a:solidFill>
+              </a:defRPr>
+            </a:lvl5pPr>
+            <a:lvl6pPr>
+              <a:defRPr>
+                <a:solidFill>
+                  <a:schemeClr val="tx2"/>
+                </a:solidFill>
+              </a:defRPr>
+            </a:lvl6pPr>
+            <a:lvl7pPr>
+              <a:defRPr>
+                <a:solidFill>
+                  <a:schemeClr val="tx2"/>
+                </a:solidFill>
+              </a:defRPr>
+            </a:lvl7pPr>
+            <a:lvl8pPr>
+              <a:defRPr>
+                <a:solidFill>
+                  <a:schemeClr val="tx2"/>
+                </a:solidFill>
+              </a:defRPr>
+            </a:lvl8pPr>
+            <a:lvl9pPr>
+              <a:defRPr>
+                <a:solidFill>
+                  <a:schemeClr val="tx2"/>
+                </a:solidFill>
+              </a:defRPr>
+            </a:lvl9pPr>
+          </a:lstStyle>
+          <a:p>
+            <a:pPr lvl="0" algn="r"/>
+            <a:r>
+              <a:rPr lang="en-US" sz="8000" dirty="0">
+                <a:solidFill>
+                  <a:schemeClr val="tx1"/>
+                </a:solidFill>
+                <a:effectLst/>
+              </a:rPr>
+              <a:t>”</a:t>
+            </a:r>
+          </a:p>
+        </p:txBody>
+      </p:sp>
+      <p:sp>
+        <p:nvSpPr>
+          <p:cNvPr id="11" name="TextBox 10"/>
+          <p:cNvSpPr txBox="1"/>
+          <p:nvPr/>
+        </p:nvSpPr>
+        <p:spPr>
+          <a:xfrm>
+            <a:off x="488275" y="823337"/>
+            <a:ext cx="609600" cy="584776"/>
+          </a:xfrm>
+          <a:prstGeom prst="rect">
+            <a:avLst/>
+          </a:prstGeom>
+        </p:spPr>
+        <p:txBody>
+          <a:bodyPr vert="horz" lIns="91440" tIns="45720" rIns="91440" bIns="45720" rtlCol="0" anchor="ctr">
+            <a:noAutofit/>
+          </a:bodyPr>
+          <a:lstStyle>
+            <a:lvl1pPr>
+              <a:spcBef>
+                <a:spcPct val="0"/>
+              </a:spcBef>
+              <a:buNone/>
+              <a:defRPr sz="3200" b="0" cap="all">
+                <a:ln w="3175" cmpd="sng">
+                  <a:noFill/>
+                </a:ln>
+                <a:effectLst>
+                  <a:glow rad="38100">
+                    <a:schemeClr val="bg1">
+                      <a:lumMod val="65000"/>
+                      <a:lumOff val="35000"/>
+                      <a:alpha val="40000"/>
+                    </a:schemeClr>
+                  </a:glow>
+                  <a:outerShdw blurRad="28575" dist="38100" dir="14040000" algn="tl" rotWithShape="0">
+                    <a:srgbClr val="000000">
+                      <a:alpha val="25000"/>
+                    </a:srgbClr>
+                  </a:outerShdw>
+                </a:effectLst>
+              </a:defRPr>
+            </a:lvl1pPr>
+            <a:lvl2pPr>
+              <a:defRPr>
+                <a:solidFill>
+                  <a:schemeClr val="tx2"/>
+                </a:solidFill>
+              </a:defRPr>
+            </a:lvl2pPr>
+            <a:lvl3pPr>
+              <a:defRPr>
+                <a:solidFill>
+                  <a:schemeClr val="tx2"/>
+                </a:solidFill>
+              </a:defRPr>
+            </a:lvl3pPr>
+            <a:lvl4pPr>
+              <a:defRPr>
+                <a:solidFill>
+                  <a:schemeClr val="tx2"/>
+                </a:solidFill>
+              </a:defRPr>
+            </a:lvl4pPr>
+            <a:lvl5pPr>
+              <a:defRPr>
+                <a:solidFill>
+                  <a:schemeClr val="tx2"/>
+                </a:solidFill>
+              </a:defRPr>
+            </a:lvl5pPr>
+            <a:lvl6pPr>
+              <a:defRPr>
+                <a:solidFill>
+                  <a:schemeClr val="tx2"/>
+                </a:solidFill>
+              </a:defRPr>
+            </a:lvl6pPr>
+            <a:lvl7pPr>
+              <a:defRPr>
+                <a:solidFill>
+                  <a:schemeClr val="tx2"/>
+                </a:solidFill>
+              </a:defRPr>
+            </a:lvl7pPr>
+            <a:lvl8pPr>
+              <a:defRPr>
+                <a:solidFill>
+                  <a:schemeClr val="tx2"/>
+                </a:solidFill>
+              </a:defRPr>
+            </a:lvl8pPr>
+            <a:lvl9pPr>
+              <a:defRPr>
+                <a:solidFill>
+                  <a:schemeClr val="tx2"/>
+                </a:solidFill>
+              </a:defRPr>
+            </a:lvl9pPr>
+          </a:lstStyle>
+          <a:p>
+            <a:pPr lvl="0" algn="r"/>
+            <a:r>
+              <a:rPr lang="en-US" sz="8000" dirty="0">
+                <a:solidFill>
+                  <a:schemeClr val="tx1"/>
+                </a:solidFill>
+                <a:effectLst/>
+              </a:rPr>
+              <a:t>“</a:t>
+            </a:r>
+          </a:p>
+        </p:txBody>
+      </p:sp>
+      <p:sp>
+        <p:nvSpPr>
+          <p:cNvPr id="2" name="Title 1"/>
+          <p:cNvSpPr>
+            <a:spLocks noGrp="1"/>
+          </p:cNvSpPr>
+          <p:nvPr>
+            <p:ph type="title"/>
+          </p:nvPr>
+        </p:nvSpPr>
+        <p:spPr>
+          <a:xfrm>
+            <a:off x="992267" y="609601"/>
+            <a:ext cx="9550399" cy="2743199"/>
+          </a:xfrm>
+        </p:spPr>
+        <p:txBody>
+          <a:bodyPr anchor="ctr">
+            <a:normAutofit/>
+          </a:bodyPr>
+          <a:lstStyle>
+            <a:lvl1pPr algn="l">
+              <a:defRPr sz="3200" b="0" cap="none">
+                <a:solidFill>
+                  <a:schemeClr val="tx1"/>
+                </a:solidFill>
+              </a:defRPr>
+            </a:lvl1pPr>
+          </a:lstStyle>
+          <a:p>
+            <a:r>
+              <a:rPr lang="pt-BR"/>
+              <a:t>Clique para editar o título Mestre</a:t>
+            </a:r>
+            <a:endParaRPr lang="en-US" dirty="0"/>
+          </a:p>
+        </p:txBody>
+      </p:sp>
+      <p:sp>
+        <p:nvSpPr>
+          <p:cNvPr id="10" name="Text Placeholder 9"/>
+          <p:cNvSpPr>
+            <a:spLocks noGrp="1"/>
+          </p:cNvSpPr>
+          <p:nvPr>
+            <p:ph type="body" sz="quarter" idx="13"/>
+          </p:nvPr>
+        </p:nvSpPr>
+        <p:spPr>
+          <a:xfrm>
+            <a:off x="1097875" y="3352800"/>
+            <a:ext cx="9339184" cy="381000"/>
+          </a:xfrm>
+        </p:spPr>
+        <p:txBody>
+          <a:bodyPr anchor="ctr"/>
+          <a:lstStyle>
+            <a:lvl1pPr marL="0" indent="0">
+              <a:buFontTx/>
+              <a:buNone/>
+              <a:defRPr/>
+            </a:lvl1pPr>
+            <a:lvl2pPr marL="457200" indent="0">
+              <a:buFontTx/>
+              <a:buNone/>
+              <a:defRPr/>
+            </a:lvl2pPr>
+            <a:lvl3pPr marL="914400" indent="0">
+              <a:buFontTx/>
+              <a:buNone/>
+              <a:defRPr/>
+            </a:lvl3pPr>
+            <a:lvl4pPr marL="1371600" indent="0">
+              <a:buFontTx/>
+              <a:buNone/>
+              <a:defRPr/>
+            </a:lvl4pPr>
+            <a:lvl5pPr marL="1828800" indent="0">
+              <a:buFontTx/>
+              <a:buNone/>
+              <a:defRPr/>
+            </a:lvl5pPr>
+          </a:lstStyle>
+          <a:p>
+            <a:pPr lvl="0"/>
+            <a:r>
+              <a:rPr lang="pt-BR"/>
+              <a:t>Clique para editar os estilos de texto Mestres</a:t>
+            </a:r>
+          </a:p>
+        </p:txBody>
+      </p:sp>
+      <p:sp>
+        <p:nvSpPr>
+          <p:cNvPr id="3" name="Text Placeholder 2"/>
+          <p:cNvSpPr>
+            <a:spLocks noGrp="1"/>
+          </p:cNvSpPr>
+          <p:nvPr>
+            <p:ph type="body" idx="1"/>
+          </p:nvPr>
+        </p:nvSpPr>
+        <p:spPr>
+          <a:xfrm>
+            <a:off x="687465" y="4343400"/>
+            <a:ext cx="10152367" cy="1447800"/>
+          </a:xfrm>
+        </p:spPr>
+        <p:txBody>
+          <a:bodyPr anchor="ctr">
+            <a:normAutofit/>
+          </a:bodyPr>
+          <a:lstStyle>
+            <a:lvl1pPr marL="0" indent="0" algn="l">
+              <a:buNone/>
+              <a:defRPr sz="2000">
+                <a:solidFill>
+                  <a:schemeClr val="tx1"/>
+                </a:solidFill>
+              </a:defRPr>
+            </a:lvl1pPr>
+            <a:lvl2pPr marL="457200" indent="0">
+              <a:buNone/>
+              <a:defRPr sz="1800">
+                <a:solidFill>
+                  <a:schemeClr val="tx1">
+                    <a:tint val="75000"/>
+                  </a:schemeClr>
+                </a:solidFill>
+              </a:defRPr>
+            </a:lvl2pPr>
+            <a:lvl3pPr marL="914400" indent="0">
+              <a:buNone/>
+              <a:defRPr sz="1600">
+                <a:solidFill>
+                  <a:schemeClr val="tx1">
+                    <a:tint val="75000"/>
+                  </a:schemeClr>
+                </a:solidFill>
+              </a:defRPr>
+            </a:lvl3pPr>
+            <a:lvl4pPr marL="1371600" indent="0">
+              <a:buNone/>
+              <a:defRPr sz="1400">
+                <a:solidFill>
+                  <a:schemeClr val="tx1">
+                    <a:tint val="75000"/>
+                  </a:schemeClr>
+                </a:solidFill>
+              </a:defRPr>
+            </a:lvl4pPr>
+            <a:lvl5pPr marL="1828800" indent="0">
+              <a:buNone/>
+              <a:defRPr sz="1400">
+                <a:solidFill>
+                  <a:schemeClr val="tx1">
+                    <a:tint val="75000"/>
+                  </a:schemeClr>
+                </a:solidFill>
+              </a:defRPr>
+            </a:lvl5pPr>
+            <a:lvl6pPr marL="2286000" indent="0">
+              <a:buNone/>
+              <a:defRPr sz="1400">
+                <a:solidFill>
+                  <a:schemeClr val="tx1">
+                    <a:tint val="75000"/>
+                  </a:schemeClr>
+                </a:solidFill>
+              </a:defRPr>
+            </a:lvl6pPr>
+            <a:lvl7pPr marL="2743200" indent="0">
+              <a:buNone/>
+              <a:defRPr sz="1400">
+                <a:solidFill>
+                  <a:schemeClr val="tx1">
+                    <a:tint val="75000"/>
+                  </a:schemeClr>
+                </a:solidFill>
+              </a:defRPr>
+            </a:lvl7pPr>
+            <a:lvl8pPr marL="3200400" indent="0">
+              <a:buNone/>
+              <a:defRPr sz="1400">
+                <a:solidFill>
+                  <a:schemeClr val="tx1">
+                    <a:tint val="75000"/>
+                  </a:schemeClr>
+                </a:solidFill>
+              </a:defRPr>
+            </a:lvl8pPr>
+            <a:lvl9pPr marL="3657600" indent="0">
+              <a:buNone/>
+              <a:defRPr sz="1400">
+                <a:solidFill>
+                  <a:schemeClr val="tx1">
+                    <a:tint val="75000"/>
+                  </a:schemeClr>
+                </a:solidFill>
+              </a:defRPr>
+            </a:lvl9pPr>
+          </a:lstStyle>
+          <a:p>
+            <a:pPr lvl="0"/>
+            <a:r>
+              <a:rPr lang="pt-BR"/>
+              <a:t>Clique para editar os estilos de texto Mestres</a:t>
+            </a:r>
+          </a:p>
+        </p:txBody>
+      </p:sp>
+      <p:sp>
+        <p:nvSpPr>
+          <p:cNvPr id="4" name="Date Placeholder 3"/>
+          <p:cNvSpPr>
+            <a:spLocks noGrp="1"/>
+          </p:cNvSpPr>
+          <p:nvPr>
+            <p:ph type="dt" sz="half" idx="10"/>
+          </p:nvPr>
+        </p:nvSpPr>
+        <p:spPr/>
+        <p:txBody>
+          <a:bodyPr/>
+          <a:lstStyle/>
+          <a:p>
+            <a:fld id="{73F84220-E5C1-4CCC-8729-E034337E325F}" type="datetimeFigureOut">
+              <a:rPr lang="pt-BR" smtClean="0"/>
+              <a:t>10/09/2019</a:t>
+            </a:fld>
+            <a:endParaRPr lang="pt-BR"/>
+          </a:p>
+        </p:txBody>
+      </p:sp>
+      <p:sp>
+        <p:nvSpPr>
+          <p:cNvPr id="5" name="Footer Placeholder 4"/>
+          <p:cNvSpPr>
+            <a:spLocks noGrp="1"/>
+          </p:cNvSpPr>
+          <p:nvPr>
+            <p:ph type="ftr" sz="quarter" idx="11"/>
+          </p:nvPr>
+        </p:nvSpPr>
+        <p:spPr/>
+        <p:txBody>
+          <a:bodyPr/>
+          <a:lstStyle/>
+          <a:p>
+            <a:endParaRPr lang="pt-BR"/>
+          </a:p>
+        </p:txBody>
+      </p:sp>
+      <p:sp>
+        <p:nvSpPr>
+          <p:cNvPr id="6" name="Slide Number Placeholder 5"/>
+          <p:cNvSpPr>
+            <a:spLocks noGrp="1"/>
+          </p:cNvSpPr>
+          <p:nvPr>
+            <p:ph type="sldNum" sz="quarter" idx="12"/>
+          </p:nvPr>
+        </p:nvSpPr>
+        <p:spPr/>
+        <p:txBody>
+          <a:bodyPr/>
+          <a:lstStyle/>
+          <a:p>
+            <a:fld id="{8948A2B0-3D46-4435-BE96-F2E382CDFECB}" type="slidenum">
+              <a:rPr lang="pt-BR" smtClean="0"/>
+              <a:t>‹nº›</a:t>
+            </a:fld>
+            <a:endParaRPr lang="pt-BR"/>
+          </a:p>
+        </p:txBody>
+      </p:sp>
+    </p:spTree>
+    <p:extLst>
+      <p:ext uri="{BB962C8B-B14F-4D97-AF65-F5344CB8AC3E}">
+        <p14:creationId xmlns:p14="http://schemas.microsoft.com/office/powerpoint/2010/main" val="3511686941"/>
+      </p:ext>
+    </p:extLst>
+  </p:cSld>
+  <p:clrMapOvr>
+    <a:masterClrMapping/>
+  </p:clrMapOvr>
+</p:sldLayout>
+</file>
+
+<file path=ppt/slideLayouts/slideLayout13.xml><?xml version="1.0" encoding="utf-8"?>
+<p:sldLayout xmlns:a="http://schemas.openxmlformats.org/drawingml/2006/main" xmlns:r="http://schemas.openxmlformats.org/officeDocument/2006/relationships" xmlns:p="http://schemas.openxmlformats.org/presentationml/2006/main" preserve="1">
+  <p:cSld name="Cartão de Nome">
+    <p:spTree>
+      <p:nvGrpSpPr>
+        <p:cNvPr id="1" name=""/>
+        <p:cNvGrpSpPr/>
+        <p:nvPr/>
+      </p:nvGrpSpPr>
+      <p:grpSpPr>
+        <a:xfrm>
+          <a:off x="0" y="0"/>
+          <a:ext cx="0" cy="0"/>
+          <a:chOff x="0" y="0"/>
+          <a:chExt cx="0" cy="0"/>
+        </a:xfrm>
+      </p:grpSpPr>
+      <p:pic>
+        <p:nvPicPr>
+          <p:cNvPr id="8" name="Picture 7" descr="Celestia-R1---OverlayContentHD.png"/>
+          <p:cNvPicPr>
+            <a:picLocks noChangeAspect="1"/>
+          </p:cNvPicPr>
+          <p:nvPr/>
+        </p:nvPicPr>
+        <p:blipFill>
+          <a:blip r:embed="rId2">
+            <a:extLst>
+              <a:ext uri="{28A0092B-C50C-407E-A947-70E740481C1C}">
+                <a14:useLocalDpi xmlns:a14="http://schemas.microsoft.com/office/drawing/2010/main" val="0"/>
+              </a:ext>
+            </a:extLst>
+          </a:blip>
+          <a:stretch>
+            <a:fillRect/>
+          </a:stretch>
+        </p:blipFill>
+        <p:spPr>
+          <a:xfrm>
+            <a:off x="0" y="0"/>
+            <a:ext cx="12188825" cy="6856214"/>
+          </a:xfrm>
+          <a:prstGeom prst="rect">
+            <a:avLst/>
+          </a:prstGeom>
+        </p:spPr>
+      </p:pic>
+      <p:sp>
+        <p:nvSpPr>
+          <p:cNvPr id="2" name="Title 1"/>
+          <p:cNvSpPr>
+            <a:spLocks noGrp="1"/>
+          </p:cNvSpPr>
+          <p:nvPr>
+            <p:ph type="title"/>
+          </p:nvPr>
+        </p:nvSpPr>
+        <p:spPr>
+          <a:xfrm>
+            <a:off x="685802" y="3308581"/>
+            <a:ext cx="10131425" cy="1468800"/>
+          </a:xfrm>
+        </p:spPr>
+        <p:txBody>
+          <a:bodyPr anchor="b">
+            <a:normAutofit/>
+          </a:bodyPr>
+          <a:lstStyle>
+            <a:lvl1pPr algn="l">
+              <a:defRPr sz="3200" b="0" cap="none"/>
+            </a:lvl1pPr>
+          </a:lstStyle>
+          <a:p>
+            <a:r>
+              <a:rPr lang="pt-BR"/>
+              <a:t>Clique para editar o título Mestre</a:t>
+            </a:r>
+            <a:endParaRPr lang="en-US" dirty="0"/>
+          </a:p>
+        </p:txBody>
+      </p:sp>
+      <p:sp>
+        <p:nvSpPr>
+          <p:cNvPr id="3" name="Text Placeholder 2"/>
+          <p:cNvSpPr>
+            <a:spLocks noGrp="1"/>
+          </p:cNvSpPr>
+          <p:nvPr>
+            <p:ph type="body" idx="1"/>
+          </p:nvPr>
+        </p:nvSpPr>
+        <p:spPr>
+          <a:xfrm>
+            <a:off x="685801" y="4777381"/>
+            <a:ext cx="10131426" cy="860400"/>
+          </a:xfrm>
+        </p:spPr>
+        <p:txBody>
+          <a:bodyPr anchor="t">
+            <a:normAutofit/>
+          </a:bodyPr>
+          <a:lstStyle>
+            <a:lvl1pPr marL="0" indent="0" algn="l">
+              <a:buNone/>
+              <a:defRPr sz="2000">
+                <a:solidFill>
+                  <a:schemeClr val="tx1"/>
+                </a:solidFill>
+              </a:defRPr>
+            </a:lvl1pPr>
+            <a:lvl2pPr marL="457200" indent="0">
+              <a:buNone/>
+              <a:defRPr sz="1800">
+                <a:solidFill>
+                  <a:schemeClr val="tx1">
+                    <a:tint val="75000"/>
+                  </a:schemeClr>
+                </a:solidFill>
+              </a:defRPr>
+            </a:lvl2pPr>
+            <a:lvl3pPr marL="914400" indent="0">
+              <a:buNone/>
+              <a:defRPr sz="1600">
+                <a:solidFill>
+                  <a:schemeClr val="tx1">
+                    <a:tint val="75000"/>
+                  </a:schemeClr>
+                </a:solidFill>
+              </a:defRPr>
+            </a:lvl3pPr>
+            <a:lvl4pPr marL="1371600" indent="0">
+              <a:buNone/>
+              <a:defRPr sz="1400">
+                <a:solidFill>
+                  <a:schemeClr val="tx1">
+                    <a:tint val="75000"/>
+                  </a:schemeClr>
+                </a:solidFill>
+              </a:defRPr>
+            </a:lvl4pPr>
+            <a:lvl5pPr marL="1828800" indent="0">
+              <a:buNone/>
+              <a:defRPr sz="1400">
+                <a:solidFill>
+                  <a:schemeClr val="tx1">
+                    <a:tint val="75000"/>
+                  </a:schemeClr>
+                </a:solidFill>
+              </a:defRPr>
+            </a:lvl5pPr>
+            <a:lvl6pPr marL="2286000" indent="0">
+              <a:buNone/>
+              <a:defRPr sz="1400">
+                <a:solidFill>
+                  <a:schemeClr val="tx1">
+                    <a:tint val="75000"/>
+                  </a:schemeClr>
+                </a:solidFill>
+              </a:defRPr>
+            </a:lvl6pPr>
+            <a:lvl7pPr marL="2743200" indent="0">
+              <a:buNone/>
+              <a:defRPr sz="1400">
+                <a:solidFill>
+                  <a:schemeClr val="tx1">
+                    <a:tint val="75000"/>
+                  </a:schemeClr>
+                </a:solidFill>
+              </a:defRPr>
+            </a:lvl7pPr>
+            <a:lvl8pPr marL="3200400" indent="0">
+              <a:buNone/>
+              <a:defRPr sz="1400">
+                <a:solidFill>
+                  <a:schemeClr val="tx1">
+                    <a:tint val="75000"/>
+                  </a:schemeClr>
+                </a:solidFill>
+              </a:defRPr>
+            </a:lvl8pPr>
+            <a:lvl9pPr marL="3657600" indent="0">
+              <a:buNone/>
+              <a:defRPr sz="1400">
+                <a:solidFill>
+                  <a:schemeClr val="tx1">
+                    <a:tint val="75000"/>
+                  </a:schemeClr>
+                </a:solidFill>
+              </a:defRPr>
+            </a:lvl9pPr>
+          </a:lstStyle>
+          <a:p>
+            <a:pPr lvl="0"/>
+            <a:r>
+              <a:rPr lang="pt-BR"/>
+              <a:t>Clique para editar os estilos de texto Mestres</a:t>
+            </a:r>
+          </a:p>
+        </p:txBody>
+      </p:sp>
+      <p:sp>
+        <p:nvSpPr>
+          <p:cNvPr id="4" name="Date Placeholder 3"/>
+          <p:cNvSpPr>
+            <a:spLocks noGrp="1"/>
+          </p:cNvSpPr>
+          <p:nvPr>
+            <p:ph type="dt" sz="half" idx="10"/>
+          </p:nvPr>
+        </p:nvSpPr>
+        <p:spPr/>
+        <p:txBody>
+          <a:bodyPr/>
+          <a:lstStyle/>
+          <a:p>
+            <a:fld id="{73F84220-E5C1-4CCC-8729-E034337E325F}" type="datetimeFigureOut">
+              <a:rPr lang="pt-BR" smtClean="0"/>
+              <a:t>10/09/2019</a:t>
+            </a:fld>
+            <a:endParaRPr lang="pt-BR"/>
+          </a:p>
+        </p:txBody>
+      </p:sp>
+      <p:sp>
+        <p:nvSpPr>
+          <p:cNvPr id="5" name="Footer Placeholder 4"/>
+          <p:cNvSpPr>
+            <a:spLocks noGrp="1"/>
+          </p:cNvSpPr>
+          <p:nvPr>
+            <p:ph type="ftr" sz="quarter" idx="11"/>
+          </p:nvPr>
+        </p:nvSpPr>
+        <p:spPr/>
+        <p:txBody>
+          <a:bodyPr/>
+          <a:lstStyle/>
+          <a:p>
+            <a:endParaRPr lang="pt-BR"/>
+          </a:p>
+        </p:txBody>
+      </p:sp>
+      <p:sp>
+        <p:nvSpPr>
+          <p:cNvPr id="6" name="Slide Number Placeholder 5"/>
+          <p:cNvSpPr>
+            <a:spLocks noGrp="1"/>
+          </p:cNvSpPr>
+          <p:nvPr>
+            <p:ph type="sldNum" sz="quarter" idx="12"/>
+          </p:nvPr>
+        </p:nvSpPr>
+        <p:spPr/>
+        <p:txBody>
+          <a:bodyPr/>
+          <a:lstStyle/>
+          <a:p>
+            <a:fld id="{8948A2B0-3D46-4435-BE96-F2E382CDFECB}" type="slidenum">
+              <a:rPr lang="pt-BR" smtClean="0"/>
+              <a:t>‹nº›</a:t>
+            </a:fld>
+            <a:endParaRPr lang="pt-BR"/>
+          </a:p>
+        </p:txBody>
+      </p:sp>
+    </p:spTree>
+    <p:extLst>
+      <p:ext uri="{BB962C8B-B14F-4D97-AF65-F5344CB8AC3E}">
+        <p14:creationId xmlns:p14="http://schemas.microsoft.com/office/powerpoint/2010/main" val="27598019"/>
+      </p:ext>
+    </p:extLst>
+  </p:cSld>
+  <p:clrMapOvr>
+    <a:masterClrMapping/>
+  </p:clrMapOvr>
+</p:sldLayout>
+</file>
+
+<file path=ppt/slideLayouts/slideLayout14.xml><?xml version="1.0" encoding="utf-8"?>
+<p:sldLayout xmlns:a="http://schemas.openxmlformats.org/drawingml/2006/main" xmlns:r="http://schemas.openxmlformats.org/officeDocument/2006/relationships" xmlns:p="http://schemas.openxmlformats.org/presentationml/2006/main" preserve="1">
+  <p:cSld name="Citar o Cartão de Nome">
+    <p:spTree>
+      <p:nvGrpSpPr>
+        <p:cNvPr id="1" name=""/>
+        <p:cNvGrpSpPr/>
+        <p:nvPr/>
+      </p:nvGrpSpPr>
+      <p:grpSpPr>
+        <a:xfrm>
+          <a:off x="0" y="0"/>
+          <a:ext cx="0" cy="0"/>
+          <a:chOff x="0" y="0"/>
+          <a:chExt cx="0" cy="0"/>
+        </a:xfrm>
+      </p:grpSpPr>
+      <p:pic>
+        <p:nvPicPr>
+          <p:cNvPr id="11" name="Picture 10" descr="Celestia-R1---OverlayContentHD.png"/>
+          <p:cNvPicPr>
+            <a:picLocks noChangeAspect="1"/>
+          </p:cNvPicPr>
+          <p:nvPr/>
+        </p:nvPicPr>
+        <p:blipFill>
+          <a:blip r:embed="rId2">
+            <a:extLst>
+              <a:ext uri="{28A0092B-C50C-407E-A947-70E740481C1C}">
+                <a14:useLocalDpi xmlns:a14="http://schemas.microsoft.com/office/drawing/2010/main" val="0"/>
+              </a:ext>
+            </a:extLst>
+          </a:blip>
+          <a:stretch>
+            <a:fillRect/>
+          </a:stretch>
+        </p:blipFill>
+        <p:spPr>
+          <a:xfrm>
+            <a:off x="0" y="0"/>
+            <a:ext cx="12188825" cy="6856214"/>
+          </a:xfrm>
+          <a:prstGeom prst="rect">
+            <a:avLst/>
+          </a:prstGeom>
+        </p:spPr>
+      </p:pic>
+      <p:sp>
+        <p:nvSpPr>
+          <p:cNvPr id="13" name="TextBox 12"/>
+          <p:cNvSpPr txBox="1"/>
+          <p:nvPr/>
+        </p:nvSpPr>
+        <p:spPr>
+          <a:xfrm>
+            <a:off x="10237867" y="2743200"/>
+            <a:ext cx="609600" cy="584776"/>
+          </a:xfrm>
+          <a:prstGeom prst="rect">
+            <a:avLst/>
+          </a:prstGeom>
+        </p:spPr>
+        <p:txBody>
+          <a:bodyPr vert="horz" lIns="91440" tIns="45720" rIns="91440" bIns="45720" rtlCol="0" anchor="ctr">
+            <a:noAutofit/>
+          </a:bodyPr>
+          <a:lstStyle>
+            <a:lvl1pPr>
+              <a:spcBef>
+                <a:spcPct val="0"/>
+              </a:spcBef>
+              <a:buNone/>
+              <a:defRPr sz="3200" b="0" cap="all">
+                <a:ln w="3175" cmpd="sng">
+                  <a:noFill/>
+                </a:ln>
+                <a:effectLst>
+                  <a:glow rad="38100">
+                    <a:schemeClr val="bg1">
+                      <a:lumMod val="65000"/>
+                      <a:lumOff val="35000"/>
+                      <a:alpha val="40000"/>
+                    </a:schemeClr>
+                  </a:glow>
+                  <a:outerShdw blurRad="28575" dist="38100" dir="14040000" algn="tl" rotWithShape="0">
+                    <a:srgbClr val="000000">
+                      <a:alpha val="25000"/>
+                    </a:srgbClr>
+                  </a:outerShdw>
+                </a:effectLst>
+              </a:defRPr>
+            </a:lvl1pPr>
+            <a:lvl2pPr>
+              <a:defRPr>
+                <a:solidFill>
+                  <a:schemeClr val="tx2"/>
+                </a:solidFill>
+              </a:defRPr>
+            </a:lvl2pPr>
+            <a:lvl3pPr>
+              <a:defRPr>
+                <a:solidFill>
+                  <a:schemeClr val="tx2"/>
+                </a:solidFill>
+              </a:defRPr>
+            </a:lvl3pPr>
+            <a:lvl4pPr>
+              <a:defRPr>
+                <a:solidFill>
+                  <a:schemeClr val="tx2"/>
+                </a:solidFill>
+              </a:defRPr>
+            </a:lvl4pPr>
+            <a:lvl5pPr>
+              <a:defRPr>
+                <a:solidFill>
+                  <a:schemeClr val="tx2"/>
+                </a:solidFill>
+              </a:defRPr>
+            </a:lvl5pPr>
+            <a:lvl6pPr>
+              <a:defRPr>
+                <a:solidFill>
+                  <a:schemeClr val="tx2"/>
+                </a:solidFill>
+              </a:defRPr>
+            </a:lvl6pPr>
+            <a:lvl7pPr>
+              <a:defRPr>
+                <a:solidFill>
+                  <a:schemeClr val="tx2"/>
+                </a:solidFill>
+              </a:defRPr>
+            </a:lvl7pPr>
+            <a:lvl8pPr>
+              <a:defRPr>
+                <a:solidFill>
+                  <a:schemeClr val="tx2"/>
+                </a:solidFill>
+              </a:defRPr>
+            </a:lvl8pPr>
+            <a:lvl9pPr>
+              <a:defRPr>
+                <a:solidFill>
+                  <a:schemeClr val="tx2"/>
+                </a:solidFill>
+              </a:defRPr>
+            </a:lvl9pPr>
+          </a:lstStyle>
+          <a:p>
+            <a:pPr lvl="0" algn="r"/>
+            <a:r>
+              <a:rPr lang="en-US" sz="8000" dirty="0">
+                <a:solidFill>
+                  <a:schemeClr val="tx1"/>
+                </a:solidFill>
+                <a:effectLst/>
+              </a:rPr>
+              <a:t>”</a:t>
+            </a:r>
+          </a:p>
+        </p:txBody>
+      </p:sp>
+      <p:sp>
+        <p:nvSpPr>
+          <p:cNvPr id="14" name="TextBox 13"/>
+          <p:cNvSpPr txBox="1"/>
+          <p:nvPr/>
+        </p:nvSpPr>
+        <p:spPr>
+          <a:xfrm>
+            <a:off x="488275" y="823337"/>
+            <a:ext cx="609600" cy="584776"/>
+          </a:xfrm>
+          <a:prstGeom prst="rect">
+            <a:avLst/>
+          </a:prstGeom>
+        </p:spPr>
+        <p:txBody>
+          <a:bodyPr vert="horz" lIns="91440" tIns="45720" rIns="91440" bIns="45720" rtlCol="0" anchor="ctr">
+            <a:noAutofit/>
+          </a:bodyPr>
+          <a:lstStyle>
+            <a:lvl1pPr>
+              <a:spcBef>
+                <a:spcPct val="0"/>
+              </a:spcBef>
+              <a:buNone/>
+              <a:defRPr sz="3200" b="0" cap="all">
+                <a:ln w="3175" cmpd="sng">
+                  <a:noFill/>
+                </a:ln>
+                <a:effectLst>
+                  <a:glow rad="38100">
+                    <a:schemeClr val="bg1">
+                      <a:lumMod val="65000"/>
+                      <a:lumOff val="35000"/>
+                      <a:alpha val="40000"/>
+                    </a:schemeClr>
+                  </a:glow>
+                  <a:outerShdw blurRad="28575" dist="38100" dir="14040000" algn="tl" rotWithShape="0">
+                    <a:srgbClr val="000000">
+                      <a:alpha val="25000"/>
+                    </a:srgbClr>
+                  </a:outerShdw>
+                </a:effectLst>
+              </a:defRPr>
+            </a:lvl1pPr>
+            <a:lvl2pPr>
+              <a:defRPr>
+                <a:solidFill>
+                  <a:schemeClr val="tx2"/>
+                </a:solidFill>
+              </a:defRPr>
+            </a:lvl2pPr>
+            <a:lvl3pPr>
+              <a:defRPr>
+                <a:solidFill>
+                  <a:schemeClr val="tx2"/>
+                </a:solidFill>
+              </a:defRPr>
+            </a:lvl3pPr>
+            <a:lvl4pPr>
+              <a:defRPr>
+                <a:solidFill>
+                  <a:schemeClr val="tx2"/>
+                </a:solidFill>
+              </a:defRPr>
+            </a:lvl4pPr>
+            <a:lvl5pPr>
+              <a:defRPr>
+                <a:solidFill>
+                  <a:schemeClr val="tx2"/>
+                </a:solidFill>
+              </a:defRPr>
+            </a:lvl5pPr>
+            <a:lvl6pPr>
+              <a:defRPr>
+                <a:solidFill>
+                  <a:schemeClr val="tx2"/>
+                </a:solidFill>
+              </a:defRPr>
+            </a:lvl6pPr>
+            <a:lvl7pPr>
+              <a:defRPr>
+                <a:solidFill>
+                  <a:schemeClr val="tx2"/>
+                </a:solidFill>
+              </a:defRPr>
+            </a:lvl7pPr>
+            <a:lvl8pPr>
+              <a:defRPr>
+                <a:solidFill>
+                  <a:schemeClr val="tx2"/>
+                </a:solidFill>
+              </a:defRPr>
+            </a:lvl8pPr>
+            <a:lvl9pPr>
+              <a:defRPr>
+                <a:solidFill>
+                  <a:schemeClr val="tx2"/>
+                </a:solidFill>
+              </a:defRPr>
+            </a:lvl9pPr>
+          </a:lstStyle>
+          <a:p>
+            <a:pPr lvl="0" algn="r"/>
+            <a:r>
+              <a:rPr lang="en-US" sz="8000" dirty="0">
+                <a:solidFill>
+                  <a:schemeClr val="tx1"/>
+                </a:solidFill>
+                <a:effectLst/>
+              </a:rPr>
+              <a:t>“</a:t>
+            </a:r>
+          </a:p>
+        </p:txBody>
+      </p:sp>
+      <p:sp>
+        <p:nvSpPr>
+          <p:cNvPr id="16" name="Title 1"/>
+          <p:cNvSpPr>
+            <a:spLocks noGrp="1"/>
+          </p:cNvSpPr>
+          <p:nvPr>
+            <p:ph type="title"/>
+          </p:nvPr>
+        </p:nvSpPr>
+        <p:spPr>
+          <a:xfrm>
+            <a:off x="992267" y="609601"/>
+            <a:ext cx="9550399" cy="2743199"/>
+          </a:xfrm>
+        </p:spPr>
+        <p:txBody>
+          <a:bodyPr anchor="ctr">
+            <a:normAutofit/>
+          </a:bodyPr>
+          <a:lstStyle>
+            <a:lvl1pPr algn="l">
+              <a:defRPr sz="3200" b="0" cap="none">
+                <a:solidFill>
+                  <a:schemeClr val="tx1"/>
+                </a:solidFill>
+              </a:defRPr>
+            </a:lvl1pPr>
+          </a:lstStyle>
+          <a:p>
+            <a:r>
+              <a:rPr lang="pt-BR"/>
+              <a:t>Clique para editar o título Mestre</a:t>
+            </a:r>
+            <a:endParaRPr lang="en-US" dirty="0"/>
+          </a:p>
+        </p:txBody>
+      </p:sp>
+      <p:sp>
+        <p:nvSpPr>
+          <p:cNvPr id="10" name="Text Placeholder 9"/>
+          <p:cNvSpPr>
+            <a:spLocks noGrp="1"/>
+          </p:cNvSpPr>
+          <p:nvPr>
+            <p:ph type="body" sz="quarter" idx="13"/>
+          </p:nvPr>
+        </p:nvSpPr>
+        <p:spPr>
+          <a:xfrm>
+            <a:off x="685800" y="3886200"/>
+            <a:ext cx="10135436" cy="889000"/>
+          </a:xfrm>
+        </p:spPr>
+        <p:txBody>
+          <a:bodyPr vert="horz" lIns="91440" tIns="45720" rIns="91440" bIns="45720" rtlCol="0" anchor="b">
+            <a:normAutofit/>
+          </a:bodyPr>
+          <a:lstStyle>
+            <a:lvl1pPr>
+              <a:buNone/>
+              <a:defRPr lang="en-US" sz="2400" b="0" cap="none" dirty="0">
+                <a:ln w="3175" cmpd="sng">
+                  <a:noFill/>
+                </a:ln>
+                <a:solidFill>
+                  <a:schemeClr val="tx1"/>
+                </a:solidFill>
+                <a:effectLst/>
+              </a:defRPr>
+            </a:lvl1pPr>
+          </a:lstStyle>
+          <a:p>
+            <a:pPr marL="0" lvl="0">
+              <a:spcBef>
+                <a:spcPct val="0"/>
+              </a:spcBef>
+              <a:buNone/>
+            </a:pPr>
+            <a:r>
+              <a:rPr lang="pt-BR"/>
+              <a:t>Clique para editar os estilos de texto Mestres</a:t>
+            </a:r>
+          </a:p>
+        </p:txBody>
+      </p:sp>
+      <p:sp>
+        <p:nvSpPr>
+          <p:cNvPr id="3" name="Text Placeholder 2"/>
+          <p:cNvSpPr>
+            <a:spLocks noGrp="1"/>
+          </p:cNvSpPr>
+          <p:nvPr>
+            <p:ph type="body" idx="1"/>
+          </p:nvPr>
+        </p:nvSpPr>
+        <p:spPr>
+          <a:xfrm>
+            <a:off x="685799" y="4775200"/>
+            <a:ext cx="10135436" cy="1016000"/>
+          </a:xfrm>
+        </p:spPr>
+        <p:txBody>
+          <a:bodyPr anchor="t">
+            <a:normAutofit/>
+          </a:bodyPr>
+          <a:lstStyle>
+            <a:lvl1pPr marL="0" indent="0" algn="l">
+              <a:buNone/>
+              <a:defRPr sz="1800">
+                <a:solidFill>
+                  <a:schemeClr val="tx1"/>
+                </a:solidFill>
+              </a:defRPr>
+            </a:lvl1pPr>
+            <a:lvl2pPr marL="457200" indent="0">
+              <a:buNone/>
+              <a:defRPr sz="1800">
+                <a:solidFill>
+                  <a:schemeClr val="tx1">
+                    <a:tint val="75000"/>
+                  </a:schemeClr>
+                </a:solidFill>
+              </a:defRPr>
+            </a:lvl2pPr>
+            <a:lvl3pPr marL="914400" indent="0">
+              <a:buNone/>
+              <a:defRPr sz="1600">
+                <a:solidFill>
+                  <a:schemeClr val="tx1">
+                    <a:tint val="75000"/>
+                  </a:schemeClr>
+                </a:solidFill>
+              </a:defRPr>
+            </a:lvl3pPr>
+            <a:lvl4pPr marL="1371600" indent="0">
+              <a:buNone/>
+              <a:defRPr sz="1400">
+                <a:solidFill>
+                  <a:schemeClr val="tx1">
+                    <a:tint val="75000"/>
+                  </a:schemeClr>
+                </a:solidFill>
+              </a:defRPr>
+            </a:lvl4pPr>
+            <a:lvl5pPr marL="1828800" indent="0">
+              <a:buNone/>
+              <a:defRPr sz="1400">
+                <a:solidFill>
+                  <a:schemeClr val="tx1">
+                    <a:tint val="75000"/>
+                  </a:schemeClr>
+                </a:solidFill>
+              </a:defRPr>
+            </a:lvl5pPr>
+            <a:lvl6pPr marL="2286000" indent="0">
+              <a:buNone/>
+              <a:defRPr sz="1400">
+                <a:solidFill>
+                  <a:schemeClr val="tx1">
+                    <a:tint val="75000"/>
+                  </a:schemeClr>
+                </a:solidFill>
+              </a:defRPr>
+            </a:lvl6pPr>
+            <a:lvl7pPr marL="2743200" indent="0">
+              <a:buNone/>
+              <a:defRPr sz="1400">
+                <a:solidFill>
+                  <a:schemeClr val="tx1">
+                    <a:tint val="75000"/>
+                  </a:schemeClr>
+                </a:solidFill>
+              </a:defRPr>
+            </a:lvl7pPr>
+            <a:lvl8pPr marL="3200400" indent="0">
+              <a:buNone/>
+              <a:defRPr sz="1400">
+                <a:solidFill>
+                  <a:schemeClr val="tx1">
+                    <a:tint val="75000"/>
+                  </a:schemeClr>
+                </a:solidFill>
+              </a:defRPr>
+            </a:lvl8pPr>
+            <a:lvl9pPr marL="3657600" indent="0">
+              <a:buNone/>
+              <a:defRPr sz="1400">
+                <a:solidFill>
+                  <a:schemeClr val="tx1">
+                    <a:tint val="75000"/>
+                  </a:schemeClr>
+                </a:solidFill>
+              </a:defRPr>
+            </a:lvl9pPr>
+          </a:lstStyle>
+          <a:p>
+            <a:pPr lvl="0"/>
+            <a:r>
+              <a:rPr lang="pt-BR"/>
+              <a:t>Clique para editar os estilos de texto Mestres</a:t>
+            </a:r>
+          </a:p>
+        </p:txBody>
+      </p:sp>
+      <p:sp>
+        <p:nvSpPr>
+          <p:cNvPr id="4" name="Date Placeholder 3"/>
+          <p:cNvSpPr>
+            <a:spLocks noGrp="1"/>
+          </p:cNvSpPr>
+          <p:nvPr>
+            <p:ph type="dt" sz="half" idx="10"/>
+          </p:nvPr>
+        </p:nvSpPr>
+        <p:spPr/>
+        <p:txBody>
+          <a:bodyPr/>
+          <a:lstStyle/>
+          <a:p>
+            <a:fld id="{73F84220-E5C1-4CCC-8729-E034337E325F}" type="datetimeFigureOut">
+              <a:rPr lang="pt-BR" smtClean="0"/>
+              <a:t>10/09/2019</a:t>
+            </a:fld>
+            <a:endParaRPr lang="pt-BR"/>
+          </a:p>
+        </p:txBody>
+      </p:sp>
+      <p:sp>
+        <p:nvSpPr>
+          <p:cNvPr id="5" name="Footer Placeholder 4"/>
+          <p:cNvSpPr>
+            <a:spLocks noGrp="1"/>
+          </p:cNvSpPr>
+          <p:nvPr>
+            <p:ph type="ftr" sz="quarter" idx="11"/>
+          </p:nvPr>
+        </p:nvSpPr>
+        <p:spPr/>
+        <p:txBody>
+          <a:bodyPr/>
+          <a:lstStyle/>
+          <a:p>
+            <a:endParaRPr lang="pt-BR"/>
+          </a:p>
+        </p:txBody>
+      </p:sp>
+      <p:sp>
+        <p:nvSpPr>
+          <p:cNvPr id="6" name="Slide Number Placeholder 5"/>
+          <p:cNvSpPr>
+            <a:spLocks noGrp="1"/>
+          </p:cNvSpPr>
+          <p:nvPr>
+            <p:ph type="sldNum" sz="quarter" idx="12"/>
+          </p:nvPr>
+        </p:nvSpPr>
+        <p:spPr/>
+        <p:txBody>
+          <a:bodyPr/>
+          <a:lstStyle/>
+          <a:p>
+            <a:fld id="{8948A2B0-3D46-4435-BE96-F2E382CDFECB}" type="slidenum">
+              <a:rPr lang="pt-BR" smtClean="0"/>
+              <a:t>‹nº›</a:t>
+            </a:fld>
+            <a:endParaRPr lang="pt-BR"/>
+          </a:p>
+        </p:txBody>
+      </p:sp>
+    </p:spTree>
+    <p:extLst>
+      <p:ext uri="{BB962C8B-B14F-4D97-AF65-F5344CB8AC3E}">
+        <p14:creationId xmlns:p14="http://schemas.microsoft.com/office/powerpoint/2010/main" val="1482567922"/>
+      </p:ext>
+    </p:extLst>
+  </p:cSld>
+  <p:clrMapOvr>
+    <a:masterClrMapping/>
+  </p:clrMapOvr>
+</p:sldLayout>
+</file>
+
+<file path=ppt/slideLayouts/slideLayout15.xml><?xml version="1.0" encoding="utf-8"?>
+<p:sldLayout xmlns:a="http://schemas.openxmlformats.org/drawingml/2006/main" xmlns:r="http://schemas.openxmlformats.org/officeDocument/2006/relationships" xmlns:p="http://schemas.openxmlformats.org/presentationml/2006/main" preserve="1">
+  <p:cSld name="Verdadeiro ou Falso">
+    <p:spTree>
+      <p:nvGrpSpPr>
+        <p:cNvPr id="1" name=""/>
+        <p:cNvGrpSpPr/>
+        <p:nvPr/>
+      </p:nvGrpSpPr>
+      <p:grpSpPr>
+        <a:xfrm>
+          <a:off x="0" y="0"/>
+          <a:ext cx="0" cy="0"/>
+          <a:chOff x="0" y="0"/>
+          <a:chExt cx="0" cy="0"/>
+        </a:xfrm>
+      </p:grpSpPr>
+      <p:pic>
+        <p:nvPicPr>
+          <p:cNvPr id="8" name="Picture 7" descr="Celestia-R1---OverlayContentHD.png"/>
+          <p:cNvPicPr>
+            <a:picLocks noChangeAspect="1"/>
+          </p:cNvPicPr>
+          <p:nvPr/>
+        </p:nvPicPr>
+        <p:blipFill>
+          <a:blip r:embed="rId2">
+            <a:extLst>
+              <a:ext uri="{28A0092B-C50C-407E-A947-70E740481C1C}">
+                <a14:useLocalDpi xmlns:a14="http://schemas.microsoft.com/office/drawing/2010/main" val="0"/>
+              </a:ext>
+            </a:extLst>
+          </a:blip>
+          <a:stretch>
+            <a:fillRect/>
+          </a:stretch>
+        </p:blipFill>
+        <p:spPr>
+          <a:xfrm>
+            <a:off x="0" y="0"/>
+            <a:ext cx="12188825" cy="6856214"/>
+          </a:xfrm>
+          <a:prstGeom prst="rect">
+            <a:avLst/>
+          </a:prstGeom>
+        </p:spPr>
+      </p:pic>
+      <p:sp>
+        <p:nvSpPr>
+          <p:cNvPr id="2" name="Title 1"/>
+          <p:cNvSpPr>
+            <a:spLocks noGrp="1"/>
+          </p:cNvSpPr>
+          <p:nvPr>
+            <p:ph type="title"/>
+          </p:nvPr>
+        </p:nvSpPr>
+        <p:spPr>
+          <a:xfrm>
+            <a:off x="685801" y="609601"/>
+            <a:ext cx="10131427" cy="2743199"/>
+          </a:xfrm>
+        </p:spPr>
+        <p:txBody>
+          <a:bodyPr vert="horz" lIns="91440" tIns="45720" rIns="91440" bIns="45720" rtlCol="0" anchor="ctr">
+            <a:normAutofit/>
+          </a:bodyPr>
+          <a:lstStyle>
+            <a:lvl1pPr>
+              <a:defRPr lang="en-US" b="0" dirty="0"/>
+            </a:lvl1pPr>
+          </a:lstStyle>
+          <a:p>
+            <a:pPr marL="0" lvl="0"/>
+            <a:r>
+              <a:rPr lang="pt-BR"/>
+              <a:t>Clique para editar o título Mestre</a:t>
+            </a:r>
+            <a:endParaRPr lang="en-US" dirty="0"/>
+          </a:p>
+        </p:txBody>
+      </p:sp>
+      <p:sp>
+        <p:nvSpPr>
+          <p:cNvPr id="10" name="Text Placeholder 9"/>
+          <p:cNvSpPr>
+            <a:spLocks noGrp="1"/>
+          </p:cNvSpPr>
+          <p:nvPr>
+            <p:ph type="body" sz="quarter" idx="13"/>
+          </p:nvPr>
+        </p:nvSpPr>
+        <p:spPr>
+          <a:xfrm>
+            <a:off x="685801" y="3505200"/>
+            <a:ext cx="10131428" cy="838200"/>
+          </a:xfrm>
+        </p:spPr>
+        <p:txBody>
+          <a:bodyPr vert="horz" lIns="91440" tIns="45720" rIns="91440" bIns="45720" rtlCol="0" anchor="b">
+            <a:normAutofit/>
+          </a:bodyPr>
+          <a:lstStyle>
+            <a:lvl1pPr>
+              <a:buNone/>
+              <a:defRPr lang="en-US" sz="2800" b="0" cap="none" dirty="0">
+                <a:ln w="3175" cmpd="sng">
+                  <a:noFill/>
+                </a:ln>
+                <a:solidFill>
+                  <a:schemeClr val="tx1"/>
+                </a:solidFill>
+                <a:effectLst/>
+              </a:defRPr>
+            </a:lvl1pPr>
+          </a:lstStyle>
+          <a:p>
+            <a:pPr marL="0" lvl="0">
+              <a:spcBef>
+                <a:spcPct val="0"/>
+              </a:spcBef>
+              <a:buNone/>
+            </a:pPr>
+            <a:r>
+              <a:rPr lang="pt-BR"/>
+              <a:t>Clique para editar os estilos de texto Mestres</a:t>
+            </a:r>
+          </a:p>
+        </p:txBody>
+      </p:sp>
+      <p:sp>
+        <p:nvSpPr>
+          <p:cNvPr id="3" name="Text Placeholder 2"/>
+          <p:cNvSpPr>
+            <a:spLocks noGrp="1"/>
+          </p:cNvSpPr>
+          <p:nvPr>
+            <p:ph type="body" idx="1"/>
+          </p:nvPr>
+        </p:nvSpPr>
+        <p:spPr>
+          <a:xfrm>
+            <a:off x="685800" y="4343400"/>
+            <a:ext cx="10131428" cy="1447800"/>
+          </a:xfrm>
+        </p:spPr>
+        <p:txBody>
+          <a:bodyPr anchor="t">
+            <a:normAutofit/>
+          </a:bodyPr>
+          <a:lstStyle>
+            <a:lvl1pPr marL="0" indent="0" algn="l">
+              <a:buNone/>
+              <a:defRPr sz="1800">
+                <a:solidFill>
+                  <a:schemeClr val="tx1"/>
+                </a:solidFill>
+              </a:defRPr>
+            </a:lvl1pPr>
+            <a:lvl2pPr marL="457200" indent="0">
+              <a:buNone/>
+              <a:defRPr sz="1800">
+                <a:solidFill>
+                  <a:schemeClr val="tx1">
+                    <a:tint val="75000"/>
+                  </a:schemeClr>
+                </a:solidFill>
+              </a:defRPr>
+            </a:lvl2pPr>
+            <a:lvl3pPr marL="914400" indent="0">
+              <a:buNone/>
+              <a:defRPr sz="1600">
+                <a:solidFill>
+                  <a:schemeClr val="tx1">
+                    <a:tint val="75000"/>
+                  </a:schemeClr>
+                </a:solidFill>
+              </a:defRPr>
+            </a:lvl3pPr>
+            <a:lvl4pPr marL="1371600" indent="0">
+              <a:buNone/>
+              <a:defRPr sz="1400">
+                <a:solidFill>
+                  <a:schemeClr val="tx1">
+                    <a:tint val="75000"/>
+                  </a:schemeClr>
+                </a:solidFill>
+              </a:defRPr>
+            </a:lvl4pPr>
+            <a:lvl5pPr marL="1828800" indent="0">
+              <a:buNone/>
+              <a:defRPr sz="1400">
+                <a:solidFill>
+                  <a:schemeClr val="tx1">
+                    <a:tint val="75000"/>
+                  </a:schemeClr>
+                </a:solidFill>
+              </a:defRPr>
+            </a:lvl5pPr>
+            <a:lvl6pPr marL="2286000" indent="0">
+              <a:buNone/>
+              <a:defRPr sz="1400">
+                <a:solidFill>
+                  <a:schemeClr val="tx1">
+                    <a:tint val="75000"/>
+                  </a:schemeClr>
+                </a:solidFill>
+              </a:defRPr>
+            </a:lvl6pPr>
+            <a:lvl7pPr marL="2743200" indent="0">
+              <a:buNone/>
+              <a:defRPr sz="1400">
+                <a:solidFill>
+                  <a:schemeClr val="tx1">
+                    <a:tint val="75000"/>
+                  </a:schemeClr>
+                </a:solidFill>
+              </a:defRPr>
+            </a:lvl7pPr>
+            <a:lvl8pPr marL="3200400" indent="0">
+              <a:buNone/>
+              <a:defRPr sz="1400">
+                <a:solidFill>
+                  <a:schemeClr val="tx1">
+                    <a:tint val="75000"/>
+                  </a:schemeClr>
+                </a:solidFill>
+              </a:defRPr>
+            </a:lvl8pPr>
+            <a:lvl9pPr marL="3657600" indent="0">
+              <a:buNone/>
+              <a:defRPr sz="1400">
+                <a:solidFill>
+                  <a:schemeClr val="tx1">
+                    <a:tint val="75000"/>
+                  </a:schemeClr>
+                </a:solidFill>
+              </a:defRPr>
+            </a:lvl9pPr>
+          </a:lstStyle>
+          <a:p>
+            <a:pPr lvl="0"/>
+            <a:r>
+              <a:rPr lang="pt-BR"/>
+              <a:t>Clique para editar os estilos de texto Mestres</a:t>
+            </a:r>
+          </a:p>
+        </p:txBody>
+      </p:sp>
+      <p:sp>
+        <p:nvSpPr>
+          <p:cNvPr id="4" name="Date Placeholder 3"/>
+          <p:cNvSpPr>
+            <a:spLocks noGrp="1"/>
+          </p:cNvSpPr>
+          <p:nvPr>
+            <p:ph type="dt" sz="half" idx="10"/>
+          </p:nvPr>
+        </p:nvSpPr>
+        <p:spPr/>
+        <p:txBody>
+          <a:bodyPr/>
+          <a:lstStyle/>
+          <a:p>
+            <a:fld id="{73F84220-E5C1-4CCC-8729-E034337E325F}" type="datetimeFigureOut">
+              <a:rPr lang="pt-BR" smtClean="0"/>
+              <a:t>10/09/2019</a:t>
+            </a:fld>
+            <a:endParaRPr lang="pt-BR"/>
+          </a:p>
+        </p:txBody>
+      </p:sp>
+      <p:sp>
+        <p:nvSpPr>
+          <p:cNvPr id="5" name="Footer Placeholder 4"/>
+          <p:cNvSpPr>
+            <a:spLocks noGrp="1"/>
+          </p:cNvSpPr>
+          <p:nvPr>
+            <p:ph type="ftr" sz="quarter" idx="11"/>
+          </p:nvPr>
+        </p:nvSpPr>
+        <p:spPr/>
+        <p:txBody>
+          <a:bodyPr/>
+          <a:lstStyle/>
+          <a:p>
+            <a:endParaRPr lang="pt-BR"/>
+          </a:p>
+        </p:txBody>
+      </p:sp>
+      <p:sp>
+        <p:nvSpPr>
+          <p:cNvPr id="6" name="Slide Number Placeholder 5"/>
+          <p:cNvSpPr>
+            <a:spLocks noGrp="1"/>
+          </p:cNvSpPr>
+          <p:nvPr>
+            <p:ph type="sldNum" sz="quarter" idx="12"/>
+          </p:nvPr>
+        </p:nvSpPr>
+        <p:spPr/>
+        <p:txBody>
+          <a:bodyPr/>
+          <a:lstStyle/>
+          <a:p>
+            <a:fld id="{8948A2B0-3D46-4435-BE96-F2E382CDFECB}" type="slidenum">
+              <a:rPr lang="pt-BR" smtClean="0"/>
+              <a:t>‹nº›</a:t>
+            </a:fld>
+            <a:endParaRPr lang="pt-BR"/>
+          </a:p>
+        </p:txBody>
+      </p:sp>
+    </p:spTree>
+    <p:extLst>
+      <p:ext uri="{BB962C8B-B14F-4D97-AF65-F5344CB8AC3E}">
+        <p14:creationId xmlns:p14="http://schemas.microsoft.com/office/powerpoint/2010/main" val="758778883"/>
+      </p:ext>
+    </p:extLst>
+  </p:cSld>
+  <p:clrMapOvr>
+    <a:masterClrMapping/>
+  </p:clrMapOvr>
+</p:sldLayout>
+</file>
+
+<file path=ppt/slideLayouts/slideLayout16.xml><?xml version="1.0" encoding="utf-8"?>
 <p:sldLayout xmlns:a="http://schemas.openxmlformats.org/drawingml/2006/main" xmlns:r="http://schemas.openxmlformats.org/officeDocument/2006/relationships" xmlns:p="http://schemas.openxmlformats.org/presentationml/2006/main" type="vertTx" preserve="1">
   <p:cSld name="Título e Texto Vertical">
     <p:spTree>
@@ -361,53 +2782,49 @@
           <a:chExt cx="0" cy="0"/>
         </a:xfrm>
       </p:grpSpPr>
-      <p:sp>
-        <p:nvSpPr>
-          <p:cNvPr id="2" name="Título 1">
+      <p:pic>
+        <p:nvPicPr>
+          <p:cNvPr id="7" name="Picture 6" descr="Celestia-R1---OverlayContentHD.png"/>
+          <p:cNvPicPr>
+            <a:picLocks noChangeAspect="1"/>
+          </p:cNvPicPr>
+          <p:nvPr/>
+        </p:nvPicPr>
+        <p:blipFill>
+          <a:blip r:embed="rId2">
             <a:extLst>
-              <a:ext uri="{FF2B5EF4-FFF2-40B4-BE49-F238E27FC236}">
-                <a16:creationId xmlns:a16="http://schemas.microsoft.com/office/drawing/2014/main" id="{989C2A32-E8E1-4612-AD67-3D4BA35133C9}"/>
+              <a:ext uri="{28A0092B-C50C-407E-A947-70E740481C1C}">
+                <a14:useLocalDpi xmlns:a14="http://schemas.microsoft.com/office/drawing/2010/main" val="0"/>
               </a:ext>
             </a:extLst>
-          </p:cNvPr>
-          <p:cNvSpPr>
-            <a:spLocks noGrp="1"/>
-          </p:cNvSpPr>
-          <p:nvPr>
-            <p:ph type="title"/>
+          </a:blip>
+          <a:stretch>
+            <a:fillRect/>
+          </a:stretch>
+        </p:blipFill>
+        <p:spPr>
+          <a:xfrm>
+            <a:off x="0" y="0"/>
+            <a:ext cx="12188825" cy="6856214"/>
+          </a:xfrm>
+          <a:prstGeom prst="rect">
+            <a:avLst/>
+          </a:prstGeom>
+        </p:spPr>
+      </p:pic>
+      <p:sp>
+        <p:nvSpPr>
+          <p:cNvPr id="3" name="Vertical Text Placeholder 2"/>
+          <p:cNvSpPr>
+            <a:spLocks noGrp="1"/>
+          </p:cNvSpPr>
+          <p:nvPr>
+            <p:ph type="body" orient="vert" idx="1"/>
           </p:nvPr>
         </p:nvSpPr>
         <p:spPr/>
         <p:txBody>
-          <a:bodyPr/>
-          <a:lstStyle/>
-          <a:p>
-            <a:r>
-              <a:rPr lang="pt-BR"/>
-              <a:t>Clique para editar o título Mestre</a:t>
-            </a:r>
-          </a:p>
-        </p:txBody>
-      </p:sp>
-      <p:sp>
-        <p:nvSpPr>
-          <p:cNvPr id="3" name="Espaço Reservado para Texto Vertical 2">
-            <a:extLst>
-              <a:ext uri="{FF2B5EF4-FFF2-40B4-BE49-F238E27FC236}">
-                <a16:creationId xmlns:a16="http://schemas.microsoft.com/office/drawing/2014/main" id="{1A886B1F-7C89-4D77-849F-16399B9CE453}"/>
-              </a:ext>
-            </a:extLst>
-          </p:cNvPr>
-          <p:cNvSpPr>
-            <a:spLocks noGrp="1"/>
-          </p:cNvSpPr>
-          <p:nvPr>
-            <p:ph type="body" orient="vert" idx="1"/>
-          </p:nvPr>
-        </p:nvSpPr>
-        <p:spPr/>
-        <p:txBody>
-          <a:bodyPr vert="eaVert"/>
+          <a:bodyPr vert="eaVert" anchor="t"/>
           <a:lstStyle/>
           <a:p>
             <a:pPr lvl="0"/>
@@ -443,18 +2860,13 @@
               <a:rPr lang="pt-BR"/>
               <a:t>Quinto nível</a:t>
             </a:r>
-          </a:p>
-        </p:txBody>
-      </p:sp>
-      <p:sp>
-        <p:nvSpPr>
-          <p:cNvPr id="4" name="Espaço Reservado para Data 3">
-            <a:extLst>
-              <a:ext uri="{FF2B5EF4-FFF2-40B4-BE49-F238E27FC236}">
-                <a16:creationId xmlns:a16="http://schemas.microsoft.com/office/drawing/2014/main" id="{D3114C0C-F0E5-4D49-BB48-D172428969EB}"/>
-              </a:ext>
-            </a:extLst>
-          </p:cNvPr>
+            <a:endParaRPr lang="en-US" dirty="0"/>
+          </a:p>
+        </p:txBody>
+      </p:sp>
+      <p:sp>
+        <p:nvSpPr>
+          <p:cNvPr id="4" name="Date Placeholder 3"/>
           <p:cNvSpPr>
             <a:spLocks noGrp="1"/>
           </p:cNvSpPr>
@@ -469,7 +2881,7 @@
           <a:p>
             <a:fld id="{73F84220-E5C1-4CCC-8729-E034337E325F}" type="datetimeFigureOut">
               <a:rPr lang="pt-BR" smtClean="0"/>
-              <a:t>07/09/2019</a:t>
+              <a:t>10/09/2019</a:t>
             </a:fld>
             <a:endParaRPr lang="pt-BR"/>
           </a:p>
@@ -477,13 +2889,7 @@
       </p:sp>
       <p:sp>
         <p:nvSpPr>
-          <p:cNvPr id="5" name="Espaço Reservado para Rodapé 4">
-            <a:extLst>
-              <a:ext uri="{FF2B5EF4-FFF2-40B4-BE49-F238E27FC236}">
-                <a16:creationId xmlns:a16="http://schemas.microsoft.com/office/drawing/2014/main" id="{A98283BB-A443-4C47-A67C-3A65A125015D}"/>
-              </a:ext>
-            </a:extLst>
-          </p:cNvPr>
+          <p:cNvPr id="5" name="Footer Placeholder 4"/>
           <p:cNvSpPr>
             <a:spLocks noGrp="1"/>
           </p:cNvSpPr>
@@ -502,13 +2908,7 @@
       </p:sp>
       <p:sp>
         <p:nvSpPr>
-          <p:cNvPr id="6" name="Espaço Reservado para Número de Slide 5">
-            <a:extLst>
-              <a:ext uri="{FF2B5EF4-FFF2-40B4-BE49-F238E27FC236}">
-                <a16:creationId xmlns:a16="http://schemas.microsoft.com/office/drawing/2014/main" id="{F01909D7-58F1-4764-B890-5E5121EC7533}"/>
-              </a:ext>
-            </a:extLst>
-          </p:cNvPr>
+          <p:cNvPr id="6" name="Slide Number Placeholder 5"/>
           <p:cNvSpPr>
             <a:spLocks noGrp="1"/>
           </p:cNvSpPr>
@@ -529,10 +2929,38 @@
           </a:p>
         </p:txBody>
       </p:sp>
+      <p:sp>
+        <p:nvSpPr>
+          <p:cNvPr id="8" name="Title 1"/>
+          <p:cNvSpPr>
+            <a:spLocks noGrp="1"/>
+          </p:cNvSpPr>
+          <p:nvPr>
+            <p:ph type="title"/>
+          </p:nvPr>
+        </p:nvSpPr>
+        <p:spPr>
+          <a:xfrm>
+            <a:off x="685801" y="609600"/>
+            <a:ext cx="10131425" cy="1456267"/>
+          </a:xfrm>
+        </p:spPr>
+        <p:txBody>
+          <a:bodyPr/>
+          <a:lstStyle/>
+          <a:p>
+            <a:r>
+              <a:rPr lang="pt-BR"/>
+              <a:t>Clique para editar o título Mestre</a:t>
+            </a:r>
+            <a:endParaRPr lang="en-US" dirty="0"/>
+          </a:p>
+        </p:txBody>
+      </p:sp>
     </p:spTree>
     <p:extLst>
       <p:ext uri="{BB962C8B-B14F-4D97-AF65-F5344CB8AC3E}">
-        <p14:creationId xmlns:p14="http://schemas.microsoft.com/office/powerpoint/2010/main" val="1578830644"/>
+        <p14:creationId xmlns:p14="http://schemas.microsoft.com/office/powerpoint/2010/main" val="1473825657"/>
       </p:ext>
     </p:extLst>
   </p:cSld>
@@ -542,7 +2970,7 @@
 </p:sldLayout>
 </file>
 
-<file path=ppt/slideLayouts/slideLayout11.xml><?xml version="1.0" encoding="utf-8"?>
+<file path=ppt/slideLayouts/slideLayout17.xml><?xml version="1.0" encoding="utf-8"?>
 <p:sldLayout xmlns:a="http://schemas.openxmlformats.org/drawingml/2006/main" xmlns:r="http://schemas.openxmlformats.org/officeDocument/2006/relationships" xmlns:p="http://schemas.openxmlformats.org/presentationml/2006/main" type="vertTitleAndTx" preserve="1">
   <p:cSld name="Texto e Título Vertical">
     <p:spTree>
@@ -559,15 +2987,39 @@
           <a:chExt cx="0" cy="0"/>
         </a:xfrm>
       </p:grpSpPr>
-      <p:sp>
-        <p:nvSpPr>
-          <p:cNvPr id="2" name="Título Vertical 1">
+      <p:pic>
+        <p:nvPicPr>
+          <p:cNvPr id="7" name="Picture 6" descr="Celestia-R1---OverlayContentHD.png"/>
+          <p:cNvPicPr>
+            <a:picLocks noChangeAspect="1"/>
+          </p:cNvPicPr>
+          <p:nvPr/>
+        </p:nvPicPr>
+        <p:blipFill>
+          <a:blip r:embed="rId2">
             <a:extLst>
-              <a:ext uri="{FF2B5EF4-FFF2-40B4-BE49-F238E27FC236}">
-                <a16:creationId xmlns:a16="http://schemas.microsoft.com/office/drawing/2014/main" id="{2D8860DA-17D9-4BA5-A1D4-DEF349817A1E}"/>
+              <a:ext uri="{28A0092B-C50C-407E-A947-70E740481C1C}">
+                <a14:useLocalDpi xmlns:a14="http://schemas.microsoft.com/office/drawing/2010/main" val="0"/>
               </a:ext>
             </a:extLst>
-          </p:cNvPr>
+          </a:blip>
+          <a:stretch>
+            <a:fillRect/>
+          </a:stretch>
+        </p:blipFill>
+        <p:spPr>
+          <a:xfrm>
+            <a:off x="0" y="0"/>
+            <a:ext cx="12188825" cy="6856214"/>
+          </a:xfrm>
+          <a:prstGeom prst="rect">
+            <a:avLst/>
+          </a:prstGeom>
+        </p:spPr>
+      </p:pic>
+      <p:sp>
+        <p:nvSpPr>
+          <p:cNvPr id="2" name="Vertical Title 1"/>
           <p:cNvSpPr>
             <a:spLocks noGrp="1"/>
           </p:cNvSpPr>
@@ -577,8 +3029,8 @@
         </p:nvSpPr>
         <p:spPr>
           <a:xfrm>
-            <a:off x="8724900" y="365125"/>
-            <a:ext cx="2628900" cy="5811838"/>
+            <a:off x="8658675" y="609599"/>
+            <a:ext cx="2158552" cy="5181601"/>
           </a:xfrm>
         </p:spPr>
         <p:txBody>
@@ -589,18 +3041,13 @@
               <a:rPr lang="pt-BR"/>
               <a:t>Clique para editar o título Mestre</a:t>
             </a:r>
-          </a:p>
-        </p:txBody>
-      </p:sp>
-      <p:sp>
-        <p:nvSpPr>
-          <p:cNvPr id="3" name="Espaço Reservado para Texto Vertical 2">
-            <a:extLst>
-              <a:ext uri="{FF2B5EF4-FFF2-40B4-BE49-F238E27FC236}">
-                <a16:creationId xmlns:a16="http://schemas.microsoft.com/office/drawing/2014/main" id="{42144CD4-0583-4CB3-9583-6ADCF0368526}"/>
-              </a:ext>
-            </a:extLst>
-          </p:cNvPr>
+            <a:endParaRPr lang="en-US" dirty="0"/>
+          </a:p>
+        </p:txBody>
+      </p:sp>
+      <p:sp>
+        <p:nvSpPr>
+          <p:cNvPr id="3" name="Vertical Text Placeholder 2"/>
           <p:cNvSpPr>
             <a:spLocks noGrp="1"/>
           </p:cNvSpPr>
@@ -610,12 +3057,12 @@
         </p:nvSpPr>
         <p:spPr>
           <a:xfrm>
-            <a:off x="838200" y="365125"/>
-            <a:ext cx="7734300" cy="5811838"/>
-          </a:xfrm>
-        </p:spPr>
-        <p:txBody>
-          <a:bodyPr vert="eaVert"/>
+            <a:off x="685800" y="609600"/>
+            <a:ext cx="7832116" cy="5181600"/>
+          </a:xfrm>
+        </p:spPr>
+        <p:txBody>
+          <a:bodyPr vert="eaVert" anchor="t"/>
           <a:lstStyle/>
           <a:p>
             <a:pPr lvl="0"/>
@@ -651,18 +3098,13 @@
               <a:rPr lang="pt-BR"/>
               <a:t>Quinto nível</a:t>
             </a:r>
-          </a:p>
-        </p:txBody>
-      </p:sp>
-      <p:sp>
-        <p:nvSpPr>
-          <p:cNvPr id="4" name="Espaço Reservado para Data 3">
-            <a:extLst>
-              <a:ext uri="{FF2B5EF4-FFF2-40B4-BE49-F238E27FC236}">
-                <a16:creationId xmlns:a16="http://schemas.microsoft.com/office/drawing/2014/main" id="{17EA8FE6-3CAE-438B-8165-A9DB54C35E9E}"/>
-              </a:ext>
-            </a:extLst>
-          </p:cNvPr>
+            <a:endParaRPr lang="en-US" dirty="0"/>
+          </a:p>
+        </p:txBody>
+      </p:sp>
+      <p:sp>
+        <p:nvSpPr>
+          <p:cNvPr id="4" name="Date Placeholder 3"/>
           <p:cNvSpPr>
             <a:spLocks noGrp="1"/>
           </p:cNvSpPr>
@@ -677,7 +3119,7 @@
           <a:p>
             <a:fld id="{73F84220-E5C1-4CCC-8729-E034337E325F}" type="datetimeFigureOut">
               <a:rPr lang="pt-BR" smtClean="0"/>
-              <a:t>07/09/2019</a:t>
+              <a:t>10/09/2019</a:t>
             </a:fld>
             <a:endParaRPr lang="pt-BR"/>
           </a:p>
@@ -685,13 +3127,7 @@
       </p:sp>
       <p:sp>
         <p:nvSpPr>
-          <p:cNvPr id="5" name="Espaço Reservado para Rodapé 4">
-            <a:extLst>
-              <a:ext uri="{FF2B5EF4-FFF2-40B4-BE49-F238E27FC236}">
-                <a16:creationId xmlns:a16="http://schemas.microsoft.com/office/drawing/2014/main" id="{2C1F5D3E-A2C8-476C-8428-25C597DEA917}"/>
-              </a:ext>
-            </a:extLst>
-          </p:cNvPr>
+          <p:cNvPr id="5" name="Footer Placeholder 4"/>
           <p:cNvSpPr>
             <a:spLocks noGrp="1"/>
           </p:cNvSpPr>
@@ -710,13 +3146,7 @@
       </p:sp>
       <p:sp>
         <p:nvSpPr>
-          <p:cNvPr id="6" name="Espaço Reservado para Número de Slide 5">
-            <a:extLst>
-              <a:ext uri="{FF2B5EF4-FFF2-40B4-BE49-F238E27FC236}">
-                <a16:creationId xmlns:a16="http://schemas.microsoft.com/office/drawing/2014/main" id="{6921F117-DB42-4978-819C-34D9BEDBBDFC}"/>
-              </a:ext>
-            </a:extLst>
-          </p:cNvPr>
+          <p:cNvPr id="6" name="Slide Number Placeholder 5"/>
           <p:cNvSpPr>
             <a:spLocks noGrp="1"/>
           </p:cNvSpPr>
@@ -740,7 +3170,7 @@
     </p:spTree>
     <p:extLst>
       <p:ext uri="{BB962C8B-B14F-4D97-AF65-F5344CB8AC3E}">
-        <p14:creationId xmlns:p14="http://schemas.microsoft.com/office/powerpoint/2010/main" val="1678598922"/>
+        <p14:creationId xmlns:p14="http://schemas.microsoft.com/office/powerpoint/2010/main" val="3454120110"/>
       </p:ext>
     </p:extLst>
   </p:cSld>
@@ -767,15 +3197,39 @@
           <a:chExt cx="0" cy="0"/>
         </a:xfrm>
       </p:grpSpPr>
-      <p:sp>
-        <p:nvSpPr>
-          <p:cNvPr id="2" name="Título 1">
+      <p:pic>
+        <p:nvPicPr>
+          <p:cNvPr id="7" name="Picture 6" descr="Celestia-R1---OverlayContentHD.png"/>
+          <p:cNvPicPr>
+            <a:picLocks noChangeAspect="1"/>
+          </p:cNvPicPr>
+          <p:nvPr/>
+        </p:nvPicPr>
+        <p:blipFill>
+          <a:blip r:embed="rId2">
             <a:extLst>
-              <a:ext uri="{FF2B5EF4-FFF2-40B4-BE49-F238E27FC236}">
-                <a16:creationId xmlns:a16="http://schemas.microsoft.com/office/drawing/2014/main" id="{C9BD167B-A364-4716-856A-2C63215CE24B}"/>
+              <a:ext uri="{28A0092B-C50C-407E-A947-70E740481C1C}">
+                <a14:useLocalDpi xmlns:a14="http://schemas.microsoft.com/office/drawing/2010/main" val="0"/>
               </a:ext>
             </a:extLst>
-          </p:cNvPr>
+          </a:blip>
+          <a:stretch>
+            <a:fillRect/>
+          </a:stretch>
+        </p:blipFill>
+        <p:spPr>
+          <a:xfrm>
+            <a:off x="0" y="0"/>
+            <a:ext cx="12188825" cy="6856214"/>
+          </a:xfrm>
+          <a:prstGeom prst="rect">
+            <a:avLst/>
+          </a:prstGeom>
+        </p:spPr>
+      </p:pic>
+      <p:sp>
+        <p:nvSpPr>
+          <p:cNvPr id="2" name="Title 1"/>
           <p:cNvSpPr>
             <a:spLocks noGrp="1"/>
           </p:cNvSpPr>
@@ -792,18 +3246,13 @@
               <a:rPr lang="pt-BR"/>
               <a:t>Clique para editar o título Mestre</a:t>
             </a:r>
-          </a:p>
-        </p:txBody>
-      </p:sp>
-      <p:sp>
-        <p:nvSpPr>
-          <p:cNvPr id="3" name="Espaço Reservado para Conteúdo 2">
-            <a:extLst>
-              <a:ext uri="{FF2B5EF4-FFF2-40B4-BE49-F238E27FC236}">
-                <a16:creationId xmlns:a16="http://schemas.microsoft.com/office/drawing/2014/main" id="{C50BB966-D906-4EDB-955D-4C37356B999B}"/>
-              </a:ext>
-            </a:extLst>
-          </p:cNvPr>
+            <a:endParaRPr lang="en-US" dirty="0"/>
+          </a:p>
+        </p:txBody>
+      </p:sp>
+      <p:sp>
+        <p:nvSpPr>
+          <p:cNvPr id="3" name="Content Placeholder 2"/>
           <p:cNvSpPr>
             <a:spLocks noGrp="1"/>
           </p:cNvSpPr>
@@ -813,7 +3262,7 @@
         </p:nvSpPr>
         <p:spPr/>
         <p:txBody>
-          <a:bodyPr/>
+          <a:bodyPr anchor="ctr"/>
           <a:lstStyle/>
           <a:p>
             <a:pPr lvl="0"/>
@@ -849,18 +3298,13 @@
               <a:rPr lang="pt-BR"/>
               <a:t>Quinto nível</a:t>
             </a:r>
-          </a:p>
-        </p:txBody>
-      </p:sp>
-      <p:sp>
-        <p:nvSpPr>
-          <p:cNvPr id="4" name="Espaço Reservado para Data 3">
-            <a:extLst>
-              <a:ext uri="{FF2B5EF4-FFF2-40B4-BE49-F238E27FC236}">
-                <a16:creationId xmlns:a16="http://schemas.microsoft.com/office/drawing/2014/main" id="{12630E9E-8DC9-4D0F-B7EC-A84EF88D898F}"/>
-              </a:ext>
-            </a:extLst>
-          </p:cNvPr>
+            <a:endParaRPr lang="en-US" dirty="0"/>
+          </a:p>
+        </p:txBody>
+      </p:sp>
+      <p:sp>
+        <p:nvSpPr>
+          <p:cNvPr id="4" name="Date Placeholder 3"/>
           <p:cNvSpPr>
             <a:spLocks noGrp="1"/>
           </p:cNvSpPr>
@@ -875,7 +3319,7 @@
           <a:p>
             <a:fld id="{73F84220-E5C1-4CCC-8729-E034337E325F}" type="datetimeFigureOut">
               <a:rPr lang="pt-BR" smtClean="0"/>
-              <a:t>07/09/2019</a:t>
+              <a:t>10/09/2019</a:t>
             </a:fld>
             <a:endParaRPr lang="pt-BR"/>
           </a:p>
@@ -883,13 +3327,7 @@
       </p:sp>
       <p:sp>
         <p:nvSpPr>
-          <p:cNvPr id="5" name="Espaço Reservado para Rodapé 4">
-            <a:extLst>
-              <a:ext uri="{FF2B5EF4-FFF2-40B4-BE49-F238E27FC236}">
-                <a16:creationId xmlns:a16="http://schemas.microsoft.com/office/drawing/2014/main" id="{49AF8B51-4480-440F-955D-60CCB8B29678}"/>
-              </a:ext>
-            </a:extLst>
-          </p:cNvPr>
+          <p:cNvPr id="5" name="Footer Placeholder 4"/>
           <p:cNvSpPr>
             <a:spLocks noGrp="1"/>
           </p:cNvSpPr>
@@ -908,13 +3346,7 @@
       </p:sp>
       <p:sp>
         <p:nvSpPr>
-          <p:cNvPr id="6" name="Espaço Reservado para Número de Slide 5">
-            <a:extLst>
-              <a:ext uri="{FF2B5EF4-FFF2-40B4-BE49-F238E27FC236}">
-                <a16:creationId xmlns:a16="http://schemas.microsoft.com/office/drawing/2014/main" id="{569044C0-6301-4335-B9BE-62B3EAFDCF7F}"/>
-              </a:ext>
-            </a:extLst>
-          </p:cNvPr>
+          <p:cNvPr id="6" name="Slide Number Placeholder 5"/>
           <p:cNvSpPr>
             <a:spLocks noGrp="1"/>
           </p:cNvSpPr>
@@ -938,7 +3370,7 @@
     </p:spTree>
     <p:extLst>
       <p:ext uri="{BB962C8B-B14F-4D97-AF65-F5344CB8AC3E}">
-        <p14:creationId xmlns:p14="http://schemas.microsoft.com/office/powerpoint/2010/main" val="492018501"/>
+        <p14:creationId xmlns:p14="http://schemas.microsoft.com/office/powerpoint/2010/main" val="2617397390"/>
       </p:ext>
     </p:extLst>
   </p:cSld>
@@ -965,15 +3397,39 @@
           <a:chExt cx="0" cy="0"/>
         </a:xfrm>
       </p:grpSpPr>
-      <p:sp>
-        <p:nvSpPr>
-          <p:cNvPr id="2" name="Título 1">
+      <p:pic>
+        <p:nvPicPr>
+          <p:cNvPr id="7" name="Picture 6" descr="Celestia-R1---OverlayContentHD.png"/>
+          <p:cNvPicPr>
+            <a:picLocks noChangeAspect="1"/>
+          </p:cNvPicPr>
+          <p:nvPr/>
+        </p:nvPicPr>
+        <p:blipFill>
+          <a:blip r:embed="rId2">
             <a:extLst>
-              <a:ext uri="{FF2B5EF4-FFF2-40B4-BE49-F238E27FC236}">
-                <a16:creationId xmlns:a16="http://schemas.microsoft.com/office/drawing/2014/main" id="{CD3D1DEF-B008-4ABF-B04F-4FDF91682AD6}"/>
+              <a:ext uri="{28A0092B-C50C-407E-A947-70E740481C1C}">
+                <a14:useLocalDpi xmlns:a14="http://schemas.microsoft.com/office/drawing/2010/main" val="0"/>
               </a:ext>
             </a:extLst>
-          </p:cNvPr>
+          </a:blip>
+          <a:stretch>
+            <a:fillRect/>
+          </a:stretch>
+        </p:blipFill>
+        <p:spPr>
+          <a:xfrm>
+            <a:off x="0" y="0"/>
+            <a:ext cx="12188825" cy="6856214"/>
+          </a:xfrm>
+          <a:prstGeom prst="rect">
+            <a:avLst/>
+          </a:prstGeom>
+        </p:spPr>
+      </p:pic>
+      <p:sp>
+        <p:nvSpPr>
+          <p:cNvPr id="2" name="Title 1"/>
           <p:cNvSpPr>
             <a:spLocks noGrp="1"/>
           </p:cNvSpPr>
@@ -983,15 +3439,15 @@
         </p:nvSpPr>
         <p:spPr>
           <a:xfrm>
-            <a:off x="831850" y="1709738"/>
-            <a:ext cx="10515600" cy="2852737"/>
+            <a:off x="685800" y="3308581"/>
+            <a:ext cx="10131427" cy="1468800"/>
           </a:xfrm>
         </p:spPr>
         <p:txBody>
           <a:bodyPr anchor="b"/>
           <a:lstStyle>
-            <a:lvl1pPr>
-              <a:defRPr sz="6000"/>
+            <a:lvl1pPr algn="l">
+              <a:defRPr sz="4000" b="0" cap="all"/>
             </a:lvl1pPr>
           </a:lstStyle>
           <a:p>
@@ -999,18 +3455,13 @@
               <a:rPr lang="pt-BR"/>
               <a:t>Clique para editar o título Mestre</a:t>
             </a:r>
-          </a:p>
-        </p:txBody>
-      </p:sp>
-      <p:sp>
-        <p:nvSpPr>
-          <p:cNvPr id="3" name="Espaço Reservado para Texto 2">
-            <a:extLst>
-              <a:ext uri="{FF2B5EF4-FFF2-40B4-BE49-F238E27FC236}">
-                <a16:creationId xmlns:a16="http://schemas.microsoft.com/office/drawing/2014/main" id="{9A27CEAE-09D4-4091-B9BE-BA60E63E634F}"/>
-              </a:ext>
-            </a:extLst>
-          </p:cNvPr>
+            <a:endParaRPr lang="en-US" dirty="0"/>
+          </a:p>
+        </p:txBody>
+      </p:sp>
+      <p:sp>
+        <p:nvSpPr>
+          <p:cNvPr id="3" name="Text Placeholder 2"/>
           <p:cNvSpPr>
             <a:spLocks noGrp="1"/>
           </p:cNvSpPr>
@@ -1020,102 +3471,102 @@
         </p:nvSpPr>
         <p:spPr>
           <a:xfrm>
-            <a:off x="831850" y="4589463"/>
-            <a:ext cx="10515600" cy="1500187"/>
-          </a:xfrm>
-        </p:spPr>
-        <p:txBody>
-          <a:bodyPr/>
+            <a:off x="685799" y="4777381"/>
+            <a:ext cx="10131428" cy="860400"/>
+          </a:xfrm>
+        </p:spPr>
+        <p:txBody>
+          <a:bodyPr anchor="t">
+            <a:normAutofit/>
+          </a:bodyPr>
           <a:lstStyle>
-            <a:lvl1pPr marL="0" indent="0">
-              <a:buNone/>
-              <a:defRPr sz="2400">
+            <a:lvl1pPr marL="0" indent="0" algn="l">
+              <a:buNone/>
+              <a:defRPr sz="2000" cap="all">
+                <a:solidFill>
+                  <a:schemeClr val="tx1"/>
+                </a:solidFill>
+              </a:defRPr>
+            </a:lvl1pPr>
+            <a:lvl2pPr marL="457200" indent="0">
+              <a:buNone/>
+              <a:defRPr sz="1800">
                 <a:solidFill>
                   <a:schemeClr val="tx1">
                     <a:tint val="75000"/>
                   </a:schemeClr>
                 </a:solidFill>
               </a:defRPr>
-            </a:lvl1pPr>
-            <a:lvl2pPr marL="457200" indent="0">
-              <a:buNone/>
-              <a:defRPr sz="2000">
+            </a:lvl2pPr>
+            <a:lvl3pPr marL="914400" indent="0">
+              <a:buNone/>
+              <a:defRPr sz="1600">
                 <a:solidFill>
                   <a:schemeClr val="tx1">
                     <a:tint val="75000"/>
                   </a:schemeClr>
                 </a:solidFill>
               </a:defRPr>
-            </a:lvl2pPr>
-            <a:lvl3pPr marL="914400" indent="0">
-              <a:buNone/>
-              <a:defRPr sz="1800">
+            </a:lvl3pPr>
+            <a:lvl4pPr marL="1371600" indent="0">
+              <a:buNone/>
+              <a:defRPr sz="1400">
                 <a:solidFill>
                   <a:schemeClr val="tx1">
                     <a:tint val="75000"/>
                   </a:schemeClr>
                 </a:solidFill>
               </a:defRPr>
-            </a:lvl3pPr>
-            <a:lvl4pPr marL="1371600" indent="0">
-              <a:buNone/>
-              <a:defRPr sz="1600">
+            </a:lvl4pPr>
+            <a:lvl5pPr marL="1828800" indent="0">
+              <a:buNone/>
+              <a:defRPr sz="1400">
                 <a:solidFill>
                   <a:schemeClr val="tx1">
                     <a:tint val="75000"/>
                   </a:schemeClr>
                 </a:solidFill>
               </a:defRPr>
-            </a:lvl4pPr>
-            <a:lvl5pPr marL="1828800" indent="0">
-              <a:buNone/>
-              <a:defRPr sz="1600">
+            </a:lvl5pPr>
+            <a:lvl6pPr marL="2286000" indent="0">
+              <a:buNone/>
+              <a:defRPr sz="1400">
                 <a:solidFill>
                   <a:schemeClr val="tx1">
                     <a:tint val="75000"/>
                   </a:schemeClr>
                 </a:solidFill>
               </a:defRPr>
-            </a:lvl5pPr>
-            <a:lvl6pPr marL="2286000" indent="0">
-              <a:buNone/>
-              <a:defRPr sz="1600">
+            </a:lvl6pPr>
+            <a:lvl7pPr marL="2743200" indent="0">
+              <a:buNone/>
+              <a:defRPr sz="1400">
                 <a:solidFill>
                   <a:schemeClr val="tx1">
                     <a:tint val="75000"/>
                   </a:schemeClr>
                 </a:solidFill>
               </a:defRPr>
-            </a:lvl6pPr>
-            <a:lvl7pPr marL="2743200" indent="0">
-              <a:buNone/>
-              <a:defRPr sz="1600">
+            </a:lvl7pPr>
+            <a:lvl8pPr marL="3200400" indent="0">
+              <a:buNone/>
+              <a:defRPr sz="1400">
                 <a:solidFill>
                   <a:schemeClr val="tx1">
                     <a:tint val="75000"/>
                   </a:schemeClr>
                 </a:solidFill>
               </a:defRPr>
-            </a:lvl7pPr>
-            <a:lvl8pPr marL="3200400" indent="0">
-              <a:buNone/>
-              <a:defRPr sz="1600">
+            </a:lvl8pPr>
+            <a:lvl9pPr marL="3657600" indent="0">
+              <a:buNone/>
+              <a:defRPr sz="1400">
                 <a:solidFill>
                   <a:schemeClr val="tx1">
                     <a:tint val="75000"/>
                   </a:schemeClr>
                 </a:solidFill>
               </a:defRPr>
-            </a:lvl8pPr>
-            <a:lvl9pPr marL="3657600" indent="0">
-              <a:buNone/>
-              <a:defRPr sz="1600">
-                <a:solidFill>
-                  <a:schemeClr val="tx1">
-                    <a:tint val="75000"/>
-                  </a:schemeClr>
-                </a:solidFill>
-              </a:defRPr>
             </a:lvl9pPr>
           </a:lstStyle>
           <a:p>
@@ -1129,13 +3580,7 @@
       </p:sp>
       <p:sp>
         <p:nvSpPr>
-          <p:cNvPr id="4" name="Espaço Reservado para Data 3">
-            <a:extLst>
-              <a:ext uri="{FF2B5EF4-FFF2-40B4-BE49-F238E27FC236}">
-                <a16:creationId xmlns:a16="http://schemas.microsoft.com/office/drawing/2014/main" id="{53EE806E-6CAB-4995-B86F-19A7B8C15D25}"/>
-              </a:ext>
-            </a:extLst>
-          </p:cNvPr>
+          <p:cNvPr id="4" name="Date Placeholder 3"/>
           <p:cNvSpPr>
             <a:spLocks noGrp="1"/>
           </p:cNvSpPr>
@@ -1150,7 +3595,7 @@
           <a:p>
             <a:fld id="{73F84220-E5C1-4CCC-8729-E034337E325F}" type="datetimeFigureOut">
               <a:rPr lang="pt-BR" smtClean="0"/>
-              <a:t>07/09/2019</a:t>
+              <a:t>10/09/2019</a:t>
             </a:fld>
             <a:endParaRPr lang="pt-BR"/>
           </a:p>
@@ -1158,13 +3603,7 @@
       </p:sp>
       <p:sp>
         <p:nvSpPr>
-          <p:cNvPr id="5" name="Espaço Reservado para Rodapé 4">
-            <a:extLst>
-              <a:ext uri="{FF2B5EF4-FFF2-40B4-BE49-F238E27FC236}">
-                <a16:creationId xmlns:a16="http://schemas.microsoft.com/office/drawing/2014/main" id="{2C8DEDF8-A843-4D94-9595-B44A50768E20}"/>
-              </a:ext>
-            </a:extLst>
-          </p:cNvPr>
+          <p:cNvPr id="5" name="Footer Placeholder 4"/>
           <p:cNvSpPr>
             <a:spLocks noGrp="1"/>
           </p:cNvSpPr>
@@ -1183,13 +3622,7 @@
       </p:sp>
       <p:sp>
         <p:nvSpPr>
-          <p:cNvPr id="6" name="Espaço Reservado para Número de Slide 5">
-            <a:extLst>
-              <a:ext uri="{FF2B5EF4-FFF2-40B4-BE49-F238E27FC236}">
-                <a16:creationId xmlns:a16="http://schemas.microsoft.com/office/drawing/2014/main" id="{04DAB320-3577-4950-B618-378D35971771}"/>
-              </a:ext>
-            </a:extLst>
-          </p:cNvPr>
+          <p:cNvPr id="6" name="Slide Number Placeholder 5"/>
           <p:cNvSpPr>
             <a:spLocks noGrp="1"/>
           </p:cNvSpPr>
@@ -1213,7 +3646,7 @@
     </p:spTree>
     <p:extLst>
       <p:ext uri="{BB962C8B-B14F-4D97-AF65-F5344CB8AC3E}">
-        <p14:creationId xmlns:p14="http://schemas.microsoft.com/office/powerpoint/2010/main" val="2380289650"/>
+        <p14:creationId xmlns:p14="http://schemas.microsoft.com/office/powerpoint/2010/main" val="1248831134"/>
       </p:ext>
     </p:extLst>
   </p:cSld>
@@ -1240,15 +3673,39 @@
           <a:chExt cx="0" cy="0"/>
         </a:xfrm>
       </p:grpSpPr>
-      <p:sp>
-        <p:nvSpPr>
-          <p:cNvPr id="2" name="Título 1">
+      <p:pic>
+        <p:nvPicPr>
+          <p:cNvPr id="8" name="Picture 7" descr="Celestia-R1---OverlayContentHD.png"/>
+          <p:cNvPicPr>
+            <a:picLocks noChangeAspect="1"/>
+          </p:cNvPicPr>
+          <p:nvPr/>
+        </p:nvPicPr>
+        <p:blipFill>
+          <a:blip r:embed="rId2">
             <a:extLst>
-              <a:ext uri="{FF2B5EF4-FFF2-40B4-BE49-F238E27FC236}">
-                <a16:creationId xmlns:a16="http://schemas.microsoft.com/office/drawing/2014/main" id="{C0944B21-B5AC-4857-B11E-7EE83A38C5D3}"/>
+              <a:ext uri="{28A0092B-C50C-407E-A947-70E740481C1C}">
+                <a14:useLocalDpi xmlns:a14="http://schemas.microsoft.com/office/drawing/2010/main" val="0"/>
               </a:ext>
             </a:extLst>
-          </p:cNvPr>
+          </a:blip>
+          <a:stretch>
+            <a:fillRect/>
+          </a:stretch>
+        </p:blipFill>
+        <p:spPr>
+          <a:xfrm>
+            <a:off x="0" y="0"/>
+            <a:ext cx="12188825" cy="6856214"/>
+          </a:xfrm>
+          <a:prstGeom prst="rect">
+            <a:avLst/>
+          </a:prstGeom>
+        </p:spPr>
+      </p:pic>
+      <p:sp>
+        <p:nvSpPr>
+          <p:cNvPr id="2" name="Title 1"/>
           <p:cNvSpPr>
             <a:spLocks noGrp="1"/>
           </p:cNvSpPr>
@@ -1265,18 +3722,13 @@
               <a:rPr lang="pt-BR"/>
               <a:t>Clique para editar o título Mestre</a:t>
             </a:r>
-          </a:p>
-        </p:txBody>
-      </p:sp>
-      <p:sp>
-        <p:nvSpPr>
-          <p:cNvPr id="3" name="Espaço Reservado para Conteúdo 2">
-            <a:extLst>
-              <a:ext uri="{FF2B5EF4-FFF2-40B4-BE49-F238E27FC236}">
-                <a16:creationId xmlns:a16="http://schemas.microsoft.com/office/drawing/2014/main" id="{4052ADFB-001E-47A1-B26F-000632E9813D}"/>
-              </a:ext>
-            </a:extLst>
-          </p:cNvPr>
+            <a:endParaRPr lang="en-US" dirty="0"/>
+          </a:p>
+        </p:txBody>
+      </p:sp>
+      <p:sp>
+        <p:nvSpPr>
+          <p:cNvPr id="3" name="Content Placeholder 2"/>
           <p:cNvSpPr>
             <a:spLocks noGrp="1"/>
           </p:cNvSpPr>
@@ -1286,12 +3738,14 @@
         </p:nvSpPr>
         <p:spPr>
           <a:xfrm>
-            <a:off x="838200" y="1825625"/>
-            <a:ext cx="5181600" cy="4351338"/>
-          </a:xfrm>
-        </p:spPr>
-        <p:txBody>
-          <a:bodyPr/>
+            <a:off x="685802" y="2142067"/>
+            <a:ext cx="4995334" cy="3649134"/>
+          </a:xfrm>
+        </p:spPr>
+        <p:txBody>
+          <a:bodyPr>
+            <a:normAutofit/>
+          </a:bodyPr>
           <a:lstStyle/>
           <a:p>
             <a:pPr lvl="0"/>
@@ -1327,18 +3781,13 @@
               <a:rPr lang="pt-BR"/>
               <a:t>Quinto nível</a:t>
             </a:r>
-          </a:p>
-        </p:txBody>
-      </p:sp>
-      <p:sp>
-        <p:nvSpPr>
-          <p:cNvPr id="4" name="Espaço Reservado para Conteúdo 3">
-            <a:extLst>
-              <a:ext uri="{FF2B5EF4-FFF2-40B4-BE49-F238E27FC236}">
-                <a16:creationId xmlns:a16="http://schemas.microsoft.com/office/drawing/2014/main" id="{DD9398AC-C966-4407-839B-4CA98D8BD784}"/>
-              </a:ext>
-            </a:extLst>
-          </p:cNvPr>
+            <a:endParaRPr lang="en-US" dirty="0"/>
+          </a:p>
+        </p:txBody>
+      </p:sp>
+      <p:sp>
+        <p:nvSpPr>
+          <p:cNvPr id="4" name="Content Placeholder 3"/>
           <p:cNvSpPr>
             <a:spLocks noGrp="1"/>
           </p:cNvSpPr>
@@ -1348,12 +3797,14 @@
         </p:nvSpPr>
         <p:spPr>
           <a:xfrm>
-            <a:off x="6172200" y="1825625"/>
-            <a:ext cx="5181600" cy="4351338"/>
-          </a:xfrm>
-        </p:spPr>
-        <p:txBody>
-          <a:bodyPr/>
+            <a:off x="5821895" y="2142067"/>
+            <a:ext cx="4995332" cy="3649133"/>
+          </a:xfrm>
+        </p:spPr>
+        <p:txBody>
+          <a:bodyPr>
+            <a:normAutofit/>
+          </a:bodyPr>
           <a:lstStyle/>
           <a:p>
             <a:pPr lvl="0"/>
@@ -1389,18 +3840,13 @@
               <a:rPr lang="pt-BR"/>
               <a:t>Quinto nível</a:t>
             </a:r>
-          </a:p>
-        </p:txBody>
-      </p:sp>
-      <p:sp>
-        <p:nvSpPr>
-          <p:cNvPr id="5" name="Espaço Reservado para Data 4">
-            <a:extLst>
-              <a:ext uri="{FF2B5EF4-FFF2-40B4-BE49-F238E27FC236}">
-                <a16:creationId xmlns:a16="http://schemas.microsoft.com/office/drawing/2014/main" id="{4B90272F-E8E8-4E89-851C-345E833E195E}"/>
-              </a:ext>
-            </a:extLst>
-          </p:cNvPr>
+            <a:endParaRPr lang="en-US" dirty="0"/>
+          </a:p>
+        </p:txBody>
+      </p:sp>
+      <p:sp>
+        <p:nvSpPr>
+          <p:cNvPr id="5" name="Date Placeholder 4"/>
           <p:cNvSpPr>
             <a:spLocks noGrp="1"/>
           </p:cNvSpPr>
@@ -1415,7 +3861,7 @@
           <a:p>
             <a:fld id="{73F84220-E5C1-4CCC-8729-E034337E325F}" type="datetimeFigureOut">
               <a:rPr lang="pt-BR" smtClean="0"/>
-              <a:t>07/09/2019</a:t>
+              <a:t>10/09/2019</a:t>
             </a:fld>
             <a:endParaRPr lang="pt-BR"/>
           </a:p>
@@ -1423,13 +3869,7 @@
       </p:sp>
       <p:sp>
         <p:nvSpPr>
-          <p:cNvPr id="6" name="Espaço Reservado para Rodapé 5">
-            <a:extLst>
-              <a:ext uri="{FF2B5EF4-FFF2-40B4-BE49-F238E27FC236}">
-                <a16:creationId xmlns:a16="http://schemas.microsoft.com/office/drawing/2014/main" id="{2D5D2023-8473-4A46-9BAD-1FF234EEFAAD}"/>
-              </a:ext>
-            </a:extLst>
-          </p:cNvPr>
+          <p:cNvPr id="6" name="Footer Placeholder 5"/>
           <p:cNvSpPr>
             <a:spLocks noGrp="1"/>
           </p:cNvSpPr>
@@ -1448,13 +3888,7 @@
       </p:sp>
       <p:sp>
         <p:nvSpPr>
-          <p:cNvPr id="7" name="Espaço Reservado para Número de Slide 6">
-            <a:extLst>
-              <a:ext uri="{FF2B5EF4-FFF2-40B4-BE49-F238E27FC236}">
-                <a16:creationId xmlns:a16="http://schemas.microsoft.com/office/drawing/2014/main" id="{4A104896-9E35-42CA-BF62-436E6FA871BB}"/>
-              </a:ext>
-            </a:extLst>
-          </p:cNvPr>
+          <p:cNvPr id="7" name="Slide Number Placeholder 6"/>
           <p:cNvSpPr>
             <a:spLocks noGrp="1"/>
           </p:cNvSpPr>
@@ -1478,7 +3912,7 @@
     </p:spTree>
     <p:extLst>
       <p:ext uri="{BB962C8B-B14F-4D97-AF65-F5344CB8AC3E}">
-        <p14:creationId xmlns:p14="http://schemas.microsoft.com/office/powerpoint/2010/main" val="3253283847"/>
+        <p14:creationId xmlns:p14="http://schemas.microsoft.com/office/powerpoint/2010/main" val="1742709522"/>
       </p:ext>
     </p:extLst>
   </p:cSld>
@@ -1507,13 +3941,7 @@
       </p:grpSpPr>
       <p:sp>
         <p:nvSpPr>
-          <p:cNvPr id="2" name="Título 1">
-            <a:extLst>
-              <a:ext uri="{FF2B5EF4-FFF2-40B4-BE49-F238E27FC236}">
-                <a16:creationId xmlns:a16="http://schemas.microsoft.com/office/drawing/2014/main" id="{9C3E899A-160B-45BE-98AF-9E4EA6163BC8}"/>
-              </a:ext>
-            </a:extLst>
-          </p:cNvPr>
+          <p:cNvPr id="2" name="Title 1"/>
           <p:cNvSpPr>
             <a:spLocks noGrp="1"/>
           </p:cNvSpPr>
@@ -1521,51 +3949,47 @@
             <p:ph type="title"/>
           </p:nvPr>
         </p:nvSpPr>
-        <p:spPr>
-          <a:xfrm>
-            <a:off x="839788" y="365125"/>
-            <a:ext cx="10515600" cy="1325563"/>
-          </a:xfrm>
-        </p:spPr>
+        <p:spPr/>
         <p:txBody>
           <a:bodyPr/>
-          <a:lstStyle/>
+          <a:lstStyle>
+            <a:lvl1pPr>
+              <a:defRPr/>
+            </a:lvl1pPr>
+          </a:lstStyle>
           <a:p>
             <a:r>
               <a:rPr lang="pt-BR"/>
               <a:t>Clique para editar o título Mestre</a:t>
             </a:r>
-          </a:p>
-        </p:txBody>
-      </p:sp>
-      <p:sp>
-        <p:nvSpPr>
-          <p:cNvPr id="3" name="Espaço Reservado para Texto 2">
-            <a:extLst>
-              <a:ext uri="{FF2B5EF4-FFF2-40B4-BE49-F238E27FC236}">
-                <a16:creationId xmlns:a16="http://schemas.microsoft.com/office/drawing/2014/main" id="{AFF3BAC6-9534-428A-B34F-9166DD6FF148}"/>
-              </a:ext>
-            </a:extLst>
-          </p:cNvPr>
-          <p:cNvSpPr>
-            <a:spLocks noGrp="1"/>
-          </p:cNvSpPr>
-          <p:nvPr>
-            <p:ph type="body" idx="1"/>
-          </p:nvPr>
-        </p:nvSpPr>
-        <p:spPr>
-          <a:xfrm>
-            <a:off x="839788" y="1681163"/>
-            <a:ext cx="5157787" cy="823912"/>
-          </a:xfrm>
-        </p:spPr>
-        <p:txBody>
-          <a:bodyPr anchor="b"/>
+            <a:endParaRPr lang="en-US" dirty="0"/>
+          </a:p>
+        </p:txBody>
+      </p:sp>
+      <p:sp>
+        <p:nvSpPr>
+          <p:cNvPr id="3" name="Text Placeholder 2"/>
+          <p:cNvSpPr>
+            <a:spLocks noGrp="1"/>
+          </p:cNvSpPr>
+          <p:nvPr>
+            <p:ph type="body" idx="1" hasCustomPrompt="1"/>
+          </p:nvPr>
+        </p:nvSpPr>
+        <p:spPr>
+          <a:xfrm>
+            <a:off x="973670" y="2218267"/>
+            <a:ext cx="4709054" cy="576262"/>
+          </a:xfrm>
+        </p:spPr>
+        <p:txBody>
+          <a:bodyPr anchor="b">
+            <a:noAutofit/>
+          </a:bodyPr>
           <a:lstStyle>
             <a:lvl1pPr marL="0" indent="0">
               <a:buNone/>
-              <a:defRPr sz="2400" b="1"/>
+              <a:defRPr sz="2800" b="0"/>
             </a:lvl1pPr>
             <a:lvl2pPr marL="457200" indent="0">
               <a:buNone/>
@@ -1603,44 +4027,40 @@
           <a:p>
             <a:pPr lvl="0"/>
             <a:r>
+              <a:rPr lang="en-US" dirty="0"/>
+              <a:t>CLICK TO EDIT MASTER TEXT STYLES</a:t>
+            </a:r>
+          </a:p>
+        </p:txBody>
+      </p:sp>
+      <p:sp>
+        <p:nvSpPr>
+          <p:cNvPr id="4" name="Content Placeholder 3"/>
+          <p:cNvSpPr>
+            <a:spLocks noGrp="1"/>
+          </p:cNvSpPr>
+          <p:nvPr>
+            <p:ph sz="half" idx="2"/>
+          </p:nvPr>
+        </p:nvSpPr>
+        <p:spPr>
+          <a:xfrm>
+            <a:off x="685801" y="2870201"/>
+            <a:ext cx="4996923" cy="2920998"/>
+          </a:xfrm>
+        </p:spPr>
+        <p:txBody>
+          <a:bodyPr anchor="t">
+            <a:normAutofit/>
+          </a:bodyPr>
+          <a:lstStyle/>
+          <a:p>
+            <a:pPr lvl="0"/>
+            <a:r>
               <a:rPr lang="pt-BR"/>
               <a:t>Clique para editar os estilos de texto Mestres</a:t>
             </a:r>
           </a:p>
-        </p:txBody>
-      </p:sp>
-      <p:sp>
-        <p:nvSpPr>
-          <p:cNvPr id="4" name="Espaço Reservado para Conteúdo 3">
-            <a:extLst>
-              <a:ext uri="{FF2B5EF4-FFF2-40B4-BE49-F238E27FC236}">
-                <a16:creationId xmlns:a16="http://schemas.microsoft.com/office/drawing/2014/main" id="{EACB4D5D-41EE-4C7F-B368-1EC1CCA04C48}"/>
-              </a:ext>
-            </a:extLst>
-          </p:cNvPr>
-          <p:cNvSpPr>
-            <a:spLocks noGrp="1"/>
-          </p:cNvSpPr>
-          <p:nvPr>
-            <p:ph sz="half" idx="2"/>
-          </p:nvPr>
-        </p:nvSpPr>
-        <p:spPr>
-          <a:xfrm>
-            <a:off x="839788" y="2505075"/>
-            <a:ext cx="5157787" cy="3684588"/>
-          </a:xfrm>
-        </p:spPr>
-        <p:txBody>
-          <a:bodyPr/>
-          <a:lstStyle/>
-          <a:p>
-            <a:pPr lvl="0"/>
-            <a:r>
-              <a:rPr lang="pt-BR"/>
-              <a:t>Clique para editar os estilos de texto Mestres</a:t>
-            </a:r>
-          </a:p>
           <a:p>
             <a:pPr lvl="1"/>
             <a:r>
@@ -1668,37 +4088,34 @@
               <a:rPr lang="pt-BR"/>
               <a:t>Quinto nível</a:t>
             </a:r>
-          </a:p>
-        </p:txBody>
-      </p:sp>
-      <p:sp>
-        <p:nvSpPr>
-          <p:cNvPr id="5" name="Espaço Reservado para Texto 4">
-            <a:extLst>
-              <a:ext uri="{FF2B5EF4-FFF2-40B4-BE49-F238E27FC236}">
-                <a16:creationId xmlns:a16="http://schemas.microsoft.com/office/drawing/2014/main" id="{2E5DFB10-4E9C-43DB-8EB0-101195282B4C}"/>
-              </a:ext>
-            </a:extLst>
-          </p:cNvPr>
-          <p:cNvSpPr>
-            <a:spLocks noGrp="1"/>
-          </p:cNvSpPr>
-          <p:nvPr>
-            <p:ph type="body" sz="quarter" idx="3"/>
-          </p:nvPr>
-        </p:nvSpPr>
-        <p:spPr>
-          <a:xfrm>
-            <a:off x="6172200" y="1681163"/>
-            <a:ext cx="5183188" cy="823912"/>
-          </a:xfrm>
-        </p:spPr>
-        <p:txBody>
-          <a:bodyPr anchor="b"/>
+            <a:endParaRPr lang="en-US" dirty="0"/>
+          </a:p>
+        </p:txBody>
+      </p:sp>
+      <p:sp>
+        <p:nvSpPr>
+          <p:cNvPr id="5" name="Text Placeholder 4"/>
+          <p:cNvSpPr>
+            <a:spLocks noGrp="1"/>
+          </p:cNvSpPr>
+          <p:nvPr>
+            <p:ph type="body" sz="quarter" idx="3" hasCustomPrompt="1"/>
+          </p:nvPr>
+        </p:nvSpPr>
+        <p:spPr>
+          <a:xfrm>
+            <a:off x="6096003" y="2226734"/>
+            <a:ext cx="4722813" cy="576262"/>
+          </a:xfrm>
+        </p:spPr>
+        <p:txBody>
+          <a:bodyPr anchor="b">
+            <a:noAutofit/>
+          </a:bodyPr>
           <a:lstStyle>
             <a:lvl1pPr marL="0" indent="0">
               <a:buNone/>
-              <a:defRPr sz="2400" b="1"/>
+              <a:defRPr sz="2800" b="0"/>
             </a:lvl1pPr>
             <a:lvl2pPr marL="457200" indent="0">
               <a:buNone/>
@@ -1736,44 +4153,40 @@
           <a:p>
             <a:pPr lvl="0"/>
             <a:r>
+              <a:rPr lang="en-US" dirty="0"/>
+              <a:t>CLICK TO EDIT MASTER TEXT STYLES</a:t>
+            </a:r>
+          </a:p>
+        </p:txBody>
+      </p:sp>
+      <p:sp>
+        <p:nvSpPr>
+          <p:cNvPr id="6" name="Content Placeholder 5"/>
+          <p:cNvSpPr>
+            <a:spLocks noGrp="1"/>
+          </p:cNvSpPr>
+          <p:nvPr>
+            <p:ph sz="quarter" idx="4"/>
+          </p:nvPr>
+        </p:nvSpPr>
+        <p:spPr>
+          <a:xfrm>
+            <a:off x="5823483" y="2870201"/>
+            <a:ext cx="4995334" cy="2920998"/>
+          </a:xfrm>
+        </p:spPr>
+        <p:txBody>
+          <a:bodyPr anchor="t">
+            <a:normAutofit/>
+          </a:bodyPr>
+          <a:lstStyle/>
+          <a:p>
+            <a:pPr lvl="0"/>
+            <a:r>
               <a:rPr lang="pt-BR"/>
               <a:t>Clique para editar os estilos de texto Mestres</a:t>
             </a:r>
           </a:p>
-        </p:txBody>
-      </p:sp>
-      <p:sp>
-        <p:nvSpPr>
-          <p:cNvPr id="6" name="Espaço Reservado para Conteúdo 5">
-            <a:extLst>
-              <a:ext uri="{FF2B5EF4-FFF2-40B4-BE49-F238E27FC236}">
-                <a16:creationId xmlns:a16="http://schemas.microsoft.com/office/drawing/2014/main" id="{53713ADE-8586-4092-9602-F5EBC99C6E4E}"/>
-              </a:ext>
-            </a:extLst>
-          </p:cNvPr>
-          <p:cNvSpPr>
-            <a:spLocks noGrp="1"/>
-          </p:cNvSpPr>
-          <p:nvPr>
-            <p:ph sz="quarter" idx="4"/>
-          </p:nvPr>
-        </p:nvSpPr>
-        <p:spPr>
-          <a:xfrm>
-            <a:off x="6172200" y="2505075"/>
-            <a:ext cx="5183188" cy="3684588"/>
-          </a:xfrm>
-        </p:spPr>
-        <p:txBody>
-          <a:bodyPr/>
-          <a:lstStyle/>
-          <a:p>
-            <a:pPr lvl="0"/>
-            <a:r>
-              <a:rPr lang="pt-BR"/>
-              <a:t>Clique para editar os estilos de texto Mestres</a:t>
-            </a:r>
-          </a:p>
           <a:p>
             <a:pPr lvl="1"/>
             <a:r>
@@ -1801,18 +4214,13 @@
               <a:rPr lang="pt-BR"/>
               <a:t>Quinto nível</a:t>
             </a:r>
-          </a:p>
-        </p:txBody>
-      </p:sp>
-      <p:sp>
-        <p:nvSpPr>
-          <p:cNvPr id="7" name="Espaço Reservado para Data 6">
-            <a:extLst>
-              <a:ext uri="{FF2B5EF4-FFF2-40B4-BE49-F238E27FC236}">
-                <a16:creationId xmlns:a16="http://schemas.microsoft.com/office/drawing/2014/main" id="{4140A47D-09EC-42F8-A694-1D5DE86DB6ED}"/>
-              </a:ext>
-            </a:extLst>
-          </p:cNvPr>
+            <a:endParaRPr lang="en-US" dirty="0"/>
+          </a:p>
+        </p:txBody>
+      </p:sp>
+      <p:sp>
+        <p:nvSpPr>
+          <p:cNvPr id="7" name="Date Placeholder 6"/>
           <p:cNvSpPr>
             <a:spLocks noGrp="1"/>
           </p:cNvSpPr>
@@ -1827,7 +4235,7 @@
           <a:p>
             <a:fld id="{73F84220-E5C1-4CCC-8729-E034337E325F}" type="datetimeFigureOut">
               <a:rPr lang="pt-BR" smtClean="0"/>
-              <a:t>07/09/2019</a:t>
+              <a:t>10/09/2019</a:t>
             </a:fld>
             <a:endParaRPr lang="pt-BR"/>
           </a:p>
@@ -1835,13 +4243,7 @@
       </p:sp>
       <p:sp>
         <p:nvSpPr>
-          <p:cNvPr id="8" name="Espaço Reservado para Rodapé 7">
-            <a:extLst>
-              <a:ext uri="{FF2B5EF4-FFF2-40B4-BE49-F238E27FC236}">
-                <a16:creationId xmlns:a16="http://schemas.microsoft.com/office/drawing/2014/main" id="{3C4687DF-0061-4BA3-A64A-65CD50567EE1}"/>
-              </a:ext>
-            </a:extLst>
-          </p:cNvPr>
+          <p:cNvPr id="8" name="Footer Placeholder 7"/>
           <p:cNvSpPr>
             <a:spLocks noGrp="1"/>
           </p:cNvSpPr>
@@ -1860,13 +4262,7 @@
       </p:sp>
       <p:sp>
         <p:nvSpPr>
-          <p:cNvPr id="9" name="Espaço Reservado para Número de Slide 8">
-            <a:extLst>
-              <a:ext uri="{FF2B5EF4-FFF2-40B4-BE49-F238E27FC236}">
-                <a16:creationId xmlns:a16="http://schemas.microsoft.com/office/drawing/2014/main" id="{1FBEE67D-57D8-4987-A11D-9E9067FC912D}"/>
-              </a:ext>
-            </a:extLst>
-          </p:cNvPr>
+          <p:cNvPr id="9" name="Slide Number Placeholder 8"/>
           <p:cNvSpPr>
             <a:spLocks noGrp="1"/>
           </p:cNvSpPr>
@@ -1890,7 +4286,7 @@
     </p:spTree>
     <p:extLst>
       <p:ext uri="{BB962C8B-B14F-4D97-AF65-F5344CB8AC3E}">
-        <p14:creationId xmlns:p14="http://schemas.microsoft.com/office/powerpoint/2010/main" val="3777652406"/>
+        <p14:creationId xmlns:p14="http://schemas.microsoft.com/office/powerpoint/2010/main" val="1868532431"/>
       </p:ext>
     </p:extLst>
   </p:cSld>
@@ -1917,15 +4313,39 @@
           <a:chExt cx="0" cy="0"/>
         </a:xfrm>
       </p:grpSpPr>
-      <p:sp>
-        <p:nvSpPr>
-          <p:cNvPr id="2" name="Título 1">
+      <p:pic>
+        <p:nvPicPr>
+          <p:cNvPr id="6" name="Picture 5" descr="Celestia-R1---OverlayContentHD.png"/>
+          <p:cNvPicPr>
+            <a:picLocks noChangeAspect="1"/>
+          </p:cNvPicPr>
+          <p:nvPr/>
+        </p:nvPicPr>
+        <p:blipFill>
+          <a:blip r:embed="rId2">
             <a:extLst>
-              <a:ext uri="{FF2B5EF4-FFF2-40B4-BE49-F238E27FC236}">
-                <a16:creationId xmlns:a16="http://schemas.microsoft.com/office/drawing/2014/main" id="{7A7C745C-C4B8-4CE0-96EA-670396FAECAF}"/>
+              <a:ext uri="{28A0092B-C50C-407E-A947-70E740481C1C}">
+                <a14:useLocalDpi xmlns:a14="http://schemas.microsoft.com/office/drawing/2010/main" val="0"/>
               </a:ext>
             </a:extLst>
-          </p:cNvPr>
+          </a:blip>
+          <a:stretch>
+            <a:fillRect/>
+          </a:stretch>
+        </p:blipFill>
+        <p:spPr>
+          <a:xfrm>
+            <a:off x="0" y="0"/>
+            <a:ext cx="12188825" cy="6856214"/>
+          </a:xfrm>
+          <a:prstGeom prst="rect">
+            <a:avLst/>
+          </a:prstGeom>
+        </p:spPr>
+      </p:pic>
+      <p:sp>
+        <p:nvSpPr>
+          <p:cNvPr id="2" name="Title 1"/>
           <p:cNvSpPr>
             <a:spLocks noGrp="1"/>
           </p:cNvSpPr>
@@ -1942,18 +4362,13 @@
               <a:rPr lang="pt-BR"/>
               <a:t>Clique para editar o título Mestre</a:t>
             </a:r>
-          </a:p>
-        </p:txBody>
-      </p:sp>
-      <p:sp>
-        <p:nvSpPr>
-          <p:cNvPr id="3" name="Espaço Reservado para Data 2">
-            <a:extLst>
-              <a:ext uri="{FF2B5EF4-FFF2-40B4-BE49-F238E27FC236}">
-                <a16:creationId xmlns:a16="http://schemas.microsoft.com/office/drawing/2014/main" id="{284E8D51-9706-4A8E-8446-A83DC94745C1}"/>
-              </a:ext>
-            </a:extLst>
-          </p:cNvPr>
+            <a:endParaRPr lang="en-US" dirty="0"/>
+          </a:p>
+        </p:txBody>
+      </p:sp>
+      <p:sp>
+        <p:nvSpPr>
+          <p:cNvPr id="3" name="Date Placeholder 2"/>
           <p:cNvSpPr>
             <a:spLocks noGrp="1"/>
           </p:cNvSpPr>
@@ -1968,7 +4383,7 @@
           <a:p>
             <a:fld id="{73F84220-E5C1-4CCC-8729-E034337E325F}" type="datetimeFigureOut">
               <a:rPr lang="pt-BR" smtClean="0"/>
-              <a:t>07/09/2019</a:t>
+              <a:t>10/09/2019</a:t>
             </a:fld>
             <a:endParaRPr lang="pt-BR"/>
           </a:p>
@@ -1976,13 +4391,7 @@
       </p:sp>
       <p:sp>
         <p:nvSpPr>
-          <p:cNvPr id="4" name="Espaço Reservado para Rodapé 3">
-            <a:extLst>
-              <a:ext uri="{FF2B5EF4-FFF2-40B4-BE49-F238E27FC236}">
-                <a16:creationId xmlns:a16="http://schemas.microsoft.com/office/drawing/2014/main" id="{158D4CE3-B576-4D93-B311-9FF181796ED6}"/>
-              </a:ext>
-            </a:extLst>
-          </p:cNvPr>
+          <p:cNvPr id="4" name="Footer Placeholder 3"/>
           <p:cNvSpPr>
             <a:spLocks noGrp="1"/>
           </p:cNvSpPr>
@@ -2001,13 +4410,7 @@
       </p:sp>
       <p:sp>
         <p:nvSpPr>
-          <p:cNvPr id="5" name="Espaço Reservado para Número de Slide 4">
-            <a:extLst>
-              <a:ext uri="{FF2B5EF4-FFF2-40B4-BE49-F238E27FC236}">
-                <a16:creationId xmlns:a16="http://schemas.microsoft.com/office/drawing/2014/main" id="{F4403002-E7C7-4539-B2FB-E7CD8A2ACB86}"/>
-              </a:ext>
-            </a:extLst>
-          </p:cNvPr>
+          <p:cNvPr id="5" name="Slide Number Placeholder 4"/>
           <p:cNvSpPr>
             <a:spLocks noGrp="1"/>
           </p:cNvSpPr>
@@ -2031,7 +4434,7 @@
     </p:spTree>
     <p:extLst>
       <p:ext uri="{BB962C8B-B14F-4D97-AF65-F5344CB8AC3E}">
-        <p14:creationId xmlns:p14="http://schemas.microsoft.com/office/powerpoint/2010/main" val="3355993988"/>
+        <p14:creationId xmlns:p14="http://schemas.microsoft.com/office/powerpoint/2010/main" val="1618834838"/>
       </p:ext>
     </p:extLst>
   </p:cSld>
@@ -2058,15 +4461,39 @@
           <a:chExt cx="0" cy="0"/>
         </a:xfrm>
       </p:grpSpPr>
-      <p:sp>
-        <p:nvSpPr>
-          <p:cNvPr id="2" name="Espaço Reservado para Data 1">
+      <p:pic>
+        <p:nvPicPr>
+          <p:cNvPr id="5" name="Picture 4" descr="Celestia-R1---OverlayContentHD.png"/>
+          <p:cNvPicPr>
+            <a:picLocks noChangeAspect="1"/>
+          </p:cNvPicPr>
+          <p:nvPr/>
+        </p:nvPicPr>
+        <p:blipFill>
+          <a:blip r:embed="rId2">
             <a:extLst>
-              <a:ext uri="{FF2B5EF4-FFF2-40B4-BE49-F238E27FC236}">
-                <a16:creationId xmlns:a16="http://schemas.microsoft.com/office/drawing/2014/main" id="{53ECE1B9-8CA9-4C49-BF2B-357117D2BF3B}"/>
+              <a:ext uri="{28A0092B-C50C-407E-A947-70E740481C1C}">
+                <a14:useLocalDpi xmlns:a14="http://schemas.microsoft.com/office/drawing/2010/main" val="0"/>
               </a:ext>
             </a:extLst>
-          </p:cNvPr>
+          </a:blip>
+          <a:stretch>
+            <a:fillRect/>
+          </a:stretch>
+        </p:blipFill>
+        <p:spPr>
+          <a:xfrm>
+            <a:off x="0" y="0"/>
+            <a:ext cx="12188825" cy="6856214"/>
+          </a:xfrm>
+          <a:prstGeom prst="rect">
+            <a:avLst/>
+          </a:prstGeom>
+        </p:spPr>
+      </p:pic>
+      <p:sp>
+        <p:nvSpPr>
+          <p:cNvPr id="2" name="Date Placeholder 1"/>
           <p:cNvSpPr>
             <a:spLocks noGrp="1"/>
           </p:cNvSpPr>
@@ -2081,7 +4508,7 @@
           <a:p>
             <a:fld id="{73F84220-E5C1-4CCC-8729-E034337E325F}" type="datetimeFigureOut">
               <a:rPr lang="pt-BR" smtClean="0"/>
-              <a:t>07/09/2019</a:t>
+              <a:t>10/09/2019</a:t>
             </a:fld>
             <a:endParaRPr lang="pt-BR"/>
           </a:p>
@@ -2089,13 +4516,7 @@
       </p:sp>
       <p:sp>
         <p:nvSpPr>
-          <p:cNvPr id="3" name="Espaço Reservado para Rodapé 2">
-            <a:extLst>
-              <a:ext uri="{FF2B5EF4-FFF2-40B4-BE49-F238E27FC236}">
-                <a16:creationId xmlns:a16="http://schemas.microsoft.com/office/drawing/2014/main" id="{EA822251-B1B3-4D58-BE12-7EC8AE9134B1}"/>
-              </a:ext>
-            </a:extLst>
-          </p:cNvPr>
+          <p:cNvPr id="3" name="Footer Placeholder 2"/>
           <p:cNvSpPr>
             <a:spLocks noGrp="1"/>
           </p:cNvSpPr>
@@ -2114,13 +4535,7 @@
       </p:sp>
       <p:sp>
         <p:nvSpPr>
-          <p:cNvPr id="4" name="Espaço Reservado para Número de Slide 3">
-            <a:extLst>
-              <a:ext uri="{FF2B5EF4-FFF2-40B4-BE49-F238E27FC236}">
-                <a16:creationId xmlns:a16="http://schemas.microsoft.com/office/drawing/2014/main" id="{6E799C9B-24DA-4B71-A360-E54AF44EA3BC}"/>
-              </a:ext>
-            </a:extLst>
-          </p:cNvPr>
+          <p:cNvPr id="4" name="Slide Number Placeholder 3"/>
           <p:cNvSpPr>
             <a:spLocks noGrp="1"/>
           </p:cNvSpPr>
@@ -2144,7 +4559,7 @@
     </p:spTree>
     <p:extLst>
       <p:ext uri="{BB962C8B-B14F-4D97-AF65-F5344CB8AC3E}">
-        <p14:creationId xmlns:p14="http://schemas.microsoft.com/office/powerpoint/2010/main" val="3092465316"/>
+        <p14:creationId xmlns:p14="http://schemas.microsoft.com/office/powerpoint/2010/main" val="744166250"/>
       </p:ext>
     </p:extLst>
   </p:cSld>
@@ -2171,15 +4586,39 @@
           <a:chExt cx="0" cy="0"/>
         </a:xfrm>
       </p:grpSpPr>
-      <p:sp>
-        <p:nvSpPr>
-          <p:cNvPr id="2" name="Título 1">
+      <p:pic>
+        <p:nvPicPr>
+          <p:cNvPr id="8" name="Picture 7" descr="Celestia-R1---OverlayContentHD.png"/>
+          <p:cNvPicPr>
+            <a:picLocks noChangeAspect="1"/>
+          </p:cNvPicPr>
+          <p:nvPr/>
+        </p:nvPicPr>
+        <p:blipFill>
+          <a:blip r:embed="rId2">
             <a:extLst>
-              <a:ext uri="{FF2B5EF4-FFF2-40B4-BE49-F238E27FC236}">
-                <a16:creationId xmlns:a16="http://schemas.microsoft.com/office/drawing/2014/main" id="{938F8F5A-1A6A-42C2-B59D-5A077342A05F}"/>
+              <a:ext uri="{28A0092B-C50C-407E-A947-70E740481C1C}">
+                <a14:useLocalDpi xmlns:a14="http://schemas.microsoft.com/office/drawing/2010/main" val="0"/>
               </a:ext>
             </a:extLst>
-          </p:cNvPr>
+          </a:blip>
+          <a:stretch>
+            <a:fillRect/>
+          </a:stretch>
+        </p:blipFill>
+        <p:spPr>
+          <a:xfrm>
+            <a:off x="0" y="0"/>
+            <a:ext cx="12188825" cy="6856214"/>
+          </a:xfrm>
+          <a:prstGeom prst="rect">
+            <a:avLst/>
+          </a:prstGeom>
+        </p:spPr>
+      </p:pic>
+      <p:sp>
+        <p:nvSpPr>
+          <p:cNvPr id="2" name="Title 1"/>
           <p:cNvSpPr>
             <a:spLocks noGrp="1"/>
           </p:cNvSpPr>
@@ -2189,15 +4628,17 @@
         </p:nvSpPr>
         <p:spPr>
           <a:xfrm>
-            <a:off x="839788" y="457200"/>
-            <a:ext cx="3932237" cy="1600200"/>
-          </a:xfrm>
-        </p:spPr>
-        <p:txBody>
-          <a:bodyPr anchor="b"/>
+            <a:off x="685800" y="2074333"/>
+            <a:ext cx="3680885" cy="1371600"/>
+          </a:xfrm>
+        </p:spPr>
+        <p:txBody>
+          <a:bodyPr anchor="b">
+            <a:normAutofit/>
+          </a:bodyPr>
           <a:lstStyle>
-            <a:lvl1pPr>
-              <a:defRPr sz="3200"/>
+            <a:lvl1pPr algn="l">
+              <a:defRPr sz="2400" b="0"/>
             </a:lvl1pPr>
           </a:lstStyle>
           <a:p>
@@ -2205,18 +4646,13 @@
               <a:rPr lang="pt-BR"/>
               <a:t>Clique para editar o título Mestre</a:t>
             </a:r>
-          </a:p>
-        </p:txBody>
-      </p:sp>
-      <p:sp>
-        <p:nvSpPr>
-          <p:cNvPr id="3" name="Espaço Reservado para Conteúdo 2">
-            <a:extLst>
-              <a:ext uri="{FF2B5EF4-FFF2-40B4-BE49-F238E27FC236}">
-                <a16:creationId xmlns:a16="http://schemas.microsoft.com/office/drawing/2014/main" id="{BCDA6432-5390-48CC-8FD3-AA63E80BBCA0}"/>
-              </a:ext>
-            </a:extLst>
-          </p:cNvPr>
+            <a:endParaRPr lang="en-US" dirty="0"/>
+          </a:p>
+        </p:txBody>
+      </p:sp>
+      <p:sp>
+        <p:nvSpPr>
+          <p:cNvPr id="3" name="Content Placeholder 2"/>
           <p:cNvSpPr>
             <a:spLocks noGrp="1"/>
           </p:cNvSpPr>
@@ -2226,41 +4662,15 @@
         </p:nvSpPr>
         <p:spPr>
           <a:xfrm>
-            <a:off x="5183188" y="987425"/>
-            <a:ext cx="6172200" cy="4873625"/>
-          </a:xfrm>
-        </p:spPr>
-        <p:txBody>
-          <a:bodyPr/>
-          <a:lstStyle>
-            <a:lvl1pPr>
-              <a:defRPr sz="3200"/>
-            </a:lvl1pPr>
-            <a:lvl2pPr>
-              <a:defRPr sz="2800"/>
-            </a:lvl2pPr>
-            <a:lvl3pPr>
-              <a:defRPr sz="2400"/>
-            </a:lvl3pPr>
-            <a:lvl4pPr>
-              <a:defRPr sz="2000"/>
-            </a:lvl4pPr>
-            <a:lvl5pPr>
-              <a:defRPr sz="2000"/>
-            </a:lvl5pPr>
-            <a:lvl6pPr>
-              <a:defRPr sz="2000"/>
-            </a:lvl6pPr>
-            <a:lvl7pPr>
-              <a:defRPr sz="2000"/>
-            </a:lvl7pPr>
-            <a:lvl8pPr>
-              <a:defRPr sz="2000"/>
-            </a:lvl8pPr>
-            <a:lvl9pPr>
-              <a:defRPr sz="2000"/>
-            </a:lvl9pPr>
-          </a:lstStyle>
+            <a:off x="4648201" y="609601"/>
+            <a:ext cx="6169026" cy="5181600"/>
+          </a:xfrm>
+        </p:spPr>
+        <p:txBody>
+          <a:bodyPr anchor="ctr">
+            <a:normAutofit/>
+          </a:bodyPr>
+          <a:lstStyle/>
           <a:p>
             <a:pPr lvl="0"/>
             <a:r>
@@ -2295,18 +4705,13 @@
               <a:rPr lang="pt-BR"/>
               <a:t>Quinto nível</a:t>
             </a:r>
-          </a:p>
-        </p:txBody>
-      </p:sp>
-      <p:sp>
-        <p:nvSpPr>
-          <p:cNvPr id="4" name="Espaço Reservado para Texto 3">
-            <a:extLst>
-              <a:ext uri="{FF2B5EF4-FFF2-40B4-BE49-F238E27FC236}">
-                <a16:creationId xmlns:a16="http://schemas.microsoft.com/office/drawing/2014/main" id="{C7EA1D9F-AC11-444E-B0C8-40D0FA2F4D90}"/>
-              </a:ext>
-            </a:extLst>
-          </p:cNvPr>
+            <a:endParaRPr lang="en-US" dirty="0"/>
+          </a:p>
+        </p:txBody>
+      </p:sp>
+      <p:sp>
+        <p:nvSpPr>
+          <p:cNvPr id="4" name="Text Placeholder 3"/>
           <p:cNvSpPr>
             <a:spLocks noGrp="1"/>
           </p:cNvSpPr>
@@ -2316,12 +4721,14 @@
         </p:nvSpPr>
         <p:spPr>
           <a:xfrm>
-            <a:off x="839788" y="2057400"/>
-            <a:ext cx="3932237" cy="3811588"/>
-          </a:xfrm>
-        </p:spPr>
-        <p:txBody>
-          <a:bodyPr/>
+            <a:off x="685800" y="3445933"/>
+            <a:ext cx="3680885" cy="1828800"/>
+          </a:xfrm>
+        </p:spPr>
+        <p:txBody>
+          <a:bodyPr anchor="t">
+            <a:normAutofit/>
+          </a:bodyPr>
           <a:lstStyle>
             <a:lvl1pPr marL="0" indent="0">
               <a:buNone/>
@@ -2329,35 +4736,35 @@
             </a:lvl1pPr>
             <a:lvl2pPr marL="457200" indent="0">
               <a:buNone/>
-              <a:defRPr sz="1400"/>
+              <a:defRPr sz="1200"/>
             </a:lvl2pPr>
             <a:lvl3pPr marL="914400" indent="0">
               <a:buNone/>
-              <a:defRPr sz="1200"/>
+              <a:defRPr sz="1000"/>
             </a:lvl3pPr>
             <a:lvl4pPr marL="1371600" indent="0">
               <a:buNone/>
-              <a:defRPr sz="1000"/>
+              <a:defRPr sz="900"/>
             </a:lvl4pPr>
             <a:lvl5pPr marL="1828800" indent="0">
               <a:buNone/>
-              <a:defRPr sz="1000"/>
+              <a:defRPr sz="900"/>
             </a:lvl5pPr>
             <a:lvl6pPr marL="2286000" indent="0">
               <a:buNone/>
-              <a:defRPr sz="1000"/>
+              <a:defRPr sz="900"/>
             </a:lvl6pPr>
             <a:lvl7pPr marL="2743200" indent="0">
               <a:buNone/>
-              <a:defRPr sz="1000"/>
+              <a:defRPr sz="900"/>
             </a:lvl7pPr>
             <a:lvl8pPr marL="3200400" indent="0">
               <a:buNone/>
-              <a:defRPr sz="1000"/>
+              <a:defRPr sz="900"/>
             </a:lvl8pPr>
             <a:lvl9pPr marL="3657600" indent="0">
               <a:buNone/>
-              <a:defRPr sz="1000"/>
+              <a:defRPr sz="900"/>
             </a:lvl9pPr>
           </a:lstStyle>
           <a:p>
@@ -2371,13 +4778,7 @@
       </p:sp>
       <p:sp>
         <p:nvSpPr>
-          <p:cNvPr id="5" name="Espaço Reservado para Data 4">
-            <a:extLst>
-              <a:ext uri="{FF2B5EF4-FFF2-40B4-BE49-F238E27FC236}">
-                <a16:creationId xmlns:a16="http://schemas.microsoft.com/office/drawing/2014/main" id="{6ED220B6-F4B9-4B18-BFE2-78FCC8A1738B}"/>
-              </a:ext>
-            </a:extLst>
-          </p:cNvPr>
+          <p:cNvPr id="5" name="Date Placeholder 4"/>
           <p:cNvSpPr>
             <a:spLocks noGrp="1"/>
           </p:cNvSpPr>
@@ -2392,7 +4793,7 @@
           <a:p>
             <a:fld id="{73F84220-E5C1-4CCC-8729-E034337E325F}" type="datetimeFigureOut">
               <a:rPr lang="pt-BR" smtClean="0"/>
-              <a:t>07/09/2019</a:t>
+              <a:t>10/09/2019</a:t>
             </a:fld>
             <a:endParaRPr lang="pt-BR"/>
           </a:p>
@@ -2400,13 +4801,7 @@
       </p:sp>
       <p:sp>
         <p:nvSpPr>
-          <p:cNvPr id="6" name="Espaço Reservado para Rodapé 5">
-            <a:extLst>
-              <a:ext uri="{FF2B5EF4-FFF2-40B4-BE49-F238E27FC236}">
-                <a16:creationId xmlns:a16="http://schemas.microsoft.com/office/drawing/2014/main" id="{2524A37A-1A93-46A6-A86C-F80F1899F4E8}"/>
-              </a:ext>
-            </a:extLst>
-          </p:cNvPr>
+          <p:cNvPr id="6" name="Footer Placeholder 5"/>
           <p:cNvSpPr>
             <a:spLocks noGrp="1"/>
           </p:cNvSpPr>
@@ -2425,13 +4820,7 @@
       </p:sp>
       <p:sp>
         <p:nvSpPr>
-          <p:cNvPr id="7" name="Espaço Reservado para Número de Slide 6">
-            <a:extLst>
-              <a:ext uri="{FF2B5EF4-FFF2-40B4-BE49-F238E27FC236}">
-                <a16:creationId xmlns:a16="http://schemas.microsoft.com/office/drawing/2014/main" id="{78B3F9D5-88A2-45A3-A429-8946013EFFFD}"/>
-              </a:ext>
-            </a:extLst>
-          </p:cNvPr>
+          <p:cNvPr id="7" name="Slide Number Placeholder 6"/>
           <p:cNvSpPr>
             <a:spLocks noGrp="1"/>
           </p:cNvSpPr>
@@ -2455,7 +4844,7 @@
     </p:spTree>
     <p:extLst>
       <p:ext uri="{BB962C8B-B14F-4D97-AF65-F5344CB8AC3E}">
-        <p14:creationId xmlns:p14="http://schemas.microsoft.com/office/powerpoint/2010/main" val="219728279"/>
+        <p14:creationId xmlns:p14="http://schemas.microsoft.com/office/powerpoint/2010/main" val="3520790647"/>
       </p:ext>
     </p:extLst>
   </p:cSld>
@@ -2482,15 +4871,39 @@
           <a:chExt cx="0" cy="0"/>
         </a:xfrm>
       </p:grpSpPr>
-      <p:sp>
-        <p:nvSpPr>
-          <p:cNvPr id="2" name="Título 1">
+      <p:pic>
+        <p:nvPicPr>
+          <p:cNvPr id="8" name="Picture 7" descr="Celestia-R1---OverlayContentHD.png"/>
+          <p:cNvPicPr>
+            <a:picLocks noChangeAspect="1"/>
+          </p:cNvPicPr>
+          <p:nvPr/>
+        </p:nvPicPr>
+        <p:blipFill>
+          <a:blip r:embed="rId2">
             <a:extLst>
-              <a:ext uri="{FF2B5EF4-FFF2-40B4-BE49-F238E27FC236}">
-                <a16:creationId xmlns:a16="http://schemas.microsoft.com/office/drawing/2014/main" id="{F6A0E53F-F766-4485-82E0-B776360C5F72}"/>
+              <a:ext uri="{28A0092B-C50C-407E-A947-70E740481C1C}">
+                <a14:useLocalDpi xmlns:a14="http://schemas.microsoft.com/office/drawing/2010/main" val="0"/>
               </a:ext>
             </a:extLst>
-          </p:cNvPr>
+          </a:blip>
+          <a:stretch>
+            <a:fillRect/>
+          </a:stretch>
+        </p:blipFill>
+        <p:spPr>
+          <a:xfrm>
+            <a:off x="0" y="0"/>
+            <a:ext cx="12188825" cy="6856214"/>
+          </a:xfrm>
+          <a:prstGeom prst="rect">
+            <a:avLst/>
+          </a:prstGeom>
+        </p:spPr>
+      </p:pic>
+      <p:sp>
+        <p:nvSpPr>
+          <p:cNvPr id="2" name="Title 1"/>
           <p:cNvSpPr>
             <a:spLocks noGrp="1"/>
           </p:cNvSpPr>
@@ -2500,15 +4913,17 @@
         </p:nvSpPr>
         <p:spPr>
           <a:xfrm>
-            <a:off x="839788" y="457200"/>
-            <a:ext cx="3932237" cy="1600200"/>
-          </a:xfrm>
-        </p:spPr>
-        <p:txBody>
-          <a:bodyPr anchor="b"/>
+            <a:off x="685800" y="1600200"/>
+            <a:ext cx="6164653" cy="1371600"/>
+          </a:xfrm>
+        </p:spPr>
+        <p:txBody>
+          <a:bodyPr anchor="b">
+            <a:normAutofit/>
+          </a:bodyPr>
           <a:lstStyle>
-            <a:lvl1pPr>
-              <a:defRPr sz="3200"/>
+            <a:lvl1pPr algn="l">
+              <a:defRPr sz="2800" b="0"/>
             </a:lvl1pPr>
           </a:lstStyle>
           <a:p>
@@ -2516,20 +4931,15 @@
               <a:rPr lang="pt-BR"/>
               <a:t>Clique para editar o título Mestre</a:t>
             </a:r>
-          </a:p>
-        </p:txBody>
-      </p:sp>
-      <p:sp>
-        <p:nvSpPr>
-          <p:cNvPr id="3" name="Espaço Reservado para Imagem 2">
-            <a:extLst>
-              <a:ext uri="{FF2B5EF4-FFF2-40B4-BE49-F238E27FC236}">
-                <a16:creationId xmlns:a16="http://schemas.microsoft.com/office/drawing/2014/main" id="{105E3C37-4982-46AE-8E01-DE3C89DAACE4}"/>
-              </a:ext>
-            </a:extLst>
-          </p:cNvPr>
-          <p:cNvSpPr>
-            <a:spLocks noGrp="1"/>
+            <a:endParaRPr lang="en-US" dirty="0"/>
+          </a:p>
+        </p:txBody>
+      </p:sp>
+      <p:sp>
+        <p:nvSpPr>
+          <p:cNvPr id="14" name="Picture Placeholder 2"/>
+          <p:cNvSpPr>
+            <a:spLocks noGrp="1" noChangeAspect="1"/>
           </p:cNvSpPr>
           <p:nvPr>
             <p:ph type="pic" idx="1"/>
@@ -2537,118 +4947,151 @@
         </p:nvSpPr>
         <p:spPr>
           <a:xfrm>
-            <a:off x="5183188" y="987425"/>
-            <a:ext cx="6172200" cy="4873625"/>
-          </a:xfrm>
-        </p:spPr>
-        <p:txBody>
-          <a:bodyPr/>
+            <a:off x="7536253" y="914400"/>
+            <a:ext cx="3280974" cy="4572000"/>
+          </a:xfrm>
+          <a:prstGeom prst="roundRect">
+            <a:avLst>
+              <a:gd name="adj" fmla="val 4280"/>
+            </a:avLst>
+          </a:prstGeom>
+          <a:ln w="50800" cap="sq" cmpd="dbl">
+            <a:gradFill flip="none" rotWithShape="1">
+              <a:gsLst>
+                <a:gs pos="0">
+                  <a:srgbClr val="FFFFFF"/>
+                </a:gs>
+                <a:gs pos="100000">
+                  <a:schemeClr val="tx1">
+                    <a:alpha val="0"/>
+                  </a:schemeClr>
+                </a:gs>
+              </a:gsLst>
+              <a:path path="circle">
+                <a:fillToRect l="50000" t="50000" r="50000" b="50000"/>
+              </a:path>
+              <a:tileRect/>
+            </a:gradFill>
+            <a:miter lim="800000"/>
+          </a:ln>
+          <a:effectLst>
+            <a:outerShdw blurRad="254000" algn="tl" rotWithShape="0">
+              <a:srgbClr val="000000">
+                <a:alpha val="43000"/>
+              </a:srgbClr>
+            </a:outerShdw>
+          </a:effectLst>
+        </p:spPr>
+        <p:txBody>
+          <a:bodyPr anchor="t">
+            <a:normAutofit/>
+          </a:bodyPr>
           <a:lstStyle>
-            <a:lvl1pPr marL="0" indent="0">
-              <a:buNone/>
-              <a:defRPr sz="3200"/>
-            </a:lvl1pPr>
-            <a:lvl2pPr marL="457200" indent="0">
-              <a:buNone/>
-              <a:defRPr sz="2800"/>
-            </a:lvl2pPr>
-            <a:lvl3pPr marL="914400" indent="0">
-              <a:buNone/>
-              <a:defRPr sz="2400"/>
-            </a:lvl3pPr>
-            <a:lvl4pPr marL="1371600" indent="0">
-              <a:buNone/>
-              <a:defRPr sz="2000"/>
-            </a:lvl4pPr>
-            <a:lvl5pPr marL="1828800" indent="0">
-              <a:buNone/>
-              <a:defRPr sz="2000"/>
-            </a:lvl5pPr>
-            <a:lvl6pPr marL="2286000" indent="0">
-              <a:buNone/>
-              <a:defRPr sz="2000"/>
-            </a:lvl6pPr>
-            <a:lvl7pPr marL="2743200" indent="0">
-              <a:buNone/>
-              <a:defRPr sz="2000"/>
-            </a:lvl7pPr>
-            <a:lvl8pPr marL="3200400" indent="0">
-              <a:buNone/>
-              <a:defRPr sz="2000"/>
-            </a:lvl8pPr>
-            <a:lvl9pPr marL="3657600" indent="0">
-              <a:buNone/>
-              <a:defRPr sz="2000"/>
-            </a:lvl9pPr>
-          </a:lstStyle>
-          <a:p>
-            <a:endParaRPr lang="pt-BR"/>
-          </a:p>
-        </p:txBody>
-      </p:sp>
-      <p:sp>
-        <p:nvSpPr>
-          <p:cNvPr id="4" name="Espaço Reservado para Texto 3">
-            <a:extLst>
-              <a:ext uri="{FF2B5EF4-FFF2-40B4-BE49-F238E27FC236}">
-                <a16:creationId xmlns:a16="http://schemas.microsoft.com/office/drawing/2014/main" id="{49B61A79-F2CF-4A5A-8B14-7617A473D67B}"/>
-              </a:ext>
-            </a:extLst>
-          </p:cNvPr>
-          <p:cNvSpPr>
-            <a:spLocks noGrp="1"/>
-          </p:cNvSpPr>
-          <p:nvPr>
-            <p:ph type="body" sz="half" idx="2"/>
-          </p:nvPr>
-        </p:nvSpPr>
-        <p:spPr>
-          <a:xfrm>
-            <a:off x="839788" y="2057400"/>
-            <a:ext cx="3932237" cy="3811588"/>
-          </a:xfrm>
-        </p:spPr>
-        <p:txBody>
-          <a:bodyPr/>
-          <a:lstStyle>
-            <a:lvl1pPr marL="0" indent="0">
+            <a:lvl1pPr marL="0" indent="0" algn="ctr">
               <a:buNone/>
               <a:defRPr sz="1600"/>
             </a:lvl1pPr>
             <a:lvl2pPr marL="457200" indent="0">
               <a:buNone/>
-              <a:defRPr sz="1400"/>
+              <a:defRPr sz="1600"/>
             </a:lvl2pPr>
             <a:lvl3pPr marL="914400" indent="0">
               <a:buNone/>
-              <a:defRPr sz="1200"/>
+              <a:defRPr sz="1600"/>
             </a:lvl3pPr>
             <a:lvl4pPr marL="1371600" indent="0">
               <a:buNone/>
-              <a:defRPr sz="1000"/>
+              <a:defRPr sz="1600"/>
             </a:lvl4pPr>
             <a:lvl5pPr marL="1828800" indent="0">
               <a:buNone/>
-              <a:defRPr sz="1000"/>
+              <a:defRPr sz="1600"/>
             </a:lvl5pPr>
             <a:lvl6pPr marL="2286000" indent="0">
               <a:buNone/>
-              <a:defRPr sz="1000"/>
+              <a:defRPr sz="1600"/>
             </a:lvl6pPr>
             <a:lvl7pPr marL="2743200" indent="0">
               <a:buNone/>
-              <a:defRPr sz="1000"/>
+              <a:defRPr sz="1600"/>
             </a:lvl7pPr>
             <a:lvl8pPr marL="3200400" indent="0">
               <a:buNone/>
-              <a:defRPr sz="1000"/>
+              <a:defRPr sz="1600"/>
             </a:lvl8pPr>
             <a:lvl9pPr marL="3657600" indent="0">
               <a:buNone/>
-              <a:defRPr sz="1000"/>
+              <a:defRPr sz="1600"/>
             </a:lvl9pPr>
           </a:lstStyle>
           <a:p>
+            <a:r>
+              <a:rPr lang="pt-BR"/>
+              <a:t>Clique no ícone para adicionar uma imagem</a:t>
+            </a:r>
+            <a:endParaRPr lang="en-US" dirty="0"/>
+          </a:p>
+        </p:txBody>
+      </p:sp>
+      <p:sp>
+        <p:nvSpPr>
+          <p:cNvPr id="4" name="Text Placeholder 3"/>
+          <p:cNvSpPr>
+            <a:spLocks noGrp="1"/>
+          </p:cNvSpPr>
+          <p:nvPr>
+            <p:ph type="body" sz="half" idx="2"/>
+          </p:nvPr>
+        </p:nvSpPr>
+        <p:spPr>
+          <a:xfrm>
+            <a:off x="685800" y="2971800"/>
+            <a:ext cx="6164653" cy="1828800"/>
+          </a:xfrm>
+        </p:spPr>
+        <p:txBody>
+          <a:bodyPr anchor="t">
+            <a:normAutofit/>
+          </a:bodyPr>
+          <a:lstStyle>
+            <a:lvl1pPr marL="0" indent="0">
+              <a:buNone/>
+              <a:defRPr sz="1800"/>
+            </a:lvl1pPr>
+            <a:lvl2pPr marL="457200" indent="0">
+              <a:buNone/>
+              <a:defRPr sz="1200"/>
+            </a:lvl2pPr>
+            <a:lvl3pPr marL="914400" indent="0">
+              <a:buNone/>
+              <a:defRPr sz="1000"/>
+            </a:lvl3pPr>
+            <a:lvl4pPr marL="1371600" indent="0">
+              <a:buNone/>
+              <a:defRPr sz="900"/>
+            </a:lvl4pPr>
+            <a:lvl5pPr marL="1828800" indent="0">
+              <a:buNone/>
+              <a:defRPr sz="900"/>
+            </a:lvl5pPr>
+            <a:lvl6pPr marL="2286000" indent="0">
+              <a:buNone/>
+              <a:defRPr sz="900"/>
+            </a:lvl6pPr>
+            <a:lvl7pPr marL="2743200" indent="0">
+              <a:buNone/>
+              <a:defRPr sz="900"/>
+            </a:lvl7pPr>
+            <a:lvl8pPr marL="3200400" indent="0">
+              <a:buNone/>
+              <a:defRPr sz="900"/>
+            </a:lvl8pPr>
+            <a:lvl9pPr marL="3657600" indent="0">
+              <a:buNone/>
+              <a:defRPr sz="900"/>
+            </a:lvl9pPr>
+          </a:lstStyle>
+          <a:p>
             <a:pPr lvl="0"/>
             <a:r>
               <a:rPr lang="pt-BR"/>
@@ -2659,13 +5102,7 @@
       </p:sp>
       <p:sp>
         <p:nvSpPr>
-          <p:cNvPr id="5" name="Espaço Reservado para Data 4">
-            <a:extLst>
-              <a:ext uri="{FF2B5EF4-FFF2-40B4-BE49-F238E27FC236}">
-                <a16:creationId xmlns:a16="http://schemas.microsoft.com/office/drawing/2014/main" id="{3F26D859-7C1B-438F-88FE-367E645C73EA}"/>
-              </a:ext>
-            </a:extLst>
-          </p:cNvPr>
+          <p:cNvPr id="5" name="Date Placeholder 4"/>
           <p:cNvSpPr>
             <a:spLocks noGrp="1"/>
           </p:cNvSpPr>
@@ -2680,7 +5117,7 @@
           <a:p>
             <a:fld id="{73F84220-E5C1-4CCC-8729-E034337E325F}" type="datetimeFigureOut">
               <a:rPr lang="pt-BR" smtClean="0"/>
-              <a:t>07/09/2019</a:t>
+              <a:t>10/09/2019</a:t>
             </a:fld>
             <a:endParaRPr lang="pt-BR"/>
           </a:p>
@@ -2688,13 +5125,7 @@
       </p:sp>
       <p:sp>
         <p:nvSpPr>
-          <p:cNvPr id="6" name="Espaço Reservado para Rodapé 5">
-            <a:extLst>
-              <a:ext uri="{FF2B5EF4-FFF2-40B4-BE49-F238E27FC236}">
-                <a16:creationId xmlns:a16="http://schemas.microsoft.com/office/drawing/2014/main" id="{7339E482-17B0-421D-B005-7FB505716C1B}"/>
-              </a:ext>
-            </a:extLst>
-          </p:cNvPr>
+          <p:cNvPr id="6" name="Footer Placeholder 5"/>
           <p:cNvSpPr>
             <a:spLocks noGrp="1"/>
           </p:cNvSpPr>
@@ -2713,13 +5144,7 @@
       </p:sp>
       <p:sp>
         <p:nvSpPr>
-          <p:cNvPr id="7" name="Espaço Reservado para Número de Slide 6">
-            <a:extLst>
-              <a:ext uri="{FF2B5EF4-FFF2-40B4-BE49-F238E27FC236}">
-                <a16:creationId xmlns:a16="http://schemas.microsoft.com/office/drawing/2014/main" id="{818F85D9-23C0-482A-A0CD-29A09CA71432}"/>
-              </a:ext>
-            </a:extLst>
-          </p:cNvPr>
+          <p:cNvPr id="7" name="Slide Number Placeholder 6"/>
           <p:cNvSpPr>
             <a:spLocks noGrp="1"/>
           </p:cNvSpPr>
@@ -2743,7 +5168,7 @@
     </p:spTree>
     <p:extLst>
       <p:ext uri="{BB962C8B-B14F-4D97-AF65-F5344CB8AC3E}">
-        <p14:creationId xmlns:p14="http://schemas.microsoft.com/office/powerpoint/2010/main" val="2203043288"/>
+        <p14:creationId xmlns:p14="http://schemas.microsoft.com/office/powerpoint/2010/main" val="1923714902"/>
       </p:ext>
     </p:extLst>
   </p:cSld>
@@ -2757,8 +5182,8 @@
 <p:sldMaster xmlns:a="http://schemas.openxmlformats.org/drawingml/2006/main" xmlns:r="http://schemas.openxmlformats.org/officeDocument/2006/relationships" xmlns:p="http://schemas.openxmlformats.org/presentationml/2006/main">
   <p:cSld>
     <p:bg>
-      <p:bgRef idx="1001">
-        <a:schemeClr val="bg1"/>
+      <p:bgRef idx="1003">
+        <a:schemeClr val="bg2"/>
       </p:bgRef>
     </p:bg>
     <p:spTree>
@@ -2777,13 +5202,7 @@
       </p:grpSpPr>
       <p:sp>
         <p:nvSpPr>
-          <p:cNvPr id="2" name="Espaço Reservado para Título 1">
-            <a:extLst>
-              <a:ext uri="{FF2B5EF4-FFF2-40B4-BE49-F238E27FC236}">
-                <a16:creationId xmlns:a16="http://schemas.microsoft.com/office/drawing/2014/main" id="{A4B2ED01-C77C-48E6-B1C1-322B85301783}"/>
-              </a:ext>
-            </a:extLst>
-          </p:cNvPr>
+          <p:cNvPr id="2" name="Title Placeholder 1"/>
           <p:cNvSpPr>
             <a:spLocks noGrp="1"/>
           </p:cNvSpPr>
@@ -2793,12 +5212,13 @@
         </p:nvSpPr>
         <p:spPr>
           <a:xfrm>
-            <a:off x="838200" y="365125"/>
-            <a:ext cx="10515600" cy="1325563"/>
+            <a:off x="685801" y="609600"/>
+            <a:ext cx="10131425" cy="1456267"/>
           </a:xfrm>
           <a:prstGeom prst="rect">
             <a:avLst/>
           </a:prstGeom>
+          <a:effectLst/>
         </p:spPr>
         <p:txBody>
           <a:bodyPr vert="horz" lIns="91440" tIns="45720" rIns="91440" bIns="45720" rtlCol="0" anchor="ctr">
@@ -2810,18 +5230,13 @@
               <a:rPr lang="pt-BR"/>
               <a:t>Clique para editar o título Mestre</a:t>
             </a:r>
-          </a:p>
-        </p:txBody>
-      </p:sp>
-      <p:sp>
-        <p:nvSpPr>
-          <p:cNvPr id="3" name="Espaço Reservado para Texto 2">
-            <a:extLst>
-              <a:ext uri="{FF2B5EF4-FFF2-40B4-BE49-F238E27FC236}">
-                <a16:creationId xmlns:a16="http://schemas.microsoft.com/office/drawing/2014/main" id="{EF138600-30A7-4A18-8568-161051B97032}"/>
-              </a:ext>
-            </a:extLst>
-          </p:cNvPr>
+            <a:endParaRPr lang="en-US" dirty="0"/>
+          </a:p>
+        </p:txBody>
+      </p:sp>
+      <p:sp>
+        <p:nvSpPr>
+          <p:cNvPr id="3" name="Text Placeholder 2"/>
           <p:cNvSpPr>
             <a:spLocks noGrp="1"/>
           </p:cNvSpPr>
@@ -2831,15 +5246,15 @@
         </p:nvSpPr>
         <p:spPr>
           <a:xfrm>
-            <a:off x="838200" y="1825625"/>
-            <a:ext cx="10515600" cy="4351338"/>
+            <a:off x="685801" y="2142067"/>
+            <a:ext cx="10131425" cy="3649133"/>
           </a:xfrm>
           <a:prstGeom prst="rect">
             <a:avLst/>
           </a:prstGeom>
         </p:spPr>
         <p:txBody>
-          <a:bodyPr vert="horz" lIns="91440" tIns="45720" rIns="91440" bIns="45720" rtlCol="0">
+          <a:bodyPr vert="horz" lIns="91440" tIns="45720" rIns="91440" bIns="45720" rtlCol="0" anchor="ctr">
             <a:normAutofit/>
           </a:bodyPr>
           <a:lstStyle/>
@@ -2877,18 +5292,13 @@
               <a:rPr lang="pt-BR"/>
               <a:t>Quinto nível</a:t>
             </a:r>
-          </a:p>
-        </p:txBody>
-      </p:sp>
-      <p:sp>
-        <p:nvSpPr>
-          <p:cNvPr id="4" name="Espaço Reservado para Data 3">
-            <a:extLst>
-              <a:ext uri="{FF2B5EF4-FFF2-40B4-BE49-F238E27FC236}">
-                <a16:creationId xmlns:a16="http://schemas.microsoft.com/office/drawing/2014/main" id="{B94094F7-807A-420D-9234-BBC4F1F72B7D}"/>
-              </a:ext>
-            </a:extLst>
-          </p:cNvPr>
+            <a:endParaRPr lang="en-US" dirty="0"/>
+          </a:p>
+        </p:txBody>
+      </p:sp>
+      <p:sp>
+        <p:nvSpPr>
+          <p:cNvPr id="4" name="Date Placeholder 3"/>
           <p:cNvSpPr>
             <a:spLocks noGrp="1"/>
           </p:cNvSpPr>
@@ -2898,8 +5308,8 @@
         </p:nvSpPr>
         <p:spPr>
           <a:xfrm>
-            <a:off x="838200" y="6356350"/>
-            <a:ext cx="2743200" cy="365125"/>
+            <a:off x="8589660" y="5870575"/>
+            <a:ext cx="1600200" cy="377825"/>
           </a:xfrm>
           <a:prstGeom prst="rect">
             <a:avLst/>
@@ -2908,20 +5318,20 @@
         <p:txBody>
           <a:bodyPr vert="horz" lIns="91440" tIns="45720" rIns="91440" bIns="45720" rtlCol="0" anchor="ctr"/>
           <a:lstStyle>
-            <a:lvl1pPr algn="l">
-              <a:defRPr sz="1200">
-                <a:solidFill>
-                  <a:schemeClr val="tx1">
-                    <a:tint val="75000"/>
-                  </a:schemeClr>
-                </a:solidFill>
+            <a:lvl1pPr algn="r">
+              <a:defRPr sz="1000" b="0" i="0">
+                <a:solidFill>
+                  <a:schemeClr val="tx1"/>
+                </a:solidFill>
+                <a:effectLst/>
+                <a:latin typeface="+mn-lt"/>
               </a:defRPr>
             </a:lvl1pPr>
           </a:lstStyle>
           <a:p>
             <a:fld id="{73F84220-E5C1-4CCC-8729-E034337E325F}" type="datetimeFigureOut">
               <a:rPr lang="pt-BR" smtClean="0"/>
-              <a:t>07/09/2019</a:t>
+              <a:t>10/09/2019</a:t>
             </a:fld>
             <a:endParaRPr lang="pt-BR"/>
           </a:p>
@@ -2929,13 +5339,7 @@
       </p:sp>
       <p:sp>
         <p:nvSpPr>
-          <p:cNvPr id="5" name="Espaço Reservado para Rodapé 4">
-            <a:extLst>
-              <a:ext uri="{FF2B5EF4-FFF2-40B4-BE49-F238E27FC236}">
-                <a16:creationId xmlns:a16="http://schemas.microsoft.com/office/drawing/2014/main" id="{11A27146-1145-4846-9319-FB395BB1BF8D}"/>
-              </a:ext>
-            </a:extLst>
-          </p:cNvPr>
+          <p:cNvPr id="5" name="Footer Placeholder 4"/>
           <p:cNvSpPr>
             <a:spLocks noGrp="1"/>
           </p:cNvSpPr>
@@ -2945,8 +5349,8 @@
         </p:nvSpPr>
         <p:spPr>
           <a:xfrm>
-            <a:off x="4038600" y="6356350"/>
-            <a:ext cx="4114800" cy="365125"/>
+            <a:off x="685800" y="5870575"/>
+            <a:ext cx="7827659" cy="377825"/>
           </a:xfrm>
           <a:prstGeom prst="rect">
             <a:avLst/>
@@ -2955,13 +5359,13 @@
         <p:txBody>
           <a:bodyPr vert="horz" lIns="91440" tIns="45720" rIns="91440" bIns="45720" rtlCol="0" anchor="ctr"/>
           <a:lstStyle>
-            <a:lvl1pPr algn="ctr">
-              <a:defRPr sz="1200">
-                <a:solidFill>
-                  <a:schemeClr val="tx1">
-                    <a:tint val="75000"/>
-                  </a:schemeClr>
-                </a:solidFill>
+            <a:lvl1pPr algn="l">
+              <a:defRPr sz="1000" b="0" i="0">
+                <a:solidFill>
+                  <a:schemeClr val="tx1"/>
+                </a:solidFill>
+                <a:effectLst/>
+                <a:latin typeface="+mn-lt"/>
               </a:defRPr>
             </a:lvl1pPr>
           </a:lstStyle>
@@ -2972,13 +5376,7 @@
       </p:sp>
       <p:sp>
         <p:nvSpPr>
-          <p:cNvPr id="6" name="Espaço Reservado para Número de Slide 5">
-            <a:extLst>
-              <a:ext uri="{FF2B5EF4-FFF2-40B4-BE49-F238E27FC236}">
-                <a16:creationId xmlns:a16="http://schemas.microsoft.com/office/drawing/2014/main" id="{CA6A7D1E-295E-41BD-B9CE-2A4CE8FE806B}"/>
-              </a:ext>
-            </a:extLst>
-          </p:cNvPr>
+          <p:cNvPr id="6" name="Slide Number Placeholder 5"/>
           <p:cNvSpPr>
             <a:spLocks noGrp="1"/>
           </p:cNvSpPr>
@@ -2988,8 +5386,8 @@
         </p:nvSpPr>
         <p:spPr>
           <a:xfrm>
-            <a:off x="8610600" y="6356350"/>
-            <a:ext cx="2743200" cy="365125"/>
+            <a:off x="10266060" y="5870575"/>
+            <a:ext cx="551167" cy="377825"/>
           </a:xfrm>
           <a:prstGeom prst="rect">
             <a:avLst/>
@@ -2999,12 +5397,12 @@
           <a:bodyPr vert="horz" lIns="91440" tIns="45720" rIns="91440" bIns="45720" rtlCol="0" anchor="ctr"/>
           <a:lstStyle>
             <a:lvl1pPr algn="r">
-              <a:defRPr sz="1200">
-                <a:solidFill>
-                  <a:schemeClr val="tx1">
-                    <a:tint val="75000"/>
-                  </a:schemeClr>
-                </a:solidFill>
+              <a:defRPr sz="1000" b="0" i="0">
+                <a:solidFill>
+                  <a:schemeClr val="tx1"/>
+                </a:solidFill>
+                <a:effectLst/>
+                <a:latin typeface="+mn-lt"/>
               </a:defRPr>
             </a:lvl1pPr>
           </a:lstStyle>
@@ -3020,55 +5418,322 @@
     </p:spTree>
     <p:extLst>
       <p:ext uri="{BB962C8B-B14F-4D97-AF65-F5344CB8AC3E}">
-        <p14:creationId xmlns:p14="http://schemas.microsoft.com/office/powerpoint/2010/main" val="2869450708"/>
+        <p14:creationId xmlns:p14="http://schemas.microsoft.com/office/powerpoint/2010/main" val="4134427748"/>
       </p:ext>
     </p:extLst>
   </p:cSld>
-  <p:clrMap bg1="lt1" tx1="dk1" bg2="lt2" tx2="dk2" accent1="accent1" accent2="accent2" accent3="accent3" accent4="accent4" accent5="accent5" accent6="accent6" hlink="hlink" folHlink="folHlink"/>
+  <p:clrMap bg1="dk1" tx1="lt1" bg2="dk2" tx2="lt2" accent1="accent1" accent2="accent2" accent3="accent3" accent4="accent4" accent5="accent5" accent6="accent6" hlink="hlink" folHlink="folHlink"/>
   <p:sldLayoutIdLst>
-    <p:sldLayoutId id="2147483649" r:id="rId1"/>
-    <p:sldLayoutId id="2147483650" r:id="rId2"/>
-    <p:sldLayoutId id="2147483651" r:id="rId3"/>
-    <p:sldLayoutId id="2147483652" r:id="rId4"/>
-    <p:sldLayoutId id="2147483653" r:id="rId5"/>
-    <p:sldLayoutId id="2147483654" r:id="rId6"/>
-    <p:sldLayoutId id="2147483655" r:id="rId7"/>
-    <p:sldLayoutId id="2147483656" r:id="rId8"/>
-    <p:sldLayoutId id="2147483657" r:id="rId9"/>
-    <p:sldLayoutId id="2147483658" r:id="rId10"/>
-    <p:sldLayoutId id="2147483659" r:id="rId11"/>
+    <p:sldLayoutId id="2147483661" r:id="rId1"/>
+    <p:sldLayoutId id="2147483662" r:id="rId2"/>
+    <p:sldLayoutId id="2147483663" r:id="rId3"/>
+    <p:sldLayoutId id="2147483664" r:id="rId4"/>
+    <p:sldLayoutId id="2147483665" r:id="rId5"/>
+    <p:sldLayoutId id="2147483666" r:id="rId6"/>
+    <p:sldLayoutId id="2147483667" r:id="rId7"/>
+    <p:sldLayoutId id="2147483668" r:id="rId8"/>
+    <p:sldLayoutId id="2147483669" r:id="rId9"/>
+    <p:sldLayoutId id="2147483670" r:id="rId10"/>
+    <p:sldLayoutId id="2147483671" r:id="rId11"/>
+    <p:sldLayoutId id="2147483672" r:id="rId12"/>
+    <p:sldLayoutId id="2147483673" r:id="rId13"/>
+    <p:sldLayoutId id="2147483674" r:id="rId14"/>
+    <p:sldLayoutId id="2147483675" r:id="rId15"/>
+    <p:sldLayoutId id="2147483676" r:id="rId16"/>
+    <p:sldLayoutId id="2147483677" r:id="rId17"/>
   </p:sldLayoutIdLst>
   <p:txStyles>
     <p:titleStyle>
-      <a:lvl1pPr algn="l" defTabSz="914400" rtl="0" eaLnBrk="1" latinLnBrk="0" hangingPunct="1">
-        <a:lnSpc>
-          <a:spcPct val="90000"/>
-        </a:lnSpc>
+      <a:lvl1pPr algn="l" defTabSz="457200" rtl="0" eaLnBrk="1" latinLnBrk="0" hangingPunct="1">
         <a:spcBef>
           <a:spcPct val="0"/>
         </a:spcBef>
         <a:buNone/>
-        <a:defRPr sz="4400" kern="1200">
+        <a:defRPr sz="3600" kern="1200" cap="all">
+          <a:ln w="3175" cmpd="sng">
+            <a:noFill/>
+          </a:ln>
           <a:solidFill>
             <a:schemeClr val="tx1"/>
           </a:solidFill>
+          <a:effectLst/>
           <a:latin typeface="+mj-lt"/>
           <a:ea typeface="+mj-ea"/>
           <a:cs typeface="+mj-cs"/>
         </a:defRPr>
       </a:lvl1pPr>
+      <a:lvl2pPr eaLnBrk="1" hangingPunct="1">
+        <a:defRPr>
+          <a:solidFill>
+            <a:schemeClr val="tx2"/>
+          </a:solidFill>
+        </a:defRPr>
+      </a:lvl2pPr>
+      <a:lvl3pPr eaLnBrk="1" hangingPunct="1">
+        <a:defRPr>
+          <a:solidFill>
+            <a:schemeClr val="tx2"/>
+          </a:solidFill>
+        </a:defRPr>
+      </a:lvl3pPr>
+      <a:lvl4pPr eaLnBrk="1" hangingPunct="1">
+        <a:defRPr>
+          <a:solidFill>
+            <a:schemeClr val="tx2"/>
+          </a:solidFill>
+        </a:defRPr>
+      </a:lvl4pPr>
+      <a:lvl5pPr eaLnBrk="1" hangingPunct="1">
+        <a:defRPr>
+          <a:solidFill>
+            <a:schemeClr val="tx2"/>
+          </a:solidFill>
+        </a:defRPr>
+      </a:lvl5pPr>
+      <a:lvl6pPr eaLnBrk="1" hangingPunct="1">
+        <a:defRPr>
+          <a:solidFill>
+            <a:schemeClr val="tx2"/>
+          </a:solidFill>
+        </a:defRPr>
+      </a:lvl6pPr>
+      <a:lvl7pPr eaLnBrk="1" hangingPunct="1">
+        <a:defRPr>
+          <a:solidFill>
+            <a:schemeClr val="tx2"/>
+          </a:solidFill>
+        </a:defRPr>
+      </a:lvl7pPr>
+      <a:lvl8pPr eaLnBrk="1" hangingPunct="1">
+        <a:defRPr>
+          <a:solidFill>
+            <a:schemeClr val="tx2"/>
+          </a:solidFill>
+        </a:defRPr>
+      </a:lvl8pPr>
+      <a:lvl9pPr eaLnBrk="1" hangingPunct="1">
+        <a:defRPr>
+          <a:solidFill>
+            <a:schemeClr val="tx2"/>
+          </a:solidFill>
+        </a:defRPr>
+      </a:lvl9pPr>
     </p:titleStyle>
     <p:bodyStyle>
-      <a:lvl1pPr marL="228600" indent="-228600" algn="l" defTabSz="914400" rtl="0" eaLnBrk="1" latinLnBrk="0" hangingPunct="1">
-        <a:lnSpc>
-          <a:spcPct val="90000"/>
-        </a:lnSpc>
+      <a:lvl1pPr marL="285750" indent="-285750" algn="l" defTabSz="457200" rtl="0" eaLnBrk="1" latinLnBrk="0" hangingPunct="1">
         <a:spcBef>
+          <a:spcPts val="0"/>
+        </a:spcBef>
+        <a:spcAft>
           <a:spcPts val="1000"/>
+        </a:spcAft>
+        <a:buClr>
+          <a:schemeClr val="tx1"/>
+        </a:buClr>
+        <a:buSzPct val="100000"/>
+        <a:buFont typeface="Arial"/>
+        <a:buChar char="•"/>
+        <a:defRPr sz="1800" kern="1200" cap="none">
+          <a:solidFill>
+            <a:schemeClr val="tx1"/>
+          </a:solidFill>
+          <a:effectLst/>
+          <a:latin typeface="+mn-lt"/>
+          <a:ea typeface="+mn-ea"/>
+          <a:cs typeface="+mn-cs"/>
+        </a:defRPr>
+      </a:lvl1pPr>
+      <a:lvl2pPr marL="742950" indent="-285750" algn="l" defTabSz="457200" rtl="0" eaLnBrk="1" latinLnBrk="0" hangingPunct="1">
+        <a:spcBef>
+          <a:spcPts val="0"/>
         </a:spcBef>
-        <a:buFont typeface="Arial" panose="020B0604020202020204" pitchFamily="34" charset="0"/>
+        <a:spcAft>
+          <a:spcPts val="1000"/>
+        </a:spcAft>
+        <a:buClr>
+          <a:schemeClr val="tx1"/>
+        </a:buClr>
+        <a:buSzPct val="100000"/>
+        <a:buFont typeface="Arial"/>
         <a:buChar char="•"/>
-        <a:defRPr sz="2800" kern="1200">
+        <a:defRPr sz="1600" kern="1200" cap="none">
+          <a:solidFill>
+            <a:schemeClr val="tx1"/>
+          </a:solidFill>
+          <a:effectLst/>
+          <a:latin typeface="+mn-lt"/>
+          <a:ea typeface="+mn-ea"/>
+          <a:cs typeface="+mn-cs"/>
+        </a:defRPr>
+      </a:lvl2pPr>
+      <a:lvl3pPr marL="1200150" indent="-285750" algn="l" defTabSz="457200" rtl="0" eaLnBrk="1" latinLnBrk="0" hangingPunct="1">
+        <a:spcBef>
+          <a:spcPts val="0"/>
+        </a:spcBef>
+        <a:spcAft>
+          <a:spcPts val="1000"/>
+        </a:spcAft>
+        <a:buClr>
+          <a:schemeClr val="tx1"/>
+        </a:buClr>
+        <a:buSzPct val="100000"/>
+        <a:buFont typeface="Arial"/>
+        <a:buChar char="•"/>
+        <a:defRPr sz="1400" kern="1200" cap="none">
+          <a:solidFill>
+            <a:schemeClr val="tx1"/>
+          </a:solidFill>
+          <a:effectLst/>
+          <a:latin typeface="+mn-lt"/>
+          <a:ea typeface="+mn-ea"/>
+          <a:cs typeface="+mn-cs"/>
+        </a:defRPr>
+      </a:lvl3pPr>
+      <a:lvl4pPr marL="1543050" indent="-171450" algn="l" defTabSz="457200" rtl="0" eaLnBrk="1" latinLnBrk="0" hangingPunct="1">
+        <a:spcBef>
+          <a:spcPts val="0"/>
+        </a:spcBef>
+        <a:spcAft>
+          <a:spcPts val="1000"/>
+        </a:spcAft>
+        <a:buClr>
+          <a:schemeClr val="tx1"/>
+        </a:buClr>
+        <a:buSzPct val="100000"/>
+        <a:buFont typeface="Arial"/>
+        <a:buChar char="•"/>
+        <a:defRPr sz="1200" kern="1200" cap="none">
+          <a:solidFill>
+            <a:schemeClr val="tx1"/>
+          </a:solidFill>
+          <a:effectLst/>
+          <a:latin typeface="+mn-lt"/>
+          <a:ea typeface="+mn-ea"/>
+          <a:cs typeface="+mn-cs"/>
+        </a:defRPr>
+      </a:lvl4pPr>
+      <a:lvl5pPr marL="2000250" indent="-171450" algn="l" defTabSz="457200" rtl="0" eaLnBrk="1" latinLnBrk="0" hangingPunct="1">
+        <a:spcBef>
+          <a:spcPts val="0"/>
+        </a:spcBef>
+        <a:spcAft>
+          <a:spcPts val="1000"/>
+        </a:spcAft>
+        <a:buClr>
+          <a:schemeClr val="tx1"/>
+        </a:buClr>
+        <a:buSzPct val="100000"/>
+        <a:buFont typeface="Arial"/>
+        <a:buChar char="•"/>
+        <a:defRPr sz="1200" kern="1200" cap="none">
+          <a:solidFill>
+            <a:schemeClr val="tx1"/>
+          </a:solidFill>
+          <a:effectLst/>
+          <a:latin typeface="+mn-lt"/>
+          <a:ea typeface="+mn-ea"/>
+          <a:cs typeface="+mn-cs"/>
+        </a:defRPr>
+      </a:lvl5pPr>
+      <a:lvl6pPr marL="2514600" indent="-228600" algn="l" defTabSz="457200" rtl="0" eaLnBrk="1" latinLnBrk="0" hangingPunct="1">
+        <a:spcBef>
+          <a:spcPts val="0"/>
+        </a:spcBef>
+        <a:spcAft>
+          <a:spcPts val="1000"/>
+        </a:spcAft>
+        <a:buClr>
+          <a:schemeClr val="tx1"/>
+        </a:buClr>
+        <a:buSzPct val="100000"/>
+        <a:buFont typeface="Arial"/>
+        <a:buChar char="•"/>
+        <a:defRPr sz="1200" kern="1200" cap="none">
+          <a:solidFill>
+            <a:schemeClr val="tx1"/>
+          </a:solidFill>
+          <a:effectLst/>
+          <a:latin typeface="+mn-lt"/>
+          <a:ea typeface="+mn-ea"/>
+          <a:cs typeface="+mn-cs"/>
+        </a:defRPr>
+      </a:lvl6pPr>
+      <a:lvl7pPr marL="2971800" indent="-228600" algn="l" defTabSz="457200" rtl="0" eaLnBrk="1" latinLnBrk="0" hangingPunct="1">
+        <a:spcBef>
+          <a:spcPts val="0"/>
+        </a:spcBef>
+        <a:spcAft>
+          <a:spcPts val="1000"/>
+        </a:spcAft>
+        <a:buClr>
+          <a:schemeClr val="tx1"/>
+        </a:buClr>
+        <a:buSzPct val="100000"/>
+        <a:buFont typeface="Arial"/>
+        <a:buChar char="•"/>
+        <a:defRPr sz="1200" kern="1200" cap="none">
+          <a:solidFill>
+            <a:schemeClr val="tx1"/>
+          </a:solidFill>
+          <a:effectLst/>
+          <a:latin typeface="+mn-lt"/>
+          <a:ea typeface="+mn-ea"/>
+          <a:cs typeface="+mn-cs"/>
+        </a:defRPr>
+      </a:lvl7pPr>
+      <a:lvl8pPr marL="3429000" indent="-228600" algn="l" defTabSz="457200" rtl="0" eaLnBrk="1" latinLnBrk="0" hangingPunct="1">
+        <a:spcBef>
+          <a:spcPts val="0"/>
+        </a:spcBef>
+        <a:spcAft>
+          <a:spcPts val="1000"/>
+        </a:spcAft>
+        <a:buClr>
+          <a:schemeClr val="tx1"/>
+        </a:buClr>
+        <a:buSzPct val="100000"/>
+        <a:buFont typeface="Arial"/>
+        <a:buChar char="•"/>
+        <a:defRPr sz="1200" kern="1200" cap="none">
+          <a:solidFill>
+            <a:schemeClr val="tx1"/>
+          </a:solidFill>
+          <a:effectLst/>
+          <a:latin typeface="+mn-lt"/>
+          <a:ea typeface="+mn-ea"/>
+          <a:cs typeface="+mn-cs"/>
+        </a:defRPr>
+      </a:lvl8pPr>
+      <a:lvl9pPr marL="3886200" indent="-228600" algn="l" defTabSz="457200" rtl="0" eaLnBrk="1" latinLnBrk="0" hangingPunct="1">
+        <a:spcBef>
+          <a:spcPts val="0"/>
+        </a:spcBef>
+        <a:spcAft>
+          <a:spcPts val="1000"/>
+        </a:spcAft>
+        <a:buClr>
+          <a:schemeClr val="tx1"/>
+        </a:buClr>
+        <a:buSzPct val="100000"/>
+        <a:buFont typeface="Arial"/>
+        <a:buChar char="•"/>
+        <a:defRPr sz="1200" kern="1200" cap="none">
+          <a:solidFill>
+            <a:schemeClr val="tx1"/>
+          </a:solidFill>
+          <a:effectLst/>
+          <a:latin typeface="+mn-lt"/>
+          <a:ea typeface="+mn-ea"/>
+          <a:cs typeface="+mn-cs"/>
+        </a:defRPr>
+      </a:lvl9pPr>
+    </p:bodyStyle>
+    <p:otherStyle>
+      <a:defPPr>
+        <a:defRPr lang="en-US"/>
+      </a:defPPr>
+      <a:lvl1pPr marL="0" algn="l" defTabSz="457200" rtl="0" eaLnBrk="1" latinLnBrk="0" hangingPunct="1">
+        <a:defRPr sz="1800" kern="1200">
           <a:solidFill>
             <a:schemeClr val="tx1"/>
           </a:solidFill>
@@ -3077,16 +5742,8 @@
           <a:cs typeface="+mn-cs"/>
         </a:defRPr>
       </a:lvl1pPr>
-      <a:lvl2pPr marL="685800" indent="-228600" algn="l" defTabSz="914400" rtl="0" eaLnBrk="1" latinLnBrk="0" hangingPunct="1">
-        <a:lnSpc>
-          <a:spcPct val="90000"/>
-        </a:lnSpc>
-        <a:spcBef>
-          <a:spcPts val="500"/>
-        </a:spcBef>
-        <a:buFont typeface="Arial" panose="020B0604020202020204" pitchFamily="34" charset="0"/>
-        <a:buChar char="•"/>
-        <a:defRPr sz="2400" kern="1200">
+      <a:lvl2pPr marL="457200" algn="l" defTabSz="457200" rtl="0" eaLnBrk="1" latinLnBrk="0" hangingPunct="1">
+        <a:defRPr sz="1800" kern="1200">
           <a:solidFill>
             <a:schemeClr val="tx1"/>
           </a:solidFill>
@@ -3095,16 +5752,8 @@
           <a:cs typeface="+mn-cs"/>
         </a:defRPr>
       </a:lvl2pPr>
-      <a:lvl3pPr marL="1143000" indent="-228600" algn="l" defTabSz="914400" rtl="0" eaLnBrk="1" latinLnBrk="0" hangingPunct="1">
-        <a:lnSpc>
-          <a:spcPct val="90000"/>
-        </a:lnSpc>
-        <a:spcBef>
-          <a:spcPts val="500"/>
-        </a:spcBef>
-        <a:buFont typeface="Arial" panose="020B0604020202020204" pitchFamily="34" charset="0"/>
-        <a:buChar char="•"/>
-        <a:defRPr sz="2000" kern="1200">
+      <a:lvl3pPr marL="914400" algn="l" defTabSz="457200" rtl="0" eaLnBrk="1" latinLnBrk="0" hangingPunct="1">
+        <a:defRPr sz="1800" kern="1200">
           <a:solidFill>
             <a:schemeClr val="tx1"/>
           </a:solidFill>
@@ -3113,15 +5762,7 @@
           <a:cs typeface="+mn-cs"/>
         </a:defRPr>
       </a:lvl3pPr>
-      <a:lvl4pPr marL="1600200" indent="-228600" algn="l" defTabSz="914400" rtl="0" eaLnBrk="1" latinLnBrk="0" hangingPunct="1">
-        <a:lnSpc>
-          <a:spcPct val="90000"/>
-        </a:lnSpc>
-        <a:spcBef>
-          <a:spcPts val="500"/>
-        </a:spcBef>
-        <a:buFont typeface="Arial" panose="020B0604020202020204" pitchFamily="34" charset="0"/>
-        <a:buChar char="•"/>
+      <a:lvl4pPr marL="1371600" algn="l" defTabSz="457200" rtl="0" eaLnBrk="1" latinLnBrk="0" hangingPunct="1">
         <a:defRPr sz="1800" kern="1200">
           <a:solidFill>
             <a:schemeClr val="tx1"/>
@@ -3131,15 +5772,7 @@
           <a:cs typeface="+mn-cs"/>
         </a:defRPr>
       </a:lvl4pPr>
-      <a:lvl5pPr marL="2057400" indent="-228600" algn="l" defTabSz="914400" rtl="0" eaLnBrk="1" latinLnBrk="0" hangingPunct="1">
-        <a:lnSpc>
-          <a:spcPct val="90000"/>
-        </a:lnSpc>
-        <a:spcBef>
-          <a:spcPts val="500"/>
-        </a:spcBef>
-        <a:buFont typeface="Arial" panose="020B0604020202020204" pitchFamily="34" charset="0"/>
-        <a:buChar char="•"/>
+      <a:lvl5pPr marL="1828800" algn="l" defTabSz="457200" rtl="0" eaLnBrk="1" latinLnBrk="0" hangingPunct="1">
         <a:defRPr sz="1800" kern="1200">
           <a:solidFill>
             <a:schemeClr val="tx1"/>
@@ -3149,15 +5782,7 @@
           <a:cs typeface="+mn-cs"/>
         </a:defRPr>
       </a:lvl5pPr>
-      <a:lvl6pPr marL="2514600" indent="-228600" algn="l" defTabSz="914400" rtl="0" eaLnBrk="1" latinLnBrk="0" hangingPunct="1">
-        <a:lnSpc>
-          <a:spcPct val="90000"/>
-        </a:lnSpc>
-        <a:spcBef>
-          <a:spcPts val="500"/>
-        </a:spcBef>
-        <a:buFont typeface="Arial" panose="020B0604020202020204" pitchFamily="34" charset="0"/>
-        <a:buChar char="•"/>
+      <a:lvl6pPr marL="2286000" algn="l" defTabSz="457200" rtl="0" eaLnBrk="1" latinLnBrk="0" hangingPunct="1">
         <a:defRPr sz="1800" kern="1200">
           <a:solidFill>
             <a:schemeClr val="tx1"/>
@@ -3167,15 +5792,7 @@
           <a:cs typeface="+mn-cs"/>
         </a:defRPr>
       </a:lvl6pPr>
-      <a:lvl7pPr marL="2971800" indent="-228600" algn="l" defTabSz="914400" rtl="0" eaLnBrk="1" latinLnBrk="0" hangingPunct="1">
-        <a:lnSpc>
-          <a:spcPct val="90000"/>
-        </a:lnSpc>
-        <a:spcBef>
-          <a:spcPts val="500"/>
-        </a:spcBef>
-        <a:buFont typeface="Arial" panose="020B0604020202020204" pitchFamily="34" charset="0"/>
-        <a:buChar char="•"/>
+      <a:lvl7pPr marL="2743200" algn="l" defTabSz="457200" rtl="0" eaLnBrk="1" latinLnBrk="0" hangingPunct="1">
         <a:defRPr sz="1800" kern="1200">
           <a:solidFill>
             <a:schemeClr val="tx1"/>
@@ -3185,15 +5802,7 @@
           <a:cs typeface="+mn-cs"/>
         </a:defRPr>
       </a:lvl7pPr>
-      <a:lvl8pPr marL="3429000" indent="-228600" algn="l" defTabSz="914400" rtl="0" eaLnBrk="1" latinLnBrk="0" hangingPunct="1">
-        <a:lnSpc>
-          <a:spcPct val="90000"/>
-        </a:lnSpc>
-        <a:spcBef>
-          <a:spcPts val="500"/>
-        </a:spcBef>
-        <a:buFont typeface="Arial" panose="020B0604020202020204" pitchFamily="34" charset="0"/>
-        <a:buChar char="•"/>
+      <a:lvl8pPr marL="3200400" algn="l" defTabSz="457200" rtl="0" eaLnBrk="1" latinLnBrk="0" hangingPunct="1">
         <a:defRPr sz="1800" kern="1200">
           <a:solidFill>
             <a:schemeClr val="tx1"/>
@@ -3203,110 +5812,7 @@
           <a:cs typeface="+mn-cs"/>
         </a:defRPr>
       </a:lvl8pPr>
-      <a:lvl9pPr marL="3886200" indent="-228600" algn="l" defTabSz="914400" rtl="0" eaLnBrk="1" latinLnBrk="0" hangingPunct="1">
-        <a:lnSpc>
-          <a:spcPct val="90000"/>
-        </a:lnSpc>
-        <a:spcBef>
-          <a:spcPts val="500"/>
-        </a:spcBef>
-        <a:buFont typeface="Arial" panose="020B0604020202020204" pitchFamily="34" charset="0"/>
-        <a:buChar char="•"/>
-        <a:defRPr sz="1800" kern="1200">
-          <a:solidFill>
-            <a:schemeClr val="tx1"/>
-          </a:solidFill>
-          <a:latin typeface="+mn-lt"/>
-          <a:ea typeface="+mn-ea"/>
-          <a:cs typeface="+mn-cs"/>
-        </a:defRPr>
-      </a:lvl9pPr>
-    </p:bodyStyle>
-    <p:otherStyle>
-      <a:defPPr>
-        <a:defRPr lang="pt-BR"/>
-      </a:defPPr>
-      <a:lvl1pPr marL="0" algn="l" defTabSz="914400" rtl="0" eaLnBrk="1" latinLnBrk="0" hangingPunct="1">
-        <a:defRPr sz="1800" kern="1200">
-          <a:solidFill>
-            <a:schemeClr val="tx1"/>
-          </a:solidFill>
-          <a:latin typeface="+mn-lt"/>
-          <a:ea typeface="+mn-ea"/>
-          <a:cs typeface="+mn-cs"/>
-        </a:defRPr>
-      </a:lvl1pPr>
-      <a:lvl2pPr marL="457200" algn="l" defTabSz="914400" rtl="0" eaLnBrk="1" latinLnBrk="0" hangingPunct="1">
-        <a:defRPr sz="1800" kern="1200">
-          <a:solidFill>
-            <a:schemeClr val="tx1"/>
-          </a:solidFill>
-          <a:latin typeface="+mn-lt"/>
-          <a:ea typeface="+mn-ea"/>
-          <a:cs typeface="+mn-cs"/>
-        </a:defRPr>
-      </a:lvl2pPr>
-      <a:lvl3pPr marL="914400" algn="l" defTabSz="914400" rtl="0" eaLnBrk="1" latinLnBrk="0" hangingPunct="1">
-        <a:defRPr sz="1800" kern="1200">
-          <a:solidFill>
-            <a:schemeClr val="tx1"/>
-          </a:solidFill>
-          <a:latin typeface="+mn-lt"/>
-          <a:ea typeface="+mn-ea"/>
-          <a:cs typeface="+mn-cs"/>
-        </a:defRPr>
-      </a:lvl3pPr>
-      <a:lvl4pPr marL="1371600" algn="l" defTabSz="914400" rtl="0" eaLnBrk="1" latinLnBrk="0" hangingPunct="1">
-        <a:defRPr sz="1800" kern="1200">
-          <a:solidFill>
-            <a:schemeClr val="tx1"/>
-          </a:solidFill>
-          <a:latin typeface="+mn-lt"/>
-          <a:ea typeface="+mn-ea"/>
-          <a:cs typeface="+mn-cs"/>
-        </a:defRPr>
-      </a:lvl4pPr>
-      <a:lvl5pPr marL="1828800" algn="l" defTabSz="914400" rtl="0" eaLnBrk="1" latinLnBrk="0" hangingPunct="1">
-        <a:defRPr sz="1800" kern="1200">
-          <a:solidFill>
-            <a:schemeClr val="tx1"/>
-          </a:solidFill>
-          <a:latin typeface="+mn-lt"/>
-          <a:ea typeface="+mn-ea"/>
-          <a:cs typeface="+mn-cs"/>
-        </a:defRPr>
-      </a:lvl5pPr>
-      <a:lvl6pPr marL="2286000" algn="l" defTabSz="914400" rtl="0" eaLnBrk="1" latinLnBrk="0" hangingPunct="1">
-        <a:defRPr sz="1800" kern="1200">
-          <a:solidFill>
-            <a:schemeClr val="tx1"/>
-          </a:solidFill>
-          <a:latin typeface="+mn-lt"/>
-          <a:ea typeface="+mn-ea"/>
-          <a:cs typeface="+mn-cs"/>
-        </a:defRPr>
-      </a:lvl6pPr>
-      <a:lvl7pPr marL="2743200" algn="l" defTabSz="914400" rtl="0" eaLnBrk="1" latinLnBrk="0" hangingPunct="1">
-        <a:defRPr sz="1800" kern="1200">
-          <a:solidFill>
-            <a:schemeClr val="tx1"/>
-          </a:solidFill>
-          <a:latin typeface="+mn-lt"/>
-          <a:ea typeface="+mn-ea"/>
-          <a:cs typeface="+mn-cs"/>
-        </a:defRPr>
-      </a:lvl7pPr>
-      <a:lvl8pPr marL="3200400" algn="l" defTabSz="914400" rtl="0" eaLnBrk="1" latinLnBrk="0" hangingPunct="1">
-        <a:defRPr sz="1800" kern="1200">
-          <a:solidFill>
-            <a:schemeClr val="tx1"/>
-          </a:solidFill>
-          <a:latin typeface="+mn-lt"/>
-          <a:ea typeface="+mn-ea"/>
-          <a:cs typeface="+mn-cs"/>
-        </a:defRPr>
-      </a:lvl8pPr>
-      <a:lvl9pPr marL="3657600" algn="l" defTabSz="914400" rtl="0" eaLnBrk="1" latinLnBrk="0" hangingPunct="1">
+      <a:lvl9pPr marL="3657600" algn="l" defTabSz="457200" rtl="0" eaLnBrk="1" latinLnBrk="0" hangingPunct="1">
         <a:defRPr sz="1800" kern="1200">
           <a:solidFill>
             <a:schemeClr val="tx1"/>
@@ -3356,8 +5862,8 @@
         </p:nvSpPr>
         <p:spPr>
           <a:xfrm>
-            <a:off x="1524000" y="331303"/>
-            <a:ext cx="9144000" cy="2345635"/>
+            <a:off x="0" y="0"/>
+            <a:ext cx="12192000" cy="1722783"/>
           </a:xfrm>
         </p:spPr>
         <p:txBody>
@@ -3366,14 +5872,284 @@
           </a:bodyPr>
           <a:lstStyle/>
           <a:p>
+            <a:pPr algn="ctr"/>
+            <a:r>
+              <a:rPr lang="pt-BR" sz="6000" dirty="0" err="1">
+                <a:latin typeface="Microsoft Sans Serif" panose="020B0604020202020204" pitchFamily="34" charset="0"/>
+                <a:ea typeface="Microsoft Sans Serif" panose="020B0604020202020204" pitchFamily="34" charset="0"/>
+                <a:cs typeface="Microsoft Sans Serif" panose="020B0604020202020204" pitchFamily="34" charset="0"/>
+              </a:rPr>
+              <a:t>Hawk</a:t>
+            </a:r>
+            <a:r>
+              <a:rPr lang="pt-BR" sz="6000" dirty="0">
+                <a:latin typeface="Microsoft Sans Serif" panose="020B0604020202020204" pitchFamily="34" charset="0"/>
+                <a:ea typeface="Microsoft Sans Serif" panose="020B0604020202020204" pitchFamily="34" charset="0"/>
+                <a:cs typeface="Microsoft Sans Serif" panose="020B0604020202020204" pitchFamily="34" charset="0"/>
+              </a:rPr>
+              <a:t> </a:t>
+            </a:r>
+            <a:r>
+              <a:rPr lang="pt-BR" sz="6000" dirty="0" err="1">
+                <a:latin typeface="Microsoft Sans Serif" panose="020B0604020202020204" pitchFamily="34" charset="0"/>
+                <a:ea typeface="Microsoft Sans Serif" panose="020B0604020202020204" pitchFamily="34" charset="0"/>
+                <a:cs typeface="Microsoft Sans Serif" panose="020B0604020202020204" pitchFamily="34" charset="0"/>
+              </a:rPr>
+              <a:t>Eye</a:t>
+            </a:r>
+            <a:r>
+              <a:rPr lang="pt-BR" sz="6000" dirty="0">
+                <a:latin typeface="Microsoft Sans Serif" panose="020B0604020202020204" pitchFamily="34" charset="0"/>
+                <a:ea typeface="Microsoft Sans Serif" panose="020B0604020202020204" pitchFamily="34" charset="0"/>
+                <a:cs typeface="Microsoft Sans Serif" panose="020B0604020202020204" pitchFamily="34" charset="0"/>
+              </a:rPr>
+              <a:t> Tech</a:t>
+            </a:r>
+            <a:br>
+              <a:rPr lang="pt-BR" sz="6000" dirty="0">
+                <a:latin typeface="Microsoft Sans Serif" panose="020B0604020202020204" pitchFamily="34" charset="0"/>
+                <a:ea typeface="Microsoft Sans Serif" panose="020B0604020202020204" pitchFamily="34" charset="0"/>
+                <a:cs typeface="Microsoft Sans Serif" panose="020B0604020202020204" pitchFamily="34" charset="0"/>
+              </a:rPr>
+            </a:br>
             <a:r>
               <a:rPr lang="pt-BR" dirty="0">
                 <a:latin typeface="Microsoft Sans Serif" panose="020B0604020202020204" pitchFamily="34" charset="0"/>
                 <a:ea typeface="Microsoft Sans Serif" panose="020B0604020202020204" pitchFamily="34" charset="0"/>
                 <a:cs typeface="Microsoft Sans Serif" panose="020B0604020202020204" pitchFamily="34" charset="0"/>
               </a:rPr>
-              <a:t>Projeto NOC / Monitoramento de sistemas de RH</a:t>
-            </a:r>
+              <a:t> Monitoramento de sistemas de RH</a:t>
+            </a:r>
+          </a:p>
+        </p:txBody>
+      </p:sp>
+      <p:sp>
+        <p:nvSpPr>
+          <p:cNvPr id="4" name="CaixaDeTexto 3">
+            <a:extLst>
+              <a:ext uri="{FF2B5EF4-FFF2-40B4-BE49-F238E27FC236}">
+                <a16:creationId xmlns:a16="http://schemas.microsoft.com/office/drawing/2014/main" id="{A7C3A4E0-7D47-4491-B3FD-414EBC61D39D}"/>
+              </a:ext>
+            </a:extLst>
+          </p:cNvPr>
+          <p:cNvSpPr txBox="1"/>
+          <p:nvPr/>
+        </p:nvSpPr>
+        <p:spPr>
+          <a:xfrm>
+            <a:off x="0" y="1978610"/>
+            <a:ext cx="12192000" cy="1569660"/>
+          </a:xfrm>
+          <a:prstGeom prst="rect">
+            <a:avLst/>
+          </a:prstGeom>
+          <a:noFill/>
+        </p:spPr>
+        <p:txBody>
+          <a:bodyPr wrap="square" rtlCol="0">
+            <a:spAutoFit/>
+          </a:bodyPr>
+          <a:lstStyle/>
+          <a:p>
+            <a:pPr algn="ctr"/>
+            <a:r>
+              <a:rPr lang="pt-BR" sz="4800" dirty="0">
+                <a:latin typeface="Arial" panose="020B0604020202020204" pitchFamily="34" charset="0"/>
+                <a:cs typeface="Arial" panose="020B0604020202020204" pitchFamily="34" charset="0"/>
+              </a:rPr>
+              <a:t>FULL SIGHT</a:t>
+            </a:r>
+          </a:p>
+          <a:p>
+            <a:endParaRPr lang="pt-BR" sz="4800" dirty="0">
+              <a:latin typeface="Arial" panose="020B0604020202020204" pitchFamily="34" charset="0"/>
+              <a:cs typeface="Arial" panose="020B0604020202020204" pitchFamily="34" charset="0"/>
+            </a:endParaRPr>
+          </a:p>
+        </p:txBody>
+      </p:sp>
+      <p:sp>
+        <p:nvSpPr>
+          <p:cNvPr id="5" name="Título 3">
+            <a:extLst>
+              <a:ext uri="{FF2B5EF4-FFF2-40B4-BE49-F238E27FC236}">
+                <a16:creationId xmlns:a16="http://schemas.microsoft.com/office/drawing/2014/main" id="{3D3EBF35-3669-41D2-9979-D34C1F169D6A}"/>
+              </a:ext>
+            </a:extLst>
+          </p:cNvPr>
+          <p:cNvSpPr txBox="1">
+            <a:spLocks/>
+          </p:cNvSpPr>
+          <p:nvPr/>
+        </p:nvSpPr>
+        <p:spPr>
+          <a:xfrm>
+            <a:off x="119268" y="3429000"/>
+            <a:ext cx="9488557" cy="3416320"/>
+          </a:xfrm>
+          <a:prstGeom prst="rect">
+            <a:avLst/>
+          </a:prstGeom>
+          <a:noFill/>
+          <a:effectLst/>
+        </p:spPr>
+        <p:txBody>
+          <a:bodyPr vert="horz" wrap="square" lIns="91440" tIns="45720" rIns="91440" bIns="45720" rtlCol="0" anchor="b">
+            <a:spAutoFit/>
+          </a:bodyPr>
+          <a:lstStyle>
+            <a:lvl1pPr algn="r" defTabSz="457200" rtl="0" eaLnBrk="1" latinLnBrk="0" hangingPunct="1">
+              <a:spcBef>
+                <a:spcPct val="0"/>
+              </a:spcBef>
+              <a:buNone/>
+              <a:defRPr sz="4800" kern="1200" cap="all">
+                <a:ln w="3175" cmpd="sng">
+                  <a:noFill/>
+                </a:ln>
+                <a:solidFill>
+                  <a:schemeClr val="tx1"/>
+                </a:solidFill>
+                <a:effectLst/>
+                <a:latin typeface="+mj-lt"/>
+                <a:ea typeface="+mj-ea"/>
+                <a:cs typeface="+mj-cs"/>
+              </a:defRPr>
+            </a:lvl1pPr>
+            <a:lvl2pPr eaLnBrk="1" hangingPunct="1">
+              <a:defRPr>
+                <a:solidFill>
+                  <a:schemeClr val="tx2"/>
+                </a:solidFill>
+              </a:defRPr>
+            </a:lvl2pPr>
+            <a:lvl3pPr eaLnBrk="1" hangingPunct="1">
+              <a:defRPr>
+                <a:solidFill>
+                  <a:schemeClr val="tx2"/>
+                </a:solidFill>
+              </a:defRPr>
+            </a:lvl3pPr>
+            <a:lvl4pPr eaLnBrk="1" hangingPunct="1">
+              <a:defRPr>
+                <a:solidFill>
+                  <a:schemeClr val="tx2"/>
+                </a:solidFill>
+              </a:defRPr>
+            </a:lvl4pPr>
+            <a:lvl5pPr eaLnBrk="1" hangingPunct="1">
+              <a:defRPr>
+                <a:solidFill>
+                  <a:schemeClr val="tx2"/>
+                </a:solidFill>
+              </a:defRPr>
+            </a:lvl5pPr>
+            <a:lvl6pPr eaLnBrk="1" hangingPunct="1">
+              <a:defRPr>
+                <a:solidFill>
+                  <a:schemeClr val="tx2"/>
+                </a:solidFill>
+              </a:defRPr>
+            </a:lvl6pPr>
+            <a:lvl7pPr eaLnBrk="1" hangingPunct="1">
+              <a:defRPr>
+                <a:solidFill>
+                  <a:schemeClr val="tx2"/>
+                </a:solidFill>
+              </a:defRPr>
+            </a:lvl7pPr>
+            <a:lvl8pPr eaLnBrk="1" hangingPunct="1">
+              <a:defRPr>
+                <a:solidFill>
+                  <a:schemeClr val="tx2"/>
+                </a:solidFill>
+              </a:defRPr>
+            </a:lvl8pPr>
+            <a:lvl9pPr eaLnBrk="1" hangingPunct="1">
+              <a:defRPr>
+                <a:solidFill>
+                  <a:schemeClr val="tx2"/>
+                </a:solidFill>
+              </a:defRPr>
+            </a:lvl9pPr>
+          </a:lstStyle>
+          <a:p>
+            <a:pPr algn="l"/>
+            <a:r>
+              <a:rPr lang="pt-BR" sz="3600" dirty="0">
+                <a:latin typeface="Arial" panose="020B0604020202020204" pitchFamily="34" charset="0"/>
+                <a:cs typeface="Arial" panose="020B0604020202020204" pitchFamily="34" charset="0"/>
+              </a:rPr>
+              <a:t>Guilherme Mendes Lima;</a:t>
+            </a:r>
+          </a:p>
+          <a:p>
+            <a:pPr algn="l"/>
+            <a:r>
+              <a:rPr lang="pt-BR" sz="3600" dirty="0">
+                <a:latin typeface="Arial" panose="020B0604020202020204" pitchFamily="34" charset="0"/>
+                <a:cs typeface="Arial" panose="020B0604020202020204" pitchFamily="34" charset="0"/>
+              </a:rPr>
+              <a:t>Guilherme Gonçalves </a:t>
+            </a:r>
+            <a:r>
+              <a:rPr lang="pt-BR" sz="3600" dirty="0" err="1">
+                <a:latin typeface="Arial" panose="020B0604020202020204" pitchFamily="34" charset="0"/>
+                <a:cs typeface="Arial" panose="020B0604020202020204" pitchFamily="34" charset="0"/>
+              </a:rPr>
+              <a:t>Doelitzschi</a:t>
+            </a:r>
+            <a:r>
+              <a:rPr lang="pt-BR" sz="3600" dirty="0">
+                <a:latin typeface="Arial" panose="020B0604020202020204" pitchFamily="34" charset="0"/>
+                <a:cs typeface="Arial" panose="020B0604020202020204" pitchFamily="34" charset="0"/>
+              </a:rPr>
+              <a:t>;</a:t>
+            </a:r>
+          </a:p>
+          <a:p>
+            <a:pPr algn="l"/>
+            <a:r>
+              <a:rPr lang="pt-BR" sz="3600" dirty="0">
+                <a:latin typeface="Arial" panose="020B0604020202020204" pitchFamily="34" charset="0"/>
+                <a:cs typeface="Arial" panose="020B0604020202020204" pitchFamily="34" charset="0"/>
+              </a:rPr>
+              <a:t>Isabela Carolina da Silva;</a:t>
+            </a:r>
+          </a:p>
+          <a:p>
+            <a:pPr algn="l"/>
+            <a:r>
+              <a:rPr lang="pt-BR" sz="3600" dirty="0">
+                <a:latin typeface="Arial" panose="020B0604020202020204" pitchFamily="34" charset="0"/>
+                <a:cs typeface="Arial" panose="020B0604020202020204" pitchFamily="34" charset="0"/>
+              </a:rPr>
+              <a:t>Lucas Braga de Aguiar;</a:t>
+            </a:r>
+          </a:p>
+          <a:p>
+            <a:pPr algn="l"/>
+            <a:r>
+              <a:rPr lang="pt-BR" sz="3600" dirty="0">
+                <a:latin typeface="Arial" panose="020B0604020202020204" pitchFamily="34" charset="0"/>
+                <a:cs typeface="Arial" panose="020B0604020202020204" pitchFamily="34" charset="0"/>
+              </a:rPr>
+              <a:t>Lucas da silva Santos;</a:t>
+            </a:r>
+          </a:p>
+          <a:p>
+            <a:pPr algn="l"/>
+            <a:r>
+              <a:rPr lang="pt-BR" sz="3600" dirty="0">
+                <a:latin typeface="Arial" panose="020B0604020202020204" pitchFamily="34" charset="0"/>
+                <a:cs typeface="Arial" panose="020B0604020202020204" pitchFamily="34" charset="0"/>
+              </a:rPr>
+              <a:t>Victor Gabriel dos santos;</a:t>
+            </a:r>
+            <a:endParaRPr lang="pt-BR" sz="2000" dirty="0">
+              <a:latin typeface="Arial" panose="020B0604020202020204" pitchFamily="34" charset="0"/>
+              <a:cs typeface="Arial" panose="020B0604020202020204" pitchFamily="34" charset="0"/>
+            </a:endParaRPr>
           </a:p>
         </p:txBody>
       </p:sp>
@@ -3425,8 +6201,8 @@
         </p:nvSpPr>
         <p:spPr>
           <a:xfrm>
-            <a:off x="838200" y="365125"/>
-            <a:ext cx="10515600" cy="1325563"/>
+            <a:off x="791747" y="369358"/>
+            <a:ext cx="10131425" cy="1456267"/>
           </a:xfrm>
         </p:spPr>
         <p:txBody>
@@ -3435,18 +6211,13 @@
           <a:p>
             <a:pPr algn="ctr"/>
             <a:r>
-              <a:rPr lang="pt-BR" sz="6000">
+              <a:rPr lang="pt-BR" sz="6000" dirty="0">
                 <a:latin typeface="Microsoft Sans Serif" panose="020B0604020202020204" pitchFamily="34" charset="0"/>
                 <a:ea typeface="Microsoft Sans Serif" panose="020B0604020202020204" pitchFamily="34" charset="0"/>
                 <a:cs typeface="Microsoft Sans Serif" panose="020B0604020202020204" pitchFamily="34" charset="0"/>
               </a:rPr>
               <a:t>Estudo da área de NOC</a:t>
             </a:r>
-            <a:endParaRPr lang="pt-BR" sz="6000" dirty="0">
-              <a:latin typeface="Microsoft Sans Serif" panose="020B0604020202020204" pitchFamily="34" charset="0"/>
-              <a:ea typeface="Microsoft Sans Serif" panose="020B0604020202020204" pitchFamily="34" charset="0"/>
-              <a:cs typeface="Microsoft Sans Serif" panose="020B0604020202020204" pitchFamily="34" charset="0"/>
-            </a:endParaRPr>
           </a:p>
         </p:txBody>
       </p:sp>
@@ -3468,37 +6239,57 @@
         </p:nvSpPr>
         <p:spPr>
           <a:xfrm>
-            <a:off x="838200" y="1825625"/>
-            <a:ext cx="3548270" cy="4351338"/>
-          </a:xfrm>
-        </p:spPr>
-        <p:txBody>
-          <a:bodyPr/>
+            <a:off x="954157" y="1825624"/>
+            <a:ext cx="5141843" cy="5032375"/>
+          </a:xfrm>
+        </p:spPr>
+        <p:txBody>
+          <a:bodyPr>
+            <a:normAutofit/>
+          </a:bodyPr>
           <a:lstStyle/>
           <a:p>
             <a:pPr marL="0" indent="0" algn="ctr">
               <a:buNone/>
             </a:pPr>
             <a:r>
-              <a:rPr lang="pt-BR" dirty="0"/>
+              <a:rPr lang="pt-BR" sz="2800" dirty="0">
+                <a:latin typeface="Arial" panose="020B0604020202020204" pitchFamily="34" charset="0"/>
+                <a:cs typeface="Arial" panose="020B0604020202020204" pitchFamily="34" charset="0"/>
+              </a:rPr>
               <a:t>Objetivo</a:t>
             </a:r>
           </a:p>
           <a:p>
-            <a:r>
-              <a:rPr lang="pt-BR" dirty="0"/>
+            <a:endParaRPr lang="pt-BR" sz="2800" dirty="0">
+              <a:latin typeface="Arial" panose="020B0604020202020204" pitchFamily="34" charset="0"/>
+              <a:cs typeface="Arial" panose="020B0604020202020204" pitchFamily="34" charset="0"/>
+            </a:endParaRPr>
+          </a:p>
+          <a:p>
+            <a:r>
+              <a:rPr lang="pt-BR" sz="2800" dirty="0">
+                <a:latin typeface="Arial" panose="020B0604020202020204" pitchFamily="34" charset="0"/>
+                <a:cs typeface="Arial" panose="020B0604020202020204" pitchFamily="34" charset="0"/>
+              </a:rPr>
               <a:t>Monitorar toda infraestrutura de TI;</a:t>
             </a:r>
           </a:p>
           <a:p>
             <a:r>
-              <a:rPr lang="pt-BR" dirty="0"/>
+              <a:rPr lang="pt-BR" sz="2800" dirty="0">
+                <a:latin typeface="Arial" panose="020B0604020202020204" pitchFamily="34" charset="0"/>
+                <a:cs typeface="Arial" panose="020B0604020202020204" pitchFamily="34" charset="0"/>
+              </a:rPr>
               <a:t>Descobrir problemas no momento em que ocorram;</a:t>
             </a:r>
           </a:p>
           <a:p>
             <a:r>
-              <a:rPr lang="pt-BR" dirty="0"/>
+              <a:rPr lang="pt-BR" sz="2800" dirty="0">
+                <a:latin typeface="Arial" panose="020B0604020202020204" pitchFamily="34" charset="0"/>
+                <a:cs typeface="Arial" panose="020B0604020202020204" pitchFamily="34" charset="0"/>
+              </a:rPr>
               <a:t>Evitar que um erro de tecnologia gere perdas financeiras para a organização;</a:t>
             </a:r>
           </a:p>
@@ -3520,8 +6311,8 @@
         </p:nvSpPr>
         <p:spPr>
           <a:xfrm>
-            <a:off x="5857460" y="1825625"/>
-            <a:ext cx="4359965" cy="4351338"/>
+            <a:off x="6096000" y="1825625"/>
+            <a:ext cx="4827172" cy="5032375"/>
           </a:xfrm>
           <a:prstGeom prst="rect">
             <a:avLst/>
@@ -3701,36 +6492,53 @@
               <a:buNone/>
             </a:pPr>
             <a:r>
-              <a:rPr lang="pt-BR" dirty="0"/>
+              <a:rPr lang="pt-BR" dirty="0">
+                <a:latin typeface="Arial" panose="020B0604020202020204" pitchFamily="34" charset="0"/>
+                <a:cs typeface="Arial" panose="020B0604020202020204" pitchFamily="34" charset="0"/>
+              </a:rPr>
               <a:t>Dados / Network </a:t>
             </a:r>
             <a:r>
-              <a:rPr lang="pt-BR" dirty="0" err="1"/>
+              <a:rPr lang="pt-BR" dirty="0" err="1">
+                <a:latin typeface="Arial" panose="020B0604020202020204" pitchFamily="34" charset="0"/>
+                <a:cs typeface="Arial" panose="020B0604020202020204" pitchFamily="34" charset="0"/>
+              </a:rPr>
               <a:t>Barometer</a:t>
             </a:r>
             <a:r>
-              <a:rPr lang="pt-BR" dirty="0"/>
+              <a:rPr lang="pt-BR" dirty="0">
+                <a:latin typeface="Arial" panose="020B0604020202020204" pitchFamily="34" charset="0"/>
+                <a:cs typeface="Arial" panose="020B0604020202020204" pitchFamily="34" charset="0"/>
+              </a:rPr>
               <a:t> </a:t>
             </a:r>
             <a:r>
-              <a:rPr lang="pt-BR" dirty="0" err="1"/>
+              <a:rPr lang="pt-BR" dirty="0" err="1">
+                <a:latin typeface="Arial" panose="020B0604020202020204" pitchFamily="34" charset="0"/>
+                <a:cs typeface="Arial" panose="020B0604020202020204" pitchFamily="34" charset="0"/>
+              </a:rPr>
               <a:t>Report</a:t>
             </a:r>
             <a:r>
-              <a:rPr lang="pt-BR" dirty="0"/>
+              <a:rPr lang="pt-BR" dirty="0">
+                <a:latin typeface="Arial" panose="020B0604020202020204" pitchFamily="34" charset="0"/>
+                <a:cs typeface="Arial" panose="020B0604020202020204" pitchFamily="34" charset="0"/>
+              </a:rPr>
               <a:t> 2016</a:t>
             </a:r>
           </a:p>
           <a:p>
-            <a:pPr marL="0" indent="0" algn="ctr">
-              <a:buFont typeface="Arial" panose="020B0604020202020204" pitchFamily="34" charset="0"/>
-              <a:buNone/>
-            </a:pPr>
-            <a:endParaRPr lang="pt-BR" dirty="0"/>
-          </a:p>
-          <a:p>
-            <a:r>
-              <a:rPr lang="pt-BR" dirty="0"/>
+            <a:endParaRPr lang="pt-BR" dirty="0">
+              <a:latin typeface="Arial" panose="020B0604020202020204" pitchFamily="34" charset="0"/>
+              <a:cs typeface="Arial" panose="020B0604020202020204" pitchFamily="34" charset="0"/>
+            </a:endParaRPr>
+          </a:p>
+          <a:p>
+            <a:r>
+              <a:rPr lang="pt-BR" dirty="0">
+                <a:latin typeface="Arial" panose="020B0604020202020204" pitchFamily="34" charset="0"/>
+                <a:cs typeface="Arial" panose="020B0604020202020204" pitchFamily="34" charset="0"/>
+              </a:rPr>
               <a:t>Sistemas monitorados têm respostas 69% mais rápidas e tempo de reparo 32% menor em relação aos que não são gerenciados.</a:t>
             </a:r>
           </a:p>
@@ -3771,7 +6579,7 @@
           <p:cNvPr id="2" name="Título 1">
             <a:extLst>
               <a:ext uri="{FF2B5EF4-FFF2-40B4-BE49-F238E27FC236}">
-                <a16:creationId xmlns:a16="http://schemas.microsoft.com/office/drawing/2014/main" id="{E91F742F-6B1B-4B2B-A27B-D38D7FA1D1E3}"/>
+                <a16:creationId xmlns:a16="http://schemas.microsoft.com/office/drawing/2014/main" id="{958EDE09-B766-45A5-AEE9-1B0A3ACF689B}"/>
               </a:ext>
             </a:extLst>
           </p:cNvPr>
@@ -3784,37 +6592,38 @@
         </p:nvSpPr>
         <p:spPr>
           <a:xfrm>
-            <a:off x="838200" y="365125"/>
-            <a:ext cx="10515600" cy="1325563"/>
+            <a:off x="0" y="1"/>
+            <a:ext cx="12192000" cy="6858000"/>
           </a:xfrm>
         </p:spPr>
         <p:txBody>
           <a:bodyPr>
-            <a:normAutofit fontScale="90000"/>
+            <a:noAutofit/>
           </a:bodyPr>
           <a:lstStyle/>
           <a:p>
             <a:pPr algn="ctr"/>
             <a:r>
-              <a:rPr lang="pt-BR" sz="6000">
-                <a:latin typeface="Microsoft Sans Serif" panose="020B0604020202020204" pitchFamily="34" charset="0"/>
-                <a:ea typeface="Microsoft Sans Serif" panose="020B0604020202020204" pitchFamily="34" charset="0"/>
-                <a:cs typeface="Microsoft Sans Serif" panose="020B0604020202020204" pitchFamily="34" charset="0"/>
+              <a:rPr lang="pt-BR" sz="9600" dirty="0" err="1">
+                <a:latin typeface="Arial" panose="020B0604020202020204" pitchFamily="34" charset="0"/>
+                <a:cs typeface="Arial" panose="020B0604020202020204" pitchFamily="34" charset="0"/>
               </a:rPr>
-              <a:t>Requisitos de negócio - Canvas</a:t>
-            </a:r>
-            <a:endParaRPr lang="pt-BR" sz="6000" dirty="0">
-              <a:latin typeface="Microsoft Sans Serif" panose="020B0604020202020204" pitchFamily="34" charset="0"/>
-              <a:ea typeface="Microsoft Sans Serif" panose="020B0604020202020204" pitchFamily="34" charset="0"/>
-              <a:cs typeface="Microsoft Sans Serif" panose="020B0604020202020204" pitchFamily="34" charset="0"/>
-            </a:endParaRPr>
+              <a:t>Proto</a:t>
+            </a:r>
+            <a:r>
+              <a:rPr lang="pt-BR" sz="9600" dirty="0">
+                <a:latin typeface="Arial" panose="020B0604020202020204" pitchFamily="34" charset="0"/>
+                <a:cs typeface="Arial" panose="020B0604020202020204" pitchFamily="34" charset="0"/>
+              </a:rPr>
+              <a:t> Persona</a:t>
+            </a:r>
           </a:p>
         </p:txBody>
       </p:sp>
     </p:spTree>
     <p:extLst>
       <p:ext uri="{BB962C8B-B14F-4D97-AF65-F5344CB8AC3E}">
-        <p14:creationId xmlns:p14="http://schemas.microsoft.com/office/powerpoint/2010/main" val="1316166801"/>
+        <p14:creationId xmlns:p14="http://schemas.microsoft.com/office/powerpoint/2010/main" val="16082272"/>
       </p:ext>
     </p:extLst>
   </p:cSld>
@@ -3841,79 +6650,540 @@
           <a:chExt cx="0" cy="0"/>
         </a:xfrm>
       </p:grpSpPr>
-      <p:sp>
-        <p:nvSpPr>
-          <p:cNvPr id="2" name="Título 1">
+      <p:cxnSp>
+        <p:nvCxnSpPr>
+          <p:cNvPr id="5" name="Conector reto 4">
             <a:extLst>
               <a:ext uri="{FF2B5EF4-FFF2-40B4-BE49-F238E27FC236}">
-                <a16:creationId xmlns:a16="http://schemas.microsoft.com/office/drawing/2014/main" id="{EEB19E23-1CD1-4429-B663-92B9D2B8532C}"/>
+                <a16:creationId xmlns:a16="http://schemas.microsoft.com/office/drawing/2014/main" id="{CEB50FC7-C1A8-442D-9C7B-6F19375B9E33}"/>
               </a:ext>
             </a:extLst>
           </p:cNvPr>
-          <p:cNvSpPr>
-            <a:spLocks noGrp="1"/>
-          </p:cNvSpPr>
-          <p:nvPr>
-            <p:ph type="title"/>
-          </p:nvPr>
-        </p:nvSpPr>
-        <p:spPr>
-          <a:xfrm>
-            <a:off x="838200" y="365125"/>
-            <a:ext cx="10515600" cy="1325563"/>
-          </a:xfrm>
-        </p:spPr>
-        <p:txBody>
-          <a:bodyPr>
-            <a:normAutofit fontScale="90000"/>
+          <p:cNvCxnSpPr>
+            <a:cxnSpLocks/>
+          </p:cNvCxnSpPr>
+          <p:nvPr/>
+        </p:nvCxnSpPr>
+        <p:spPr>
+          <a:xfrm>
+            <a:off x="6096000" y="0"/>
+            <a:ext cx="0" cy="4158641"/>
+          </a:xfrm>
+          <a:prstGeom prst="line">
+            <a:avLst/>
+          </a:prstGeom>
+        </p:spPr>
+        <p:style>
+          <a:lnRef idx="3">
+            <a:schemeClr val="dk1"/>
+          </a:lnRef>
+          <a:fillRef idx="0">
+            <a:schemeClr val="dk1"/>
+          </a:fillRef>
+          <a:effectRef idx="2">
+            <a:schemeClr val="dk1"/>
+          </a:effectRef>
+          <a:fontRef idx="minor">
+            <a:schemeClr val="tx1"/>
+          </a:fontRef>
+        </p:style>
+      </p:cxnSp>
+      <p:cxnSp>
+        <p:nvCxnSpPr>
+          <p:cNvPr id="7" name="Conector reto 6">
+            <a:extLst>
+              <a:ext uri="{FF2B5EF4-FFF2-40B4-BE49-F238E27FC236}">
+                <a16:creationId xmlns:a16="http://schemas.microsoft.com/office/drawing/2014/main" id="{8B7C1832-7208-4082-9FE3-E031E166853B}"/>
+              </a:ext>
+            </a:extLst>
+          </p:cNvPr>
+          <p:cNvCxnSpPr>
+            <a:cxnSpLocks/>
+          </p:cNvCxnSpPr>
+          <p:nvPr/>
+        </p:nvCxnSpPr>
+        <p:spPr>
+          <a:xfrm flipV="1">
+            <a:off x="0" y="4108537"/>
+            <a:ext cx="12192000" cy="100208"/>
+          </a:xfrm>
+          <a:prstGeom prst="line">
+            <a:avLst/>
+          </a:prstGeom>
+        </p:spPr>
+        <p:style>
+          <a:lnRef idx="3">
+            <a:schemeClr val="dk1"/>
+          </a:lnRef>
+          <a:fillRef idx="0">
+            <a:schemeClr val="dk1"/>
+          </a:fillRef>
+          <a:effectRef idx="2">
+            <a:schemeClr val="dk1"/>
+          </a:effectRef>
+          <a:fontRef idx="minor">
+            <a:schemeClr val="tx1"/>
+          </a:fontRef>
+        </p:style>
+      </p:cxnSp>
+      <p:sp>
+        <p:nvSpPr>
+          <p:cNvPr id="13" name="CaixaDeTexto 12">
+            <a:extLst>
+              <a:ext uri="{FF2B5EF4-FFF2-40B4-BE49-F238E27FC236}">
+                <a16:creationId xmlns:a16="http://schemas.microsoft.com/office/drawing/2014/main" id="{74647D0A-62FD-4293-8D22-0C62A9DDF12F}"/>
+              </a:ext>
+            </a:extLst>
+          </p:cNvPr>
+          <p:cNvSpPr txBox="1"/>
+          <p:nvPr/>
+        </p:nvSpPr>
+        <p:spPr>
+          <a:xfrm>
+            <a:off x="6928526" y="306432"/>
+            <a:ext cx="4308954" cy="461665"/>
+          </a:xfrm>
+          <a:prstGeom prst="rect">
+            <a:avLst/>
+          </a:prstGeom>
+          <a:noFill/>
+        </p:spPr>
+        <p:txBody>
+          <a:bodyPr wrap="square" rtlCol="0">
+            <a:spAutoFit/>
           </a:bodyPr>
           <a:lstStyle/>
           <a:p>
             <a:pPr algn="ctr"/>
             <a:r>
-              <a:rPr lang="pt-BR" sz="5400" dirty="0">
-                <a:latin typeface="Microsoft Sans Serif" panose="020B0604020202020204" pitchFamily="34" charset="0"/>
-                <a:ea typeface="Microsoft Sans Serif" panose="020B0604020202020204" pitchFamily="34" charset="0"/>
-                <a:cs typeface="Microsoft Sans Serif" panose="020B0604020202020204" pitchFamily="34" charset="0"/>
-              </a:rPr>
-              <a:t>Requisitos de usuário – </a:t>
-            </a:r>
-            <a:r>
-              <a:rPr lang="pt-BR" sz="5400" dirty="0" err="1">
-                <a:latin typeface="Microsoft Sans Serif" panose="020B0604020202020204" pitchFamily="34" charset="0"/>
-                <a:ea typeface="Microsoft Sans Serif" panose="020B0604020202020204" pitchFamily="34" charset="0"/>
-                <a:cs typeface="Microsoft Sans Serif" panose="020B0604020202020204" pitchFamily="34" charset="0"/>
-              </a:rPr>
-              <a:t>StorieBoard</a:t>
-            </a:r>
-            <a:r>
-              <a:rPr lang="pt-BR" sz="5400" dirty="0">
-                <a:latin typeface="Microsoft Sans Serif" panose="020B0604020202020204" pitchFamily="34" charset="0"/>
-                <a:ea typeface="Microsoft Sans Serif" panose="020B0604020202020204" pitchFamily="34" charset="0"/>
-                <a:cs typeface="Microsoft Sans Serif" panose="020B0604020202020204" pitchFamily="34" charset="0"/>
-              </a:rPr>
-              <a:t>/</a:t>
-            </a:r>
-            <a:r>
-              <a:rPr lang="pt-BR" sz="5400" dirty="0" err="1">
-                <a:latin typeface="Microsoft Sans Serif" panose="020B0604020202020204" pitchFamily="34" charset="0"/>
-                <a:ea typeface="Microsoft Sans Serif" panose="020B0604020202020204" pitchFamily="34" charset="0"/>
-                <a:cs typeface="Microsoft Sans Serif" panose="020B0604020202020204" pitchFamily="34" charset="0"/>
-              </a:rPr>
-              <a:t>UserStorie</a:t>
-            </a:r>
-            <a:endParaRPr lang="pt-BR" sz="5400" dirty="0">
-              <a:latin typeface="Microsoft Sans Serif" panose="020B0604020202020204" pitchFamily="34" charset="0"/>
-              <a:ea typeface="Microsoft Sans Serif" panose="020B0604020202020204" pitchFamily="34" charset="0"/>
-              <a:cs typeface="Microsoft Sans Serif" panose="020B0604020202020204" pitchFamily="34" charset="0"/>
-            </a:endParaRPr>
-          </a:p>
-        </p:txBody>
-      </p:sp>
+              <a:rPr lang="pt-BR" sz="2400" b="1" dirty="0"/>
+              <a:t>Informações/ Comportamentos</a:t>
+            </a:r>
+            <a:endParaRPr lang="en-US" sz="2400" b="1" dirty="0"/>
+          </a:p>
+        </p:txBody>
+      </p:sp>
+      <p:sp>
+        <p:nvSpPr>
+          <p:cNvPr id="14" name="CaixaDeTexto 13">
+            <a:extLst>
+              <a:ext uri="{FF2B5EF4-FFF2-40B4-BE49-F238E27FC236}">
+                <a16:creationId xmlns:a16="http://schemas.microsoft.com/office/drawing/2014/main" id="{46DA7E0B-526A-4954-A837-3F2D7603F05C}"/>
+              </a:ext>
+            </a:extLst>
+          </p:cNvPr>
+          <p:cNvSpPr txBox="1"/>
+          <p:nvPr/>
+        </p:nvSpPr>
+        <p:spPr>
+          <a:xfrm>
+            <a:off x="6928526" y="916487"/>
+            <a:ext cx="4045884" cy="2814617"/>
+          </a:xfrm>
+          <a:prstGeom prst="rect">
+            <a:avLst/>
+          </a:prstGeom>
+          <a:noFill/>
+        </p:spPr>
+        <p:txBody>
+          <a:bodyPr wrap="square" rtlCol="0">
+            <a:spAutoFit/>
+          </a:bodyPr>
+          <a:lstStyle/>
+          <a:p>
+            <a:pPr marL="285750" indent="-285750">
+              <a:lnSpc>
+                <a:spcPct val="150000"/>
+              </a:lnSpc>
+              <a:buFont typeface="Arial" panose="020B0604020202020204" pitchFamily="34" charset="0"/>
+              <a:buChar char="•"/>
+            </a:pPr>
+            <a:r>
+              <a:rPr lang="pt-BR" sz="2000" dirty="0"/>
+              <a:t>Conectado (especialista em redes);</a:t>
+            </a:r>
+          </a:p>
+          <a:p>
+            <a:pPr marL="285750" indent="-285750">
+              <a:lnSpc>
+                <a:spcPct val="150000"/>
+              </a:lnSpc>
+              <a:buFont typeface="Arial" panose="020B0604020202020204" pitchFamily="34" charset="0"/>
+              <a:buChar char="•"/>
+            </a:pPr>
+            <a:r>
+              <a:rPr lang="pt-BR" sz="2000" dirty="0"/>
+              <a:t>25 – 35 anos;</a:t>
+            </a:r>
+          </a:p>
+          <a:p>
+            <a:pPr marL="285750" indent="-285750">
+              <a:lnSpc>
+                <a:spcPct val="150000"/>
+              </a:lnSpc>
+              <a:buFont typeface="Arial" panose="020B0604020202020204" pitchFamily="34" charset="0"/>
+              <a:buChar char="•"/>
+            </a:pPr>
+            <a:r>
+              <a:rPr lang="pt-BR" sz="2000" dirty="0"/>
+              <a:t>Trabalho ligado a TI;</a:t>
+            </a:r>
+          </a:p>
+          <a:p>
+            <a:pPr marL="285750" indent="-285750">
+              <a:lnSpc>
+                <a:spcPct val="150000"/>
+              </a:lnSpc>
+              <a:buFont typeface="Arial" panose="020B0604020202020204" pitchFamily="34" charset="0"/>
+              <a:buChar char="•"/>
+            </a:pPr>
+            <a:r>
+              <a:rPr lang="pt-BR" sz="2000" dirty="0"/>
+              <a:t>Utiliza softwares de monitoramento;</a:t>
+            </a:r>
+            <a:endParaRPr lang="en-US" sz="2000" dirty="0"/>
+          </a:p>
+        </p:txBody>
+      </p:sp>
+      <p:sp>
+        <p:nvSpPr>
+          <p:cNvPr id="15" name="CaixaDeTexto 14">
+            <a:extLst>
+              <a:ext uri="{FF2B5EF4-FFF2-40B4-BE49-F238E27FC236}">
+                <a16:creationId xmlns:a16="http://schemas.microsoft.com/office/drawing/2014/main" id="{9F2E6F33-246C-4CCD-9221-74F6CC4A4216}"/>
+              </a:ext>
+            </a:extLst>
+          </p:cNvPr>
+          <p:cNvSpPr txBox="1"/>
+          <p:nvPr/>
+        </p:nvSpPr>
+        <p:spPr>
+          <a:xfrm>
+            <a:off x="1551593" y="306431"/>
+            <a:ext cx="1127333" cy="461665"/>
+          </a:xfrm>
+          <a:prstGeom prst="rect">
+            <a:avLst/>
+          </a:prstGeom>
+          <a:noFill/>
+        </p:spPr>
+        <p:txBody>
+          <a:bodyPr wrap="square" rtlCol="0">
+            <a:spAutoFit/>
+          </a:bodyPr>
+          <a:lstStyle/>
+          <a:p>
+            <a:pPr algn="ctr"/>
+            <a:r>
+              <a:rPr lang="pt-BR" sz="2400" b="1" dirty="0"/>
+              <a:t>Quem</a:t>
+            </a:r>
+            <a:endParaRPr lang="en-US" sz="2400" b="1" dirty="0"/>
+          </a:p>
+        </p:txBody>
+      </p:sp>
+      <p:sp>
+        <p:nvSpPr>
+          <p:cNvPr id="16" name="CaixaDeTexto 15">
+            <a:extLst>
+              <a:ext uri="{FF2B5EF4-FFF2-40B4-BE49-F238E27FC236}">
+                <a16:creationId xmlns:a16="http://schemas.microsoft.com/office/drawing/2014/main" id="{57979756-9493-4032-84BC-29A25C18585B}"/>
+              </a:ext>
+            </a:extLst>
+          </p:cNvPr>
+          <p:cNvSpPr txBox="1"/>
+          <p:nvPr/>
+        </p:nvSpPr>
+        <p:spPr>
+          <a:xfrm>
+            <a:off x="4526538" y="3318582"/>
+            <a:ext cx="1127333" cy="461665"/>
+          </a:xfrm>
+          <a:prstGeom prst="rect">
+            <a:avLst/>
+          </a:prstGeom>
+          <a:noFill/>
+        </p:spPr>
+        <p:txBody>
+          <a:bodyPr wrap="square" rtlCol="0">
+            <a:spAutoFit/>
+          </a:bodyPr>
+          <a:lstStyle/>
+          <a:p>
+            <a:pPr algn="ctr"/>
+            <a:r>
+              <a:rPr lang="pt-BR" sz="2400" b="1" dirty="0"/>
+              <a:t>Duzzi</a:t>
+            </a:r>
+            <a:endParaRPr lang="en-US" sz="2400" b="1" dirty="0"/>
+          </a:p>
+        </p:txBody>
+      </p:sp>
+      <p:sp>
+        <p:nvSpPr>
+          <p:cNvPr id="17" name="CaixaDeTexto 16">
+            <a:extLst>
+              <a:ext uri="{FF2B5EF4-FFF2-40B4-BE49-F238E27FC236}">
+                <a16:creationId xmlns:a16="http://schemas.microsoft.com/office/drawing/2014/main" id="{4CB20D17-3F10-4EF3-BB72-FD1315A9FC39}"/>
+              </a:ext>
+            </a:extLst>
+          </p:cNvPr>
+          <p:cNvSpPr txBox="1"/>
+          <p:nvPr/>
+        </p:nvSpPr>
+        <p:spPr>
+          <a:xfrm>
+            <a:off x="1507558" y="4438316"/>
+            <a:ext cx="3018772" cy="461665"/>
+          </a:xfrm>
+          <a:prstGeom prst="rect">
+            <a:avLst/>
+          </a:prstGeom>
+          <a:noFill/>
+        </p:spPr>
+        <p:txBody>
+          <a:bodyPr wrap="square" rtlCol="0">
+            <a:spAutoFit/>
+          </a:bodyPr>
+          <a:lstStyle/>
+          <a:p>
+            <a:pPr algn="ctr"/>
+            <a:r>
+              <a:rPr lang="pt-BR" sz="2400" b="1" dirty="0"/>
+              <a:t>Dores e Necessidades</a:t>
+            </a:r>
+            <a:endParaRPr lang="en-US" sz="2400" b="1" dirty="0"/>
+          </a:p>
+        </p:txBody>
+      </p:sp>
+      <p:sp>
+        <p:nvSpPr>
+          <p:cNvPr id="18" name="CaixaDeTexto 17">
+            <a:extLst>
+              <a:ext uri="{FF2B5EF4-FFF2-40B4-BE49-F238E27FC236}">
+                <a16:creationId xmlns:a16="http://schemas.microsoft.com/office/drawing/2014/main" id="{B4A3D642-C765-4386-82F0-75B045E440B0}"/>
+              </a:ext>
+            </a:extLst>
+          </p:cNvPr>
+          <p:cNvSpPr txBox="1"/>
+          <p:nvPr/>
+        </p:nvSpPr>
+        <p:spPr>
+          <a:xfrm>
+            <a:off x="1576827" y="4889159"/>
+            <a:ext cx="4221272" cy="1891287"/>
+          </a:xfrm>
+          <a:prstGeom prst="rect">
+            <a:avLst/>
+          </a:prstGeom>
+          <a:noFill/>
+        </p:spPr>
+        <p:txBody>
+          <a:bodyPr wrap="square" rtlCol="0">
+            <a:spAutoFit/>
+          </a:bodyPr>
+          <a:lstStyle/>
+          <a:p>
+            <a:pPr marL="285750" indent="-285750">
+              <a:lnSpc>
+                <a:spcPct val="150000"/>
+              </a:lnSpc>
+              <a:buFont typeface="Arial" panose="020B0604020202020204" pitchFamily="34" charset="0"/>
+              <a:buChar char="•"/>
+            </a:pPr>
+            <a:r>
+              <a:rPr lang="pt-BR" sz="2000" dirty="0"/>
+              <a:t>Lentidão no Sistema;</a:t>
+            </a:r>
+          </a:p>
+          <a:p>
+            <a:pPr marL="285750" indent="-285750">
+              <a:lnSpc>
+                <a:spcPct val="150000"/>
+              </a:lnSpc>
+              <a:buFont typeface="Arial" panose="020B0604020202020204" pitchFamily="34" charset="0"/>
+              <a:buChar char="•"/>
+            </a:pPr>
+            <a:r>
+              <a:rPr lang="pt-BR" sz="2000" dirty="0"/>
+              <a:t>Falta de Alertas;</a:t>
+            </a:r>
+          </a:p>
+          <a:p>
+            <a:pPr marL="285750" indent="-285750">
+              <a:lnSpc>
+                <a:spcPct val="150000"/>
+              </a:lnSpc>
+              <a:buFont typeface="Arial" panose="020B0604020202020204" pitchFamily="34" charset="0"/>
+              <a:buChar char="•"/>
+            </a:pPr>
+            <a:r>
+              <a:rPr lang="pt-BR" sz="2000" dirty="0"/>
+              <a:t>Tempo de Downtime Alto;</a:t>
+            </a:r>
+          </a:p>
+          <a:p>
+            <a:pPr marL="285750" indent="-285750">
+              <a:lnSpc>
+                <a:spcPct val="150000"/>
+              </a:lnSpc>
+              <a:buFont typeface="Arial" panose="020B0604020202020204" pitchFamily="34" charset="0"/>
+              <a:buChar char="•"/>
+            </a:pPr>
+            <a:r>
+              <a:rPr lang="pt-BR" sz="2000" dirty="0"/>
+              <a:t>Procedimentos/ </a:t>
+            </a:r>
+            <a:r>
+              <a:rPr lang="pt-BR" sz="2000" dirty="0" err="1"/>
+              <a:t>Runbooks</a:t>
+            </a:r>
+            <a:r>
+              <a:rPr lang="pt-BR" sz="2000" dirty="0"/>
+              <a:t>;</a:t>
+            </a:r>
+            <a:endParaRPr lang="en-US" sz="2000" dirty="0"/>
+          </a:p>
+        </p:txBody>
+      </p:sp>
+      <p:sp>
+        <p:nvSpPr>
+          <p:cNvPr id="19" name="CaixaDeTexto 18">
+            <a:extLst>
+              <a:ext uri="{FF2B5EF4-FFF2-40B4-BE49-F238E27FC236}">
+                <a16:creationId xmlns:a16="http://schemas.microsoft.com/office/drawing/2014/main" id="{7E38AA44-6F7D-4E39-8A3B-51179B3E5F19}"/>
+              </a:ext>
+            </a:extLst>
+          </p:cNvPr>
+          <p:cNvSpPr txBox="1"/>
+          <p:nvPr/>
+        </p:nvSpPr>
+        <p:spPr>
+          <a:xfrm>
+            <a:off x="6829793" y="4333534"/>
+            <a:ext cx="4434190" cy="2352952"/>
+          </a:xfrm>
+          <a:prstGeom prst="rect">
+            <a:avLst/>
+          </a:prstGeom>
+          <a:noFill/>
+        </p:spPr>
+        <p:txBody>
+          <a:bodyPr wrap="square" rtlCol="0">
+            <a:spAutoFit/>
+          </a:bodyPr>
+          <a:lstStyle/>
+          <a:p>
+            <a:pPr marL="285750" indent="-285750">
+              <a:lnSpc>
+                <a:spcPct val="150000"/>
+              </a:lnSpc>
+              <a:buFont typeface="Arial" panose="020B0604020202020204" pitchFamily="34" charset="0"/>
+              <a:buChar char="•"/>
+            </a:pPr>
+            <a:r>
+              <a:rPr lang="pt-BR" sz="2000" dirty="0"/>
+              <a:t>Software Simplificado</a:t>
+            </a:r>
+            <a:r>
+              <a:rPr lang="en-US" sz="2000" dirty="0"/>
+              <a:t>;</a:t>
+            </a:r>
+          </a:p>
+          <a:p>
+            <a:pPr marL="285750" indent="-285750">
+              <a:lnSpc>
+                <a:spcPct val="150000"/>
+              </a:lnSpc>
+              <a:buFont typeface="Arial" panose="020B0604020202020204" pitchFamily="34" charset="0"/>
+              <a:buChar char="•"/>
+            </a:pPr>
+            <a:r>
+              <a:rPr lang="en-US" sz="2000" dirty="0"/>
+              <a:t>Interface Poluída;</a:t>
+            </a:r>
+          </a:p>
+          <a:p>
+            <a:pPr marL="285750" indent="-285750">
+              <a:lnSpc>
+                <a:spcPct val="150000"/>
+              </a:lnSpc>
+              <a:buFont typeface="Arial" panose="020B0604020202020204" pitchFamily="34" charset="0"/>
+              <a:buChar char="•"/>
+            </a:pPr>
+            <a:r>
+              <a:rPr lang="pt-BR" sz="2000" dirty="0"/>
+              <a:t>Software Ágil;</a:t>
+            </a:r>
+          </a:p>
+          <a:p>
+            <a:pPr marL="285750" indent="-285750">
+              <a:lnSpc>
+                <a:spcPct val="150000"/>
+              </a:lnSpc>
+              <a:buFont typeface="Arial" panose="020B0604020202020204" pitchFamily="34" charset="0"/>
+              <a:buChar char="•"/>
+            </a:pPr>
+            <a:r>
+              <a:rPr lang="pt-BR" sz="2000" dirty="0"/>
+              <a:t>Interface Eficiente;</a:t>
+            </a:r>
+          </a:p>
+          <a:p>
+            <a:pPr marL="285750" indent="-285750">
+              <a:lnSpc>
+                <a:spcPct val="150000"/>
+              </a:lnSpc>
+              <a:buFont typeface="Arial" panose="020B0604020202020204" pitchFamily="34" charset="0"/>
+              <a:buChar char="•"/>
+            </a:pPr>
+            <a:r>
+              <a:rPr lang="pt-BR" sz="2000" dirty="0"/>
+              <a:t>Ferramenta Centralizada de Incidente;</a:t>
+            </a:r>
+            <a:endParaRPr lang="en-US" sz="2000" dirty="0"/>
+          </a:p>
+        </p:txBody>
+      </p:sp>
+      <p:pic>
+        <p:nvPicPr>
+          <p:cNvPr id="21" name="Imagem 20" descr="Uma imagem contendo interior, laptop, pessoa, computador&#10;&#10;Descrição gerada automaticamente">
+            <a:extLst>
+              <a:ext uri="{FF2B5EF4-FFF2-40B4-BE49-F238E27FC236}">
+                <a16:creationId xmlns:a16="http://schemas.microsoft.com/office/drawing/2014/main" id="{FAD70A67-D384-4C0C-84E1-809BEBE7878F}"/>
+              </a:ext>
+            </a:extLst>
+          </p:cNvPr>
+          <p:cNvPicPr>
+            <a:picLocks noChangeAspect="1"/>
+          </p:cNvPicPr>
+          <p:nvPr/>
+        </p:nvPicPr>
+        <p:blipFill rotWithShape="1">
+          <a:blip r:embed="rId2">
+            <a:extLst>
+              <a:ext uri="{28A0092B-C50C-407E-A947-70E740481C1C}">
+                <a14:useLocalDpi xmlns:a14="http://schemas.microsoft.com/office/drawing/2010/main" val="0"/>
+              </a:ext>
+            </a:extLst>
+          </a:blip>
+          <a:srcRect l="19521" t="2888" r="6609"/>
+          <a:stretch/>
+        </p:blipFill>
+        <p:spPr>
+          <a:xfrm>
+            <a:off x="1573818" y="1183397"/>
+            <a:ext cx="2996547" cy="2653723"/>
+          </a:xfrm>
+          <a:prstGeom prst="rect">
+            <a:avLst/>
+          </a:prstGeom>
+        </p:spPr>
+      </p:pic>
     </p:spTree>
     <p:extLst>
       <p:ext uri="{BB962C8B-B14F-4D97-AF65-F5344CB8AC3E}">
-        <p14:creationId xmlns:p14="http://schemas.microsoft.com/office/powerpoint/2010/main" val="1521063727"/>
+        <p14:creationId xmlns:p14="http://schemas.microsoft.com/office/powerpoint/2010/main" val="200925215"/>
       </p:ext>
     </p:extLst>
   </p:cSld>
@@ -3940,12 +7210,495 @@
           <a:chExt cx="0" cy="0"/>
         </a:xfrm>
       </p:grpSpPr>
+      <p:cxnSp>
+        <p:nvCxnSpPr>
+          <p:cNvPr id="4" name="Conector reto 3">
+            <a:extLst>
+              <a:ext uri="{FF2B5EF4-FFF2-40B4-BE49-F238E27FC236}">
+                <a16:creationId xmlns:a16="http://schemas.microsoft.com/office/drawing/2014/main" id="{1D22F6C0-0A1C-4571-B1AB-72CB476DDD35}"/>
+              </a:ext>
+            </a:extLst>
+          </p:cNvPr>
+          <p:cNvCxnSpPr>
+            <a:cxnSpLocks/>
+          </p:cNvCxnSpPr>
+          <p:nvPr/>
+        </p:nvCxnSpPr>
+        <p:spPr>
+          <a:xfrm>
+            <a:off x="6076393" y="0"/>
+            <a:ext cx="0" cy="4158641"/>
+          </a:xfrm>
+          <a:prstGeom prst="line">
+            <a:avLst/>
+          </a:prstGeom>
+        </p:spPr>
+        <p:style>
+          <a:lnRef idx="3">
+            <a:schemeClr val="dk1"/>
+          </a:lnRef>
+          <a:fillRef idx="0">
+            <a:schemeClr val="dk1"/>
+          </a:fillRef>
+          <a:effectRef idx="2">
+            <a:schemeClr val="dk1"/>
+          </a:effectRef>
+          <a:fontRef idx="minor">
+            <a:schemeClr val="tx1"/>
+          </a:fontRef>
+        </p:style>
+      </p:cxnSp>
+      <p:cxnSp>
+        <p:nvCxnSpPr>
+          <p:cNvPr id="5" name="Conector reto 4">
+            <a:extLst>
+              <a:ext uri="{FF2B5EF4-FFF2-40B4-BE49-F238E27FC236}">
+                <a16:creationId xmlns:a16="http://schemas.microsoft.com/office/drawing/2014/main" id="{FBF8815D-3A49-4D7E-B7EE-CBDA16F01AB4}"/>
+              </a:ext>
+            </a:extLst>
+          </p:cNvPr>
+          <p:cNvCxnSpPr>
+            <a:cxnSpLocks/>
+          </p:cNvCxnSpPr>
+          <p:nvPr/>
+        </p:nvCxnSpPr>
+        <p:spPr>
+          <a:xfrm flipV="1">
+            <a:off x="-24895" y="4106139"/>
+            <a:ext cx="12192000" cy="100208"/>
+          </a:xfrm>
+          <a:prstGeom prst="line">
+            <a:avLst/>
+          </a:prstGeom>
+        </p:spPr>
+        <p:style>
+          <a:lnRef idx="3">
+            <a:schemeClr val="dk1"/>
+          </a:lnRef>
+          <a:fillRef idx="0">
+            <a:schemeClr val="dk1"/>
+          </a:fillRef>
+          <a:effectRef idx="2">
+            <a:schemeClr val="dk1"/>
+          </a:effectRef>
+          <a:fontRef idx="minor">
+            <a:schemeClr val="tx1"/>
+          </a:fontRef>
+        </p:style>
+      </p:cxnSp>
+      <p:sp>
+        <p:nvSpPr>
+          <p:cNvPr id="6" name="CaixaDeTexto 5">
+            <a:extLst>
+              <a:ext uri="{FF2B5EF4-FFF2-40B4-BE49-F238E27FC236}">
+                <a16:creationId xmlns:a16="http://schemas.microsoft.com/office/drawing/2014/main" id="{C71CED98-F17D-4026-A9D1-C5F02347AC50}"/>
+              </a:ext>
+            </a:extLst>
+          </p:cNvPr>
+          <p:cNvSpPr txBox="1"/>
+          <p:nvPr/>
+        </p:nvSpPr>
+        <p:spPr>
+          <a:xfrm>
+            <a:off x="6623724" y="558224"/>
+            <a:ext cx="4308954" cy="461665"/>
+          </a:xfrm>
+          <a:prstGeom prst="rect">
+            <a:avLst/>
+          </a:prstGeom>
+          <a:noFill/>
+        </p:spPr>
+        <p:txBody>
+          <a:bodyPr wrap="square" rtlCol="0">
+            <a:spAutoFit/>
+          </a:bodyPr>
+          <a:lstStyle/>
+          <a:p>
+            <a:pPr algn="ctr"/>
+            <a:r>
+              <a:rPr lang="pt-BR" sz="2400" b="1" dirty="0"/>
+              <a:t>Informações/ Comportamentos</a:t>
+            </a:r>
+            <a:endParaRPr lang="en-US" sz="2400" b="1" dirty="0"/>
+          </a:p>
+        </p:txBody>
+      </p:sp>
+      <p:sp>
+        <p:nvSpPr>
+          <p:cNvPr id="7" name="CaixaDeTexto 6">
+            <a:extLst>
+              <a:ext uri="{FF2B5EF4-FFF2-40B4-BE49-F238E27FC236}">
+                <a16:creationId xmlns:a16="http://schemas.microsoft.com/office/drawing/2014/main" id="{949CBD76-4F6B-44CD-9FA2-769172611A4B}"/>
+              </a:ext>
+            </a:extLst>
+          </p:cNvPr>
+          <p:cNvSpPr txBox="1"/>
+          <p:nvPr/>
+        </p:nvSpPr>
+        <p:spPr>
+          <a:xfrm>
+            <a:off x="6623724" y="1168279"/>
+            <a:ext cx="4045884" cy="1891287"/>
+          </a:xfrm>
+          <a:prstGeom prst="rect">
+            <a:avLst/>
+          </a:prstGeom>
+          <a:noFill/>
+        </p:spPr>
+        <p:txBody>
+          <a:bodyPr wrap="square" rtlCol="0">
+            <a:spAutoFit/>
+          </a:bodyPr>
+          <a:lstStyle/>
+          <a:p>
+            <a:pPr marL="285750" indent="-285750">
+              <a:lnSpc>
+                <a:spcPct val="150000"/>
+              </a:lnSpc>
+              <a:buFont typeface="Arial" panose="020B0604020202020204" pitchFamily="34" charset="0"/>
+              <a:buChar char="•"/>
+            </a:pPr>
+            <a:r>
+              <a:rPr lang="pt-BR" sz="2000" dirty="0"/>
+              <a:t>35 – 45 anos;</a:t>
+            </a:r>
+          </a:p>
+          <a:p>
+            <a:pPr marL="285750" indent="-285750">
+              <a:lnSpc>
+                <a:spcPct val="150000"/>
+              </a:lnSpc>
+              <a:buFont typeface="Arial" panose="020B0604020202020204" pitchFamily="34" charset="0"/>
+              <a:buChar char="•"/>
+            </a:pPr>
+            <a:r>
+              <a:rPr lang="pt-BR" sz="2000" dirty="0"/>
+              <a:t>Casado;</a:t>
+            </a:r>
+          </a:p>
+          <a:p>
+            <a:pPr marL="285750" indent="-285750">
+              <a:lnSpc>
+                <a:spcPct val="150000"/>
+              </a:lnSpc>
+              <a:buFont typeface="Arial" panose="020B0604020202020204" pitchFamily="34" charset="0"/>
+              <a:buChar char="•"/>
+            </a:pPr>
+            <a:r>
+              <a:rPr lang="pt-BR" sz="2000" dirty="0"/>
+              <a:t>Conectado (é Early-Adopter);</a:t>
+            </a:r>
+          </a:p>
+          <a:p>
+            <a:pPr marL="285750" indent="-285750">
+              <a:lnSpc>
+                <a:spcPct val="150000"/>
+              </a:lnSpc>
+              <a:buFont typeface="Arial" panose="020B0604020202020204" pitchFamily="34" charset="0"/>
+              <a:buChar char="•"/>
+            </a:pPr>
+            <a:r>
+              <a:rPr lang="pt-BR" sz="2000" dirty="0"/>
+              <a:t>Gestor de NOC;</a:t>
+            </a:r>
+            <a:endParaRPr lang="en-US" sz="2000" dirty="0"/>
+          </a:p>
+        </p:txBody>
+      </p:sp>
+      <p:sp>
+        <p:nvSpPr>
+          <p:cNvPr id="8" name="CaixaDeTexto 7">
+            <a:extLst>
+              <a:ext uri="{FF2B5EF4-FFF2-40B4-BE49-F238E27FC236}">
+                <a16:creationId xmlns:a16="http://schemas.microsoft.com/office/drawing/2014/main" id="{C3ABBC54-9201-4F9C-8DEA-A015271F163A}"/>
+              </a:ext>
+            </a:extLst>
+          </p:cNvPr>
+          <p:cNvSpPr txBox="1"/>
+          <p:nvPr/>
+        </p:nvSpPr>
+        <p:spPr>
+          <a:xfrm>
+            <a:off x="1604602" y="200415"/>
+            <a:ext cx="1127333" cy="461665"/>
+          </a:xfrm>
+          <a:prstGeom prst="rect">
+            <a:avLst/>
+          </a:prstGeom>
+          <a:noFill/>
+        </p:spPr>
+        <p:txBody>
+          <a:bodyPr wrap="square" rtlCol="0">
+            <a:spAutoFit/>
+          </a:bodyPr>
+          <a:lstStyle/>
+          <a:p>
+            <a:pPr algn="ctr"/>
+            <a:r>
+              <a:rPr lang="pt-BR" sz="2400" b="1" dirty="0"/>
+              <a:t>Quem</a:t>
+            </a:r>
+            <a:endParaRPr lang="en-US" sz="2400" b="1" dirty="0"/>
+          </a:p>
+        </p:txBody>
+      </p:sp>
+      <p:sp>
+        <p:nvSpPr>
+          <p:cNvPr id="9" name="CaixaDeTexto 8">
+            <a:extLst>
+              <a:ext uri="{FF2B5EF4-FFF2-40B4-BE49-F238E27FC236}">
+                <a16:creationId xmlns:a16="http://schemas.microsoft.com/office/drawing/2014/main" id="{2841211F-0BC9-443A-B30D-766912AB3C50}"/>
+              </a:ext>
+            </a:extLst>
+          </p:cNvPr>
+          <p:cNvSpPr txBox="1"/>
+          <p:nvPr/>
+        </p:nvSpPr>
+        <p:spPr>
+          <a:xfrm>
+            <a:off x="4579547" y="3351256"/>
+            <a:ext cx="1127333" cy="461665"/>
+          </a:xfrm>
+          <a:prstGeom prst="rect">
+            <a:avLst/>
+          </a:prstGeom>
+          <a:noFill/>
+        </p:spPr>
+        <p:txBody>
+          <a:bodyPr wrap="square" rtlCol="0">
+            <a:spAutoFit/>
+          </a:bodyPr>
+          <a:lstStyle/>
+          <a:p>
+            <a:pPr algn="ctr"/>
+            <a:r>
+              <a:rPr lang="pt-BR" sz="2400" b="1" dirty="0"/>
+              <a:t>Miguel</a:t>
+            </a:r>
+            <a:endParaRPr lang="en-US" sz="2400" b="1" dirty="0"/>
+          </a:p>
+        </p:txBody>
+      </p:sp>
+      <p:sp>
+        <p:nvSpPr>
+          <p:cNvPr id="10" name="CaixaDeTexto 9">
+            <a:extLst>
+              <a:ext uri="{FF2B5EF4-FFF2-40B4-BE49-F238E27FC236}">
+                <a16:creationId xmlns:a16="http://schemas.microsoft.com/office/drawing/2014/main" id="{426410C4-91D6-4B13-B089-B2CAF5C006D4}"/>
+              </a:ext>
+            </a:extLst>
+          </p:cNvPr>
+          <p:cNvSpPr txBox="1"/>
+          <p:nvPr/>
+        </p:nvSpPr>
+        <p:spPr>
+          <a:xfrm>
+            <a:off x="1392570" y="4306554"/>
+            <a:ext cx="3018772" cy="461665"/>
+          </a:xfrm>
+          <a:prstGeom prst="rect">
+            <a:avLst/>
+          </a:prstGeom>
+          <a:noFill/>
+        </p:spPr>
+        <p:txBody>
+          <a:bodyPr wrap="square" rtlCol="0">
+            <a:spAutoFit/>
+          </a:bodyPr>
+          <a:lstStyle/>
+          <a:p>
+            <a:pPr algn="ctr"/>
+            <a:r>
+              <a:rPr lang="pt-BR" sz="2400" b="1" dirty="0"/>
+              <a:t>Dores e Necessidades</a:t>
+            </a:r>
+            <a:endParaRPr lang="en-US" sz="2400" b="1" dirty="0"/>
+          </a:p>
+        </p:txBody>
+      </p:sp>
+      <p:sp>
+        <p:nvSpPr>
+          <p:cNvPr id="11" name="CaixaDeTexto 10">
+            <a:extLst>
+              <a:ext uri="{FF2B5EF4-FFF2-40B4-BE49-F238E27FC236}">
+                <a16:creationId xmlns:a16="http://schemas.microsoft.com/office/drawing/2014/main" id="{56E4A8D3-9C14-4C3A-A700-00C787503D46}"/>
+              </a:ext>
+            </a:extLst>
+          </p:cNvPr>
+          <p:cNvSpPr txBox="1"/>
+          <p:nvPr/>
+        </p:nvSpPr>
+        <p:spPr>
+          <a:xfrm>
+            <a:off x="1325039" y="4780745"/>
+            <a:ext cx="4221272" cy="1891287"/>
+          </a:xfrm>
+          <a:prstGeom prst="rect">
+            <a:avLst/>
+          </a:prstGeom>
+          <a:noFill/>
+        </p:spPr>
+        <p:txBody>
+          <a:bodyPr wrap="square" rtlCol="0">
+            <a:spAutoFit/>
+          </a:bodyPr>
+          <a:lstStyle/>
+          <a:p>
+            <a:pPr marL="285750" indent="-285750">
+              <a:lnSpc>
+                <a:spcPct val="150000"/>
+              </a:lnSpc>
+              <a:buFont typeface="Arial" panose="020B0604020202020204" pitchFamily="34" charset="0"/>
+              <a:buChar char="•"/>
+            </a:pPr>
+            <a:r>
+              <a:rPr lang="pt-BR" sz="2000" dirty="0"/>
+              <a:t>Relatório Diário dos Monitoramentos;</a:t>
+            </a:r>
+          </a:p>
+          <a:p>
+            <a:pPr marL="285750" indent="-285750">
+              <a:lnSpc>
+                <a:spcPct val="150000"/>
+              </a:lnSpc>
+              <a:buFont typeface="Arial" panose="020B0604020202020204" pitchFamily="34" charset="0"/>
+              <a:buChar char="•"/>
+            </a:pPr>
+            <a:r>
+              <a:rPr lang="pt-BR" sz="2000" dirty="0"/>
+              <a:t>Controle de Predição;</a:t>
+            </a:r>
+          </a:p>
+          <a:p>
+            <a:pPr marL="285750" indent="-285750">
+              <a:lnSpc>
+                <a:spcPct val="150000"/>
+              </a:lnSpc>
+              <a:buFont typeface="Arial" panose="020B0604020202020204" pitchFamily="34" charset="0"/>
+              <a:buChar char="•"/>
+            </a:pPr>
+            <a:r>
+              <a:rPr lang="pt-BR" sz="2000" dirty="0"/>
+              <a:t>Pouco tempo para dormir;</a:t>
+            </a:r>
+            <a:endParaRPr lang="en-US" sz="2000" dirty="0"/>
+          </a:p>
+        </p:txBody>
+      </p:sp>
+      <p:sp>
+        <p:nvSpPr>
+          <p:cNvPr id="12" name="CaixaDeTexto 11">
+            <a:extLst>
+              <a:ext uri="{FF2B5EF4-FFF2-40B4-BE49-F238E27FC236}">
+                <a16:creationId xmlns:a16="http://schemas.microsoft.com/office/drawing/2014/main" id="{06FA5E3B-E0C8-42D1-89B6-2E0C6EFAD7A6}"/>
+              </a:ext>
+            </a:extLst>
+          </p:cNvPr>
+          <p:cNvSpPr txBox="1"/>
+          <p:nvPr/>
+        </p:nvSpPr>
+        <p:spPr>
+          <a:xfrm>
+            <a:off x="6623724" y="4442586"/>
+            <a:ext cx="4434190" cy="967957"/>
+          </a:xfrm>
+          <a:prstGeom prst="rect">
+            <a:avLst/>
+          </a:prstGeom>
+          <a:noFill/>
+        </p:spPr>
+        <p:txBody>
+          <a:bodyPr wrap="square" rtlCol="0">
+            <a:spAutoFit/>
+          </a:bodyPr>
+          <a:lstStyle/>
+          <a:p>
+            <a:pPr marL="285750" indent="-285750">
+              <a:lnSpc>
+                <a:spcPct val="150000"/>
+              </a:lnSpc>
+              <a:buFont typeface="Arial" panose="020B0604020202020204" pitchFamily="34" charset="0"/>
+              <a:buChar char="•"/>
+            </a:pPr>
+            <a:r>
+              <a:rPr lang="pt-BR" sz="2000" dirty="0"/>
+              <a:t>Downtime frequente no servidor local;</a:t>
+            </a:r>
+            <a:endParaRPr lang="en-US" sz="2000" dirty="0"/>
+          </a:p>
+        </p:txBody>
+      </p:sp>
+      <p:pic>
+        <p:nvPicPr>
+          <p:cNvPr id="15" name="Imagem 14" descr="Uma imagem contendo interior, teto, pessoa, homem&#10;&#10;Descrição gerada automaticamente">
+            <a:extLst>
+              <a:ext uri="{FF2B5EF4-FFF2-40B4-BE49-F238E27FC236}">
+                <a16:creationId xmlns:a16="http://schemas.microsoft.com/office/drawing/2014/main" id="{04D7F9CB-EA11-4B4D-940C-685A10FAE27B}"/>
+              </a:ext>
+            </a:extLst>
+          </p:cNvPr>
+          <p:cNvPicPr>
+            <a:picLocks noChangeAspect="1"/>
+          </p:cNvPicPr>
+          <p:nvPr/>
+        </p:nvPicPr>
+        <p:blipFill rotWithShape="1">
+          <a:blip r:embed="rId2">
+            <a:extLst>
+              <a:ext uri="{28A0092B-C50C-407E-A947-70E740481C1C}">
+                <a14:useLocalDpi xmlns:a14="http://schemas.microsoft.com/office/drawing/2010/main" val="0"/>
+              </a:ext>
+            </a:extLst>
+          </a:blip>
+          <a:srcRect l="41808" t="11536" b="3567"/>
+          <a:stretch/>
+        </p:blipFill>
+        <p:spPr>
+          <a:xfrm>
+            <a:off x="1604602" y="762287"/>
+            <a:ext cx="3018772" cy="3044371"/>
+          </a:xfrm>
+          <a:prstGeom prst="rect">
+            <a:avLst/>
+          </a:prstGeom>
+        </p:spPr>
+      </p:pic>
+    </p:spTree>
+    <p:extLst>
+      <p:ext uri="{BB962C8B-B14F-4D97-AF65-F5344CB8AC3E}">
+        <p14:creationId xmlns:p14="http://schemas.microsoft.com/office/powerpoint/2010/main" val="2460228641"/>
+      </p:ext>
+    </p:extLst>
+  </p:cSld>
+  <p:clrMapOvr>
+    <a:masterClrMapping/>
+  </p:clrMapOvr>
+</p:sld>
+</file>
+
+<file path=ppt/slides/slide6.xml><?xml version="1.0" encoding="utf-8"?>
+<p:sld xmlns:a="http://schemas.openxmlformats.org/drawingml/2006/main" xmlns:r="http://schemas.openxmlformats.org/officeDocument/2006/relationships" xmlns:p="http://schemas.openxmlformats.org/presentationml/2006/main">
+  <p:cSld>
+    <p:spTree>
+      <p:nvGrpSpPr>
+        <p:cNvPr id="1" name=""/>
+        <p:cNvGrpSpPr/>
+        <p:nvPr/>
+      </p:nvGrpSpPr>
+      <p:grpSpPr>
+        <a:xfrm>
+          <a:off x="0" y="0"/>
+          <a:ext cx="0" cy="0"/>
+          <a:chOff x="0" y="0"/>
+          <a:chExt cx="0" cy="0"/>
+        </a:xfrm>
+      </p:grpSpPr>
       <p:sp>
         <p:nvSpPr>
           <p:cNvPr id="2" name="Título 1">
             <a:extLst>
               <a:ext uri="{FF2B5EF4-FFF2-40B4-BE49-F238E27FC236}">
-                <a16:creationId xmlns:a16="http://schemas.microsoft.com/office/drawing/2014/main" id="{A224B14B-1C9D-4CF5-AF3F-56687C481A97}"/>
+                <a16:creationId xmlns:a16="http://schemas.microsoft.com/office/drawing/2014/main" id="{E91F742F-6B1B-4B2B-A27B-D38D7FA1D1E3}"/>
               </a:ext>
             </a:extLst>
           </p:cNvPr>
@@ -3956,39 +7709,396 @@
             <p:ph type="title"/>
           </p:nvPr>
         </p:nvSpPr>
-        <p:spPr/>
+        <p:spPr>
+          <a:xfrm>
+            <a:off x="743857" y="0"/>
+            <a:ext cx="10131425" cy="580571"/>
+          </a:xfrm>
+        </p:spPr>
         <p:txBody>
           <a:bodyPr>
-            <a:normAutofit fontScale="90000"/>
+            <a:noAutofit/>
           </a:bodyPr>
           <a:lstStyle/>
           <a:p>
-            <a:r>
-              <a:rPr lang="pt-BR" sz="4900" dirty="0">
+            <a:pPr algn="ctr"/>
+            <a:r>
+              <a:rPr lang="pt-BR" dirty="0">
                 <a:latin typeface="Microsoft Sans Serif" panose="020B0604020202020204" pitchFamily="34" charset="0"/>
                 <a:ea typeface="Microsoft Sans Serif" panose="020B0604020202020204" pitchFamily="34" charset="0"/>
                 <a:cs typeface="Microsoft Sans Serif" panose="020B0604020202020204" pitchFamily="34" charset="0"/>
               </a:rPr>
-              <a:t>Requisitos de sistema – Planilha / DER</a:t>
-            </a:r>
+              <a:t>Requisitos de negócio - </a:t>
+            </a:r>
+            <a:r>
+              <a:rPr lang="pt-BR" dirty="0" err="1">
+                <a:latin typeface="Microsoft Sans Serif" panose="020B0604020202020204" pitchFamily="34" charset="0"/>
+                <a:ea typeface="Microsoft Sans Serif" panose="020B0604020202020204" pitchFamily="34" charset="0"/>
+                <a:cs typeface="Microsoft Sans Serif" panose="020B0604020202020204" pitchFamily="34" charset="0"/>
+              </a:rPr>
+              <a:t>Canvas</a:t>
+            </a:r>
+            <a:endParaRPr lang="pt-BR" dirty="0">
+              <a:latin typeface="Microsoft Sans Serif" panose="020B0604020202020204" pitchFamily="34" charset="0"/>
+              <a:ea typeface="Microsoft Sans Serif" panose="020B0604020202020204" pitchFamily="34" charset="0"/>
+              <a:cs typeface="Microsoft Sans Serif" panose="020B0604020202020204" pitchFamily="34" charset="0"/>
+            </a:endParaRPr>
           </a:p>
         </p:txBody>
       </p:sp>
       <p:pic>
         <p:nvPicPr>
-          <p:cNvPr id="5" name="Espaço Reservado para Conteúdo 4" descr="Uma imagem contendo mapa, captura de tela&#10;&#10;Descrição gerada automaticamente">
+          <p:cNvPr id="3" name="Imagem 2">
             <a:extLst>
               <a:ext uri="{FF2B5EF4-FFF2-40B4-BE49-F238E27FC236}">
-                <a16:creationId xmlns:a16="http://schemas.microsoft.com/office/drawing/2014/main" id="{A3B26D66-4500-432B-9F8C-8D666BB9B588}"/>
+                <a16:creationId xmlns:a16="http://schemas.microsoft.com/office/drawing/2014/main" id="{E0B259B7-B435-4A98-8B1A-09CA99DBB10E}"/>
               </a:ext>
             </a:extLst>
           </p:cNvPr>
           <p:cNvPicPr>
-            <a:picLocks noGrp="1" noChangeAspect="1"/>
+            <a:picLocks noChangeAspect="1"/>
           </p:cNvPicPr>
-          <p:nvPr>
-            <p:ph idx="1"/>
-          </p:nvPr>
+          <p:nvPr/>
+        </p:nvPicPr>
+        <p:blipFill>
+          <a:blip r:embed="rId2"/>
+          <a:stretch>
+            <a:fillRect/>
+          </a:stretch>
+        </p:blipFill>
+        <p:spPr>
+          <a:xfrm>
+            <a:off x="106017" y="580571"/>
+            <a:ext cx="11979965" cy="6166153"/>
+          </a:xfrm>
+          <a:prstGeom prst="rect">
+            <a:avLst/>
+          </a:prstGeom>
+        </p:spPr>
+      </p:pic>
+    </p:spTree>
+    <p:extLst>
+      <p:ext uri="{BB962C8B-B14F-4D97-AF65-F5344CB8AC3E}">
+        <p14:creationId xmlns:p14="http://schemas.microsoft.com/office/powerpoint/2010/main" val="1316166801"/>
+      </p:ext>
+    </p:extLst>
+  </p:cSld>
+  <p:clrMapOvr>
+    <a:masterClrMapping/>
+  </p:clrMapOvr>
+</p:sld>
+</file>
+
+<file path=ppt/slides/slide7.xml><?xml version="1.0" encoding="utf-8"?>
+<p:sld xmlns:a="http://schemas.openxmlformats.org/drawingml/2006/main" xmlns:r="http://schemas.openxmlformats.org/officeDocument/2006/relationships" xmlns:p="http://schemas.openxmlformats.org/presentationml/2006/main">
+  <p:cSld>
+    <p:spTree>
+      <p:nvGrpSpPr>
+        <p:cNvPr id="1" name=""/>
+        <p:cNvGrpSpPr/>
+        <p:nvPr/>
+      </p:nvGrpSpPr>
+      <p:grpSpPr>
+        <a:xfrm>
+          <a:off x="0" y="0"/>
+          <a:ext cx="0" cy="0"/>
+          <a:chOff x="0" y="0"/>
+          <a:chExt cx="0" cy="0"/>
+        </a:xfrm>
+      </p:grpSpPr>
+      <p:sp>
+        <p:nvSpPr>
+          <p:cNvPr id="2" name="Título 1">
+            <a:extLst>
+              <a:ext uri="{FF2B5EF4-FFF2-40B4-BE49-F238E27FC236}">
+                <a16:creationId xmlns:a16="http://schemas.microsoft.com/office/drawing/2014/main" id="{EEB19E23-1CD1-4429-B663-92B9D2B8532C}"/>
+              </a:ext>
+            </a:extLst>
+          </p:cNvPr>
+          <p:cNvSpPr>
+            <a:spLocks noGrp="1"/>
+          </p:cNvSpPr>
+          <p:nvPr>
+            <p:ph type="title"/>
+          </p:nvPr>
+        </p:nvSpPr>
+        <p:spPr>
+          <a:xfrm>
+            <a:off x="0" y="1"/>
+            <a:ext cx="12192000" cy="1855304"/>
+          </a:xfrm>
+        </p:spPr>
+        <p:txBody>
+          <a:bodyPr>
+            <a:normAutofit fontScale="90000"/>
+          </a:bodyPr>
+          <a:lstStyle/>
+          <a:p>
+            <a:pPr algn="ctr"/>
+            <a:r>
+              <a:rPr lang="pt-BR" sz="6000" dirty="0">
+                <a:latin typeface="Microsoft Sans Serif" panose="020B0604020202020204" pitchFamily="34" charset="0"/>
+                <a:ea typeface="Microsoft Sans Serif" panose="020B0604020202020204" pitchFamily="34" charset="0"/>
+                <a:cs typeface="Microsoft Sans Serif" panose="020B0604020202020204" pitchFamily="34" charset="0"/>
+              </a:rPr>
+              <a:t>Requisitos de usuário –</a:t>
+            </a:r>
+            <a:r>
+              <a:rPr lang="pt-BR" sz="6000" dirty="0" err="1">
+                <a:latin typeface="Microsoft Sans Serif" panose="020B0604020202020204" pitchFamily="34" charset="0"/>
+                <a:ea typeface="Microsoft Sans Serif" panose="020B0604020202020204" pitchFamily="34" charset="0"/>
+                <a:cs typeface="Microsoft Sans Serif" panose="020B0604020202020204" pitchFamily="34" charset="0"/>
+              </a:rPr>
+              <a:t>UserStories</a:t>
+            </a:r>
+            <a:endParaRPr lang="pt-BR" sz="6000" dirty="0">
+              <a:latin typeface="Microsoft Sans Serif" panose="020B0604020202020204" pitchFamily="34" charset="0"/>
+              <a:ea typeface="Microsoft Sans Serif" panose="020B0604020202020204" pitchFamily="34" charset="0"/>
+              <a:cs typeface="Microsoft Sans Serif" panose="020B0604020202020204" pitchFamily="34" charset="0"/>
+            </a:endParaRPr>
+          </a:p>
+        </p:txBody>
+      </p:sp>
+      <p:sp>
+        <p:nvSpPr>
+          <p:cNvPr id="3" name="CaixaDeTexto 2">
+            <a:extLst>
+              <a:ext uri="{FF2B5EF4-FFF2-40B4-BE49-F238E27FC236}">
+                <a16:creationId xmlns:a16="http://schemas.microsoft.com/office/drawing/2014/main" id="{9FC3FBEC-D570-4BC1-B14A-5C9E9F9B2FEF}"/>
+              </a:ext>
+            </a:extLst>
+          </p:cNvPr>
+          <p:cNvSpPr txBox="1"/>
+          <p:nvPr/>
+        </p:nvSpPr>
+        <p:spPr>
+          <a:xfrm>
+            <a:off x="0" y="1855305"/>
+            <a:ext cx="12192000" cy="5293757"/>
+          </a:xfrm>
+          <a:prstGeom prst="rect">
+            <a:avLst/>
+          </a:prstGeom>
+          <a:noFill/>
+        </p:spPr>
+        <p:txBody>
+          <a:bodyPr wrap="square" rtlCol="0">
+            <a:spAutoFit/>
+          </a:bodyPr>
+          <a:lstStyle/>
+          <a:p>
+            <a:r>
+              <a:rPr lang="pt-BR" sz="2800" dirty="0">
+                <a:latin typeface="Arial" panose="020B0604020202020204" pitchFamily="34" charset="0"/>
+                <a:cs typeface="Arial" panose="020B0604020202020204" pitchFamily="34" charset="0"/>
+              </a:rPr>
+              <a:t>Gestor </a:t>
+            </a:r>
+            <a:r>
+              <a:rPr lang="pt-BR" sz="2800" dirty="0" err="1">
+                <a:latin typeface="Arial" panose="020B0604020202020204" pitchFamily="34" charset="0"/>
+                <a:cs typeface="Arial" panose="020B0604020202020204" pitchFamily="34" charset="0"/>
+              </a:rPr>
+              <a:t>Noc</a:t>
+            </a:r>
+            <a:endParaRPr lang="pt-BR" sz="2800" dirty="0">
+              <a:latin typeface="Arial" panose="020B0604020202020204" pitchFamily="34" charset="0"/>
+              <a:cs typeface="Arial" panose="020B0604020202020204" pitchFamily="34" charset="0"/>
+            </a:endParaRPr>
+          </a:p>
+          <a:p>
+            <a:endParaRPr lang="pt-BR" sz="2800" dirty="0">
+              <a:latin typeface="Arial" panose="020B0604020202020204" pitchFamily="34" charset="0"/>
+              <a:cs typeface="Arial" panose="020B0604020202020204" pitchFamily="34" charset="0"/>
+            </a:endParaRPr>
+          </a:p>
+          <a:p>
+            <a:pPr marL="342900" indent="-342900">
+              <a:buFont typeface="Arial" panose="020B0604020202020204" pitchFamily="34" charset="0"/>
+              <a:buChar char="•"/>
+            </a:pPr>
+            <a:r>
+              <a:rPr lang="pt-BR" sz="2000" dirty="0">
+                <a:latin typeface="Arial" panose="020B0604020202020204" pitchFamily="34" charset="0"/>
+                <a:cs typeface="Arial" panose="020B0604020202020204" pitchFamily="34" charset="0"/>
+              </a:rPr>
+              <a:t>Eu como gestor do </a:t>
+            </a:r>
+            <a:r>
+              <a:rPr lang="pt-BR" sz="2000" dirty="0" err="1">
+                <a:latin typeface="Arial" panose="020B0604020202020204" pitchFamily="34" charset="0"/>
+                <a:cs typeface="Arial" panose="020B0604020202020204" pitchFamily="34" charset="0"/>
+              </a:rPr>
+              <a:t>noc</a:t>
+            </a:r>
+            <a:r>
+              <a:rPr lang="pt-BR" sz="2000" dirty="0">
+                <a:latin typeface="Arial" panose="020B0604020202020204" pitchFamily="34" charset="0"/>
+                <a:cs typeface="Arial" panose="020B0604020202020204" pitchFamily="34" charset="0"/>
+              </a:rPr>
+              <a:t> devo receber relatórios diários para melhor controle do monitoramento.</a:t>
+            </a:r>
+          </a:p>
+          <a:p>
+            <a:pPr marL="342900" indent="-342900">
+              <a:buFont typeface="Arial" panose="020B0604020202020204" pitchFamily="34" charset="0"/>
+              <a:buChar char="•"/>
+            </a:pPr>
+            <a:r>
+              <a:rPr lang="pt-BR" sz="2000" dirty="0">
+                <a:latin typeface="Arial" panose="020B0604020202020204" pitchFamily="34" charset="0"/>
+                <a:cs typeface="Arial" panose="020B0604020202020204" pitchFamily="34" charset="0"/>
+              </a:rPr>
+              <a:t>Eu como gestor gostaria de envio de alertas com soluções de erros conhecidos, para uma resolução rápida e prática.</a:t>
+            </a:r>
+          </a:p>
+          <a:p>
+            <a:pPr marL="342900" indent="-342900">
+              <a:buFont typeface="Arial" panose="020B0604020202020204" pitchFamily="34" charset="0"/>
+              <a:buChar char="•"/>
+            </a:pPr>
+            <a:r>
+              <a:rPr lang="pt-BR" sz="2000" dirty="0">
+                <a:latin typeface="Arial" panose="020B0604020202020204" pitchFamily="34" charset="0"/>
+                <a:cs typeface="Arial" panose="020B0604020202020204" pitchFamily="34" charset="0"/>
+              </a:rPr>
+              <a:t>Eu como gestor quero um software proativo com melhorias de processos para atender o SLA no prazo estipulado.</a:t>
+            </a:r>
+          </a:p>
+          <a:p>
+            <a:endParaRPr lang="pt-BR" sz="2800" dirty="0">
+              <a:latin typeface="Arial" panose="020B0604020202020204" pitchFamily="34" charset="0"/>
+              <a:cs typeface="Arial" panose="020B0604020202020204" pitchFamily="34" charset="0"/>
+            </a:endParaRPr>
+          </a:p>
+          <a:p>
+            <a:r>
+              <a:rPr lang="pt-BR" sz="2800" dirty="0">
+                <a:latin typeface="Arial" panose="020B0604020202020204" pitchFamily="34" charset="0"/>
+                <a:cs typeface="Arial" panose="020B0604020202020204" pitchFamily="34" charset="0"/>
+              </a:rPr>
+              <a:t>Funcionário do </a:t>
+            </a:r>
+            <a:r>
+              <a:rPr lang="pt-BR" sz="2800" dirty="0" err="1">
+                <a:latin typeface="Arial" panose="020B0604020202020204" pitchFamily="34" charset="0"/>
+                <a:cs typeface="Arial" panose="020B0604020202020204" pitchFamily="34" charset="0"/>
+              </a:rPr>
+              <a:t>Noc</a:t>
+            </a:r>
+            <a:endParaRPr lang="pt-BR" sz="2800" dirty="0">
+              <a:latin typeface="Arial" panose="020B0604020202020204" pitchFamily="34" charset="0"/>
+              <a:cs typeface="Arial" panose="020B0604020202020204" pitchFamily="34" charset="0"/>
+            </a:endParaRPr>
+          </a:p>
+          <a:p>
+            <a:endParaRPr lang="pt-BR" sz="2800" dirty="0">
+              <a:latin typeface="Arial" panose="020B0604020202020204" pitchFamily="34" charset="0"/>
+              <a:cs typeface="Arial" panose="020B0604020202020204" pitchFamily="34" charset="0"/>
+            </a:endParaRPr>
+          </a:p>
+          <a:p>
+            <a:pPr marL="342900" indent="-342900">
+              <a:buFont typeface="Arial" panose="020B0604020202020204" pitchFamily="34" charset="0"/>
+              <a:buChar char="•"/>
+            </a:pPr>
+            <a:r>
+              <a:rPr lang="pt-BR" sz="2000" dirty="0">
+                <a:latin typeface="Arial" panose="020B0604020202020204" pitchFamily="34" charset="0"/>
+                <a:cs typeface="Arial" panose="020B0604020202020204" pitchFamily="34" charset="0"/>
+              </a:rPr>
+              <a:t>Eu como funcionário do </a:t>
+            </a:r>
+            <a:r>
+              <a:rPr lang="pt-BR" sz="2000" dirty="0" err="1">
+                <a:latin typeface="Arial" panose="020B0604020202020204" pitchFamily="34" charset="0"/>
+                <a:cs typeface="Arial" panose="020B0604020202020204" pitchFamily="34" charset="0"/>
+              </a:rPr>
+              <a:t>Noc</a:t>
+            </a:r>
+            <a:r>
+              <a:rPr lang="pt-BR" sz="2000" dirty="0">
+                <a:latin typeface="Arial" panose="020B0604020202020204" pitchFamily="34" charset="0"/>
+                <a:cs typeface="Arial" panose="020B0604020202020204" pitchFamily="34" charset="0"/>
+              </a:rPr>
+              <a:t>, gostaria de um sistema com uma interface limpa para melhor visualização e entendimento.</a:t>
+            </a:r>
+          </a:p>
+          <a:p>
+            <a:pPr marL="342900" indent="-342900">
+              <a:buFont typeface="Arial" panose="020B0604020202020204" pitchFamily="34" charset="0"/>
+              <a:buChar char="•"/>
+            </a:pPr>
+            <a:r>
+              <a:rPr lang="pt-BR" sz="2000" dirty="0">
+                <a:latin typeface="Arial" panose="020B0604020202020204" pitchFamily="34" charset="0"/>
+                <a:cs typeface="Arial" panose="020B0604020202020204" pitchFamily="34" charset="0"/>
+              </a:rPr>
+              <a:t>Eu como funcionário do </a:t>
+            </a:r>
+            <a:r>
+              <a:rPr lang="pt-BR" sz="2000" dirty="0" err="1">
+                <a:latin typeface="Arial" panose="020B0604020202020204" pitchFamily="34" charset="0"/>
+                <a:cs typeface="Arial" panose="020B0604020202020204" pitchFamily="34" charset="0"/>
+              </a:rPr>
+              <a:t>Noc</a:t>
+            </a:r>
+            <a:r>
+              <a:rPr lang="pt-BR" sz="2000" dirty="0">
+                <a:latin typeface="Arial" panose="020B0604020202020204" pitchFamily="34" charset="0"/>
+                <a:cs typeface="Arial" panose="020B0604020202020204" pitchFamily="34" charset="0"/>
+              </a:rPr>
+              <a:t> preciso de gráficos em tempo real para melhor visualização dos itens monitorados.</a:t>
+            </a:r>
+          </a:p>
+          <a:p>
+            <a:endParaRPr lang="pt-BR" dirty="0"/>
+          </a:p>
+        </p:txBody>
+      </p:sp>
+    </p:spTree>
+    <p:extLst>
+      <p:ext uri="{BB962C8B-B14F-4D97-AF65-F5344CB8AC3E}">
+        <p14:creationId xmlns:p14="http://schemas.microsoft.com/office/powerpoint/2010/main" val="1521063727"/>
+      </p:ext>
+    </p:extLst>
+  </p:cSld>
+  <p:clrMapOvr>
+    <a:masterClrMapping/>
+  </p:clrMapOvr>
+</p:sld>
+</file>
+
+<file path=ppt/slides/slide8.xml><?xml version="1.0" encoding="utf-8"?>
+<p:sld xmlns:a="http://schemas.openxmlformats.org/drawingml/2006/main" xmlns:r="http://schemas.openxmlformats.org/officeDocument/2006/relationships" xmlns:p="http://schemas.openxmlformats.org/presentationml/2006/main">
+  <p:cSld>
+    <p:spTree>
+      <p:nvGrpSpPr>
+        <p:cNvPr id="1" name=""/>
+        <p:cNvGrpSpPr/>
+        <p:nvPr/>
+      </p:nvGrpSpPr>
+      <p:grpSpPr>
+        <a:xfrm>
+          <a:off x="0" y="0"/>
+          <a:ext cx="0" cy="0"/>
+          <a:chOff x="0" y="0"/>
+          <a:chExt cx="0" cy="0"/>
+        </a:xfrm>
+      </p:grpSpPr>
+      <p:pic>
+        <p:nvPicPr>
+          <p:cNvPr id="9" name="Imagem 8">
+            <a:extLst>
+              <a:ext uri="{FF2B5EF4-FFF2-40B4-BE49-F238E27FC236}">
+                <a16:creationId xmlns:a16="http://schemas.microsoft.com/office/drawing/2014/main" id="{131FBE4D-EC1B-4D72-8CE5-6FCF1095288E}"/>
+              </a:ext>
+            </a:extLst>
+          </p:cNvPr>
+          <p:cNvPicPr>
+            <a:picLocks noChangeAspect="1"/>
+          </p:cNvPicPr>
+          <p:nvPr/>
         </p:nvPicPr>
         <p:blipFill>
           <a:blip r:embed="rId2">
@@ -4004,8 +8114,158 @@
         </p:blipFill>
         <p:spPr>
           <a:xfrm>
-            <a:off x="1026753" y="1399141"/>
-            <a:ext cx="9190673" cy="5187160"/>
+            <a:off x="0" y="1175656"/>
+            <a:ext cx="12192000" cy="5682343"/>
+          </a:xfrm>
+          <a:prstGeom prst="rect">
+            <a:avLst/>
+          </a:prstGeom>
+        </p:spPr>
+      </p:pic>
+      <p:sp>
+        <p:nvSpPr>
+          <p:cNvPr id="11" name="CaixaDeTexto 10">
+            <a:extLst>
+              <a:ext uri="{FF2B5EF4-FFF2-40B4-BE49-F238E27FC236}">
+                <a16:creationId xmlns:a16="http://schemas.microsoft.com/office/drawing/2014/main" id="{9E4E36FA-94F8-4A0C-8D97-A3CB4E9FA318}"/>
+              </a:ext>
+            </a:extLst>
+          </p:cNvPr>
+          <p:cNvSpPr txBox="1"/>
+          <p:nvPr/>
+        </p:nvSpPr>
+        <p:spPr>
+          <a:xfrm>
+            <a:off x="26504" y="0"/>
+            <a:ext cx="12192000" cy="1200329"/>
+          </a:xfrm>
+          <a:prstGeom prst="rect">
+            <a:avLst/>
+          </a:prstGeom>
+          <a:noFill/>
+        </p:spPr>
+        <p:txBody>
+          <a:bodyPr wrap="square" rtlCol="0">
+            <a:spAutoFit/>
+          </a:bodyPr>
+          <a:lstStyle/>
+          <a:p>
+            <a:pPr algn="ctr"/>
+            <a:r>
+              <a:rPr lang="pt-BR" sz="7200" dirty="0" err="1">
+                <a:latin typeface="Arial" panose="020B0604020202020204" pitchFamily="34" charset="0"/>
+                <a:cs typeface="Arial" panose="020B0604020202020204" pitchFamily="34" charset="0"/>
+              </a:rPr>
+              <a:t>StoryBoard</a:t>
+            </a:r>
+            <a:endParaRPr lang="pt-BR" dirty="0">
+              <a:latin typeface="Arial" panose="020B0604020202020204" pitchFamily="34" charset="0"/>
+              <a:cs typeface="Arial" panose="020B0604020202020204" pitchFamily="34" charset="0"/>
+            </a:endParaRPr>
+          </a:p>
+        </p:txBody>
+      </p:sp>
+    </p:spTree>
+    <p:extLst>
+      <p:ext uri="{BB962C8B-B14F-4D97-AF65-F5344CB8AC3E}">
+        <p14:creationId xmlns:p14="http://schemas.microsoft.com/office/powerpoint/2010/main" val="2758948270"/>
+      </p:ext>
+    </p:extLst>
+  </p:cSld>
+  <p:clrMapOvr>
+    <a:masterClrMapping/>
+  </p:clrMapOvr>
+</p:sld>
+</file>
+
+<file path=ppt/slides/slide9.xml><?xml version="1.0" encoding="utf-8"?>
+<p:sld xmlns:a="http://schemas.openxmlformats.org/drawingml/2006/main" xmlns:r="http://schemas.openxmlformats.org/officeDocument/2006/relationships" xmlns:p="http://schemas.openxmlformats.org/presentationml/2006/main">
+  <p:cSld>
+    <p:spTree>
+      <p:nvGrpSpPr>
+        <p:cNvPr id="1" name=""/>
+        <p:cNvGrpSpPr/>
+        <p:nvPr/>
+      </p:nvGrpSpPr>
+      <p:grpSpPr>
+        <a:xfrm>
+          <a:off x="0" y="0"/>
+          <a:ext cx="0" cy="0"/>
+          <a:chOff x="0" y="0"/>
+          <a:chExt cx="0" cy="0"/>
+        </a:xfrm>
+      </p:grpSpPr>
+      <p:sp>
+        <p:nvSpPr>
+          <p:cNvPr id="2" name="Título 1">
+            <a:extLst>
+              <a:ext uri="{FF2B5EF4-FFF2-40B4-BE49-F238E27FC236}">
+                <a16:creationId xmlns:a16="http://schemas.microsoft.com/office/drawing/2014/main" id="{A224B14B-1C9D-4CF5-AF3F-56687C481A97}"/>
+              </a:ext>
+            </a:extLst>
+          </p:cNvPr>
+          <p:cNvSpPr>
+            <a:spLocks noGrp="1"/>
+          </p:cNvSpPr>
+          <p:nvPr>
+            <p:ph type="title"/>
+          </p:nvPr>
+        </p:nvSpPr>
+        <p:spPr>
+          <a:xfrm>
+            <a:off x="1171161" y="46412"/>
+            <a:ext cx="9849677" cy="742122"/>
+          </a:xfrm>
+        </p:spPr>
+        <p:txBody>
+          <a:bodyPr>
+            <a:normAutofit/>
+          </a:bodyPr>
+          <a:lstStyle/>
+          <a:p>
+            <a:r>
+              <a:rPr lang="pt-BR" dirty="0">
+                <a:latin typeface="Microsoft Sans Serif" panose="020B0604020202020204" pitchFamily="34" charset="0"/>
+                <a:ea typeface="Microsoft Sans Serif" panose="020B0604020202020204" pitchFamily="34" charset="0"/>
+                <a:cs typeface="Microsoft Sans Serif" panose="020B0604020202020204" pitchFamily="34" charset="0"/>
+              </a:rPr>
+              <a:t>Requisitos de sistema – Planilha / DER</a:t>
+            </a:r>
+          </a:p>
+        </p:txBody>
+      </p:sp>
+      <p:pic>
+        <p:nvPicPr>
+          <p:cNvPr id="5" name="Espaço Reservado para Conteúdo 4" descr="Uma imagem contendo mapa, captura de tela&#10;&#10;Descrição gerada automaticamente">
+            <a:extLst>
+              <a:ext uri="{FF2B5EF4-FFF2-40B4-BE49-F238E27FC236}">
+                <a16:creationId xmlns:a16="http://schemas.microsoft.com/office/drawing/2014/main" id="{A3B26D66-4500-432B-9F8C-8D666BB9B588}"/>
+              </a:ext>
+            </a:extLst>
+          </p:cNvPr>
+          <p:cNvPicPr>
+            <a:picLocks noGrp="1" noChangeAspect="1"/>
+          </p:cNvPicPr>
+          <p:nvPr>
+            <p:ph idx="1"/>
+          </p:nvPr>
+        </p:nvPicPr>
+        <p:blipFill>
+          <a:blip r:embed="rId2">
+            <a:extLst>
+              <a:ext uri="{28A0092B-C50C-407E-A947-70E740481C1C}">
+                <a14:useLocalDpi xmlns:a14="http://schemas.microsoft.com/office/drawing/2010/main" val="0"/>
+              </a:ext>
+            </a:extLst>
+          </a:blip>
+          <a:stretch>
+            <a:fillRect/>
+          </a:stretch>
+        </p:blipFill>
+        <p:spPr>
+          <a:xfrm>
+            <a:off x="865774" y="788534"/>
+            <a:ext cx="10460449" cy="5903814"/>
           </a:xfrm>
         </p:spPr>
       </p:pic>
@@ -4023,9 +8283,9 @@
 </file>
 
 <file path=ppt/theme/theme1.xml><?xml version="1.0" encoding="utf-8"?>
-<a:theme xmlns:a="http://schemas.openxmlformats.org/drawingml/2006/main" name="Tema do Office">
+<a:theme xmlns:a="http://schemas.openxmlformats.org/drawingml/2006/main" name="Celestial">
   <a:themeElements>
-    <a:clrScheme name="Office">
+    <a:clrScheme name="Celestial">
       <a:dk1>
         <a:sysClr val="windowText" lastClr="000000"/>
       </a:dk1>
@@ -4033,44 +8293,44 @@
         <a:sysClr val="window" lastClr="FFFFFF"/>
       </a:lt1>
       <a:dk2>
-        <a:srgbClr val="44546A"/>
+        <a:srgbClr val="18276C"/>
       </a:dk2>
       <a:lt2>
-        <a:srgbClr val="E7E6E6"/>
+        <a:srgbClr val="EBEBEB"/>
       </a:lt2>
       <a:accent1>
-        <a:srgbClr val="4472C4"/>
+        <a:srgbClr val="AC3EC1"/>
       </a:accent1>
       <a:accent2>
-        <a:srgbClr val="ED7D31"/>
+        <a:srgbClr val="477BD1"/>
       </a:accent2>
       <a:accent3>
-        <a:srgbClr val="A5A5A5"/>
+        <a:srgbClr val="46B298"/>
       </a:accent3>
       <a:accent4>
-        <a:srgbClr val="FFC000"/>
+        <a:srgbClr val="90BA4C"/>
       </a:accent4>
       <a:accent5>
-        <a:srgbClr val="5B9BD5"/>
+        <a:srgbClr val="DD9D31"/>
       </a:accent5>
       <a:accent6>
-        <a:srgbClr val="70AD47"/>
+        <a:srgbClr val="E25247"/>
       </a:accent6>
       <a:hlink>
-        <a:srgbClr val="0563C1"/>
+        <a:srgbClr val="C573D2"/>
       </a:hlink>
       <a:folHlink>
-        <a:srgbClr val="954F72"/>
+        <a:srgbClr val="CCAEE8"/>
       </a:folHlink>
     </a:clrScheme>
-    <a:fontScheme name="Office">
+    <a:fontScheme name="Celestial">
       <a:majorFont>
         <a:latin typeface="Calibri Light" panose="020F0302020204030204"/>
         <a:ea typeface=""/>
         <a:cs typeface=""/>
-        <a:font script="Jpan" typeface="游ゴシック Light"/>
+        <a:font script="Jpan" typeface="ＭＳ Ｐゴシック"/>
         <a:font script="Hang" typeface="맑은 고딕"/>
-        <a:font script="Hans" typeface="等线 Light"/>
+        <a:font script="Hans" typeface="宋体"/>
         <a:font script="Hant" typeface="新細明體"/>
         <a:font script="Arab" typeface="Times New Roman"/>
         <a:font script="Hebr" typeface="Times New Roman"/>
@@ -4098,31 +8358,14 @@
         <a:font script="Viet" typeface="Times New Roman"/>
         <a:font script="Uigh" typeface="Microsoft Uighur"/>
         <a:font script="Geor" typeface="Sylfaen"/>
-        <a:font script="Armn" typeface="Arial"/>
-        <a:font script="Bugi" typeface="Leelawadee UI"/>
-        <a:font script="Bopo" typeface="Microsoft JhengHei"/>
-        <a:font script="Java" typeface="Javanese Text"/>
-        <a:font script="Lisu" typeface="Segoe UI"/>
-        <a:font script="Mymr" typeface="Myanmar Text"/>
-        <a:font script="Nkoo" typeface="Ebrima"/>
-        <a:font script="Olck" typeface="Nirmala UI"/>
-        <a:font script="Osma" typeface="Ebrima"/>
-        <a:font script="Phag" typeface="Phagspa"/>
-        <a:font script="Syrn" typeface="Estrangelo Edessa"/>
-        <a:font script="Syrj" typeface="Estrangelo Edessa"/>
-        <a:font script="Syre" typeface="Estrangelo Edessa"/>
-        <a:font script="Sora" typeface="Nirmala UI"/>
-        <a:font script="Tale" typeface="Microsoft Tai Le"/>
-        <a:font script="Talu" typeface="Microsoft New Tai Lue"/>
-        <a:font script="Tfng" typeface="Ebrima"/>
       </a:majorFont>
       <a:minorFont>
         <a:latin typeface="Calibri" panose="020F0502020204030204"/>
         <a:ea typeface=""/>
         <a:cs typeface=""/>
-        <a:font script="Jpan" typeface="游ゴシック"/>
+        <a:font script="Jpan" typeface="ＭＳ Ｐゴシック"/>
         <a:font script="Hang" typeface="맑은 고딕"/>
-        <a:font script="Hans" typeface="等线"/>
+        <a:font script="Hans" typeface="宋体"/>
         <a:font script="Hant" typeface="新細明體"/>
         <a:font script="Arab" typeface="Arial"/>
         <a:font script="Hebr" typeface="Arial"/>
@@ -4150,26 +8393,9 @@
         <a:font script="Viet" typeface="Arial"/>
         <a:font script="Uigh" typeface="Microsoft Uighur"/>
         <a:font script="Geor" typeface="Sylfaen"/>
-        <a:font script="Armn" typeface="Arial"/>
-        <a:font script="Bugi" typeface="Leelawadee UI"/>
-        <a:font script="Bopo" typeface="Microsoft JhengHei"/>
-        <a:font script="Java" typeface="Javanese Text"/>
-        <a:font script="Lisu" typeface="Segoe UI"/>
-        <a:font script="Mymr" typeface="Myanmar Text"/>
-        <a:font script="Nkoo" typeface="Ebrima"/>
-        <a:font script="Olck" typeface="Nirmala UI"/>
-        <a:font script="Osma" typeface="Ebrima"/>
-        <a:font script="Phag" typeface="Phagspa"/>
-        <a:font script="Syrn" typeface="Estrangelo Edessa"/>
-        <a:font script="Syrj" typeface="Estrangelo Edessa"/>
-        <a:font script="Syre" typeface="Estrangelo Edessa"/>
-        <a:font script="Sora" typeface="Nirmala UI"/>
-        <a:font script="Tale" typeface="Microsoft Tai Le"/>
-        <a:font script="Talu" typeface="Microsoft New Tai Lue"/>
-        <a:font script="Tfng" typeface="Ebrima"/>
       </a:minorFont>
     </a:fontScheme>
-    <a:fmtScheme name="Office">
+    <a:fmtScheme name="Celestial">
       <a:fillStyleLst>
         <a:solidFill>
           <a:schemeClr val="phClr"/>
@@ -4178,23 +8404,14 @@
           <a:gsLst>
             <a:gs pos="0">
               <a:schemeClr val="phClr">
+                <a:tint val="70000"/>
                 <a:lumMod val="110000"/>
-                <a:satMod val="105000"/>
-                <a:tint val="67000"/>
-              </a:schemeClr>
-            </a:gs>
-            <a:gs pos="50000">
-              <a:schemeClr val="phClr">
-                <a:lumMod val="105000"/>
-                <a:satMod val="103000"/>
-                <a:tint val="73000"/>
               </a:schemeClr>
             </a:gs>
             <a:gs pos="100000">
               <a:schemeClr val="phClr">
-                <a:lumMod val="105000"/>
-                <a:satMod val="109000"/>
-                <a:tint val="81000"/>
+                <a:tint val="82000"/>
+                <a:alpha val="74000"/>
               </a:schemeClr>
             </a:gs>
           </a:gsLst>
@@ -4204,50 +8421,38 @@
           <a:gsLst>
             <a:gs pos="0">
               <a:schemeClr val="phClr">
-                <a:satMod val="103000"/>
-                <a:lumMod val="102000"/>
-                <a:tint val="94000"/>
-              </a:schemeClr>
-            </a:gs>
-            <a:gs pos="50000">
-              <a:schemeClr val="phClr">
-                <a:satMod val="110000"/>
+                <a:tint val="98000"/>
                 <a:lumMod val="100000"/>
-                <a:shade val="100000"/>
               </a:schemeClr>
             </a:gs>
             <a:gs pos="100000">
               <a:schemeClr val="phClr">
-                <a:lumMod val="99000"/>
-                <a:satMod val="120000"/>
-                <a:shade val="78000"/>
+                <a:shade val="88000"/>
+                <a:lumMod val="88000"/>
               </a:schemeClr>
             </a:gs>
           </a:gsLst>
-          <a:lin ang="5400000" scaled="0"/>
+          <a:lin ang="5400000" scaled="1"/>
         </a:gradFill>
       </a:fillStyleLst>
       <a:lnStyleLst>
-        <a:ln w="6350" cap="flat" cmpd="sng" algn="ctr">
+        <a:ln w="9525" cap="rnd" cmpd="sng" algn="ctr">
           <a:solidFill>
             <a:schemeClr val="phClr"/>
           </a:solidFill>
           <a:prstDash val="solid"/>
-          <a:miter lim="800000"/>
         </a:ln>
-        <a:ln w="12700" cap="flat" cmpd="sng" algn="ctr">
+        <a:ln w="19050" cap="rnd" cmpd="sng" algn="ctr">
           <a:solidFill>
             <a:schemeClr val="phClr"/>
           </a:solidFill>
           <a:prstDash val="solid"/>
-          <a:miter lim="800000"/>
         </a:ln>
-        <a:ln w="19050" cap="flat" cmpd="sng" algn="ctr">
+        <a:ln w="25400" cap="rnd" cmpd="sng" algn="ctr">
           <a:solidFill>
             <a:schemeClr val="phClr"/>
           </a:solidFill>
           <a:prstDash val="solid"/>
-          <a:miter lim="800000"/>
         </a:ln>
       </a:lnStyleLst>
       <a:effectStyleLst>
@@ -4255,55 +8460,64 @@
           <a:effectLst/>
         </a:effectStyle>
         <a:effectStyle>
-          <a:effectLst/>
+          <a:effectLst>
+            <a:outerShdw blurRad="50800" dist="38100" dir="5400000" rotWithShape="0">
+              <a:srgbClr val="000000">
+                <a:alpha val="35000"/>
+              </a:srgbClr>
+            </a:outerShdw>
+          </a:effectLst>
         </a:effectStyle>
         <a:effectStyle>
           <a:effectLst>
-            <a:outerShdw blurRad="57150" dist="19050" dir="5400000" algn="ctr" rotWithShape="0">
+            <a:outerShdw blurRad="63500" dist="38100" dir="5400000" rotWithShape="0">
               <a:srgbClr val="000000">
-                <a:alpha val="63000"/>
+                <a:alpha val="65000"/>
               </a:srgbClr>
             </a:outerShdw>
           </a:effectLst>
+          <a:scene3d>
+            <a:camera prst="orthographicFront">
+              <a:rot lat="0" lon="0" rev="0"/>
+            </a:camera>
+            <a:lightRig rig="threePt" dir="tl">
+              <a:rot lat="0" lon="0" rev="1200000"/>
+            </a:lightRig>
+          </a:scene3d>
+          <a:sp3d>
+            <a:bevelT w="38100" h="12700"/>
+          </a:sp3d>
         </a:effectStyle>
       </a:effectStyleLst>
       <a:bgFillStyleLst>
         <a:solidFill>
           <a:schemeClr val="phClr"/>
         </a:solidFill>
-        <a:solidFill>
-          <a:schemeClr val="phClr">
-            <a:tint val="95000"/>
-            <a:satMod val="170000"/>
-          </a:schemeClr>
-        </a:solidFill>
         <a:gradFill rotWithShape="1">
           <a:gsLst>
             <a:gs pos="0">
               <a:schemeClr val="phClr">
-                <a:tint val="93000"/>
-                <a:satMod val="150000"/>
-                <a:shade val="98000"/>
-                <a:lumMod val="102000"/>
-              </a:schemeClr>
-            </a:gs>
-            <a:gs pos="50000">
-              <a:schemeClr val="phClr">
-                <a:tint val="98000"/>
-                <a:satMod val="130000"/>
-                <a:shade val="90000"/>
-                <a:lumMod val="103000"/>
+                <a:tint val="90000"/>
+                <a:shade val="96000"/>
+                <a:hueMod val="100000"/>
+                <a:satMod val="180000"/>
+                <a:lumMod val="110000"/>
               </a:schemeClr>
             </a:gs>
             <a:gs pos="100000">
               <a:schemeClr val="phClr">
-                <a:shade val="63000"/>
-                <a:satMod val="120000"/>
+                <a:shade val="96000"/>
+                <a:satMod val="160000"/>
+                <a:lumMod val="100000"/>
               </a:schemeClr>
             </a:gs>
           </a:gsLst>
-          <a:lin ang="5400000" scaled="0"/>
+          <a:lin ang="4740000" scaled="1"/>
         </a:gradFill>
+        <a:blipFill>
+          <a:blip xmlns:r="http://schemas.openxmlformats.org/officeDocument/2006/relationships" r:embed="rId1"/>
+          <a:stretch/>
+        </a:blipFill>
       </a:bgFillStyleLst>
     </a:fmtScheme>
   </a:themeElements>
@@ -4311,7 +8525,7 @@
   <a:extraClrSchemeLst/>
   <a:extLst>
     <a:ext uri="{05A4C25C-085E-4340-85A3-A5531E510DB2}">
-      <thm15:themeFamily xmlns:thm15="http://schemas.microsoft.com/office/thememl/2012/main" name="Office Theme" id="{62F939B6-93AF-4DB8-9C6B-D6C7DFDC589F}" vid="{4A3C46E8-61CC-4603-A589-7422A47A8E4A}"/>
+      <thm15:themeFamily xmlns:thm15="http://schemas.microsoft.com/office/thememl/2012/main" name="Celestial" id="{C4BB2A3D-0E93-4C5F-B0D2-9D3FCE089CC5}" vid="{42E5908D-19A2-46FD-89FA-638B126129EF}"/>
     </a:ext>
   </a:extLst>
 </a:theme>

--- a/Documentação/Projeto Monitoramento.pptx
+++ b/Documentação/Projeto Monitoramento.pptx
@@ -357,7 +357,7 @@
           <a:p>
             <a:fld id="{73F84220-E5C1-4CCC-8729-E034337E325F}" type="datetimeFigureOut">
               <a:rPr lang="pt-BR" smtClean="0"/>
-              <a:t>10/09/2019</a:t>
+              <a:t>12/09/2019</a:t>
             </a:fld>
             <a:endParaRPr lang="pt-BR"/>
           </a:p>
@@ -691,7 +691,7 @@
           <a:p>
             <a:fld id="{73F84220-E5C1-4CCC-8729-E034337E325F}" type="datetimeFigureOut">
               <a:rPr lang="pt-BR" smtClean="0"/>
-              <a:t>10/09/2019</a:t>
+              <a:t>12/09/2019</a:t>
             </a:fld>
             <a:endParaRPr lang="pt-BR"/>
           </a:p>
@@ -969,7 +969,7 @@
           <a:p>
             <a:fld id="{73F84220-E5C1-4CCC-8729-E034337E325F}" type="datetimeFigureOut">
               <a:rPr lang="pt-BR" smtClean="0"/>
-              <a:t>10/09/2019</a:t>
+              <a:t>12/09/2019</a:t>
             </a:fld>
             <a:endParaRPr lang="pt-BR"/>
           </a:p>
@@ -1537,7 +1537,7 @@
           <a:p>
             <a:fld id="{73F84220-E5C1-4CCC-8729-E034337E325F}" type="datetimeFigureOut">
               <a:rPr lang="pt-BR" smtClean="0"/>
-              <a:t>10/09/2019</a:t>
+              <a:t>12/09/2019</a:t>
             </a:fld>
             <a:endParaRPr lang="pt-BR"/>
           </a:p>
@@ -1815,7 +1815,7 @@
           <a:p>
             <a:fld id="{73F84220-E5C1-4CCC-8729-E034337E325F}" type="datetimeFigureOut">
               <a:rPr lang="pt-BR" smtClean="0"/>
-              <a:t>10/09/2019</a:t>
+              <a:t>12/09/2019</a:t>
             </a:fld>
             <a:endParaRPr lang="pt-BR"/>
           </a:p>
@@ -2377,7 +2377,7 @@
           <a:p>
             <a:fld id="{73F84220-E5C1-4CCC-8729-E034337E325F}" type="datetimeFigureOut">
               <a:rPr lang="pt-BR" smtClean="0"/>
-              <a:t>10/09/2019</a:t>
+              <a:t>12/09/2019</a:t>
             </a:fld>
             <a:endParaRPr lang="pt-BR"/>
           </a:p>
@@ -2704,7 +2704,7 @@
           <a:p>
             <a:fld id="{73F84220-E5C1-4CCC-8729-E034337E325F}" type="datetimeFigureOut">
               <a:rPr lang="pt-BR" smtClean="0"/>
-              <a:t>10/09/2019</a:t>
+              <a:t>12/09/2019</a:t>
             </a:fld>
             <a:endParaRPr lang="pt-BR"/>
           </a:p>
@@ -2881,7 +2881,7 @@
           <a:p>
             <a:fld id="{73F84220-E5C1-4CCC-8729-E034337E325F}" type="datetimeFigureOut">
               <a:rPr lang="pt-BR" smtClean="0"/>
-              <a:t>10/09/2019</a:t>
+              <a:t>12/09/2019</a:t>
             </a:fld>
             <a:endParaRPr lang="pt-BR"/>
           </a:p>
@@ -3119,7 +3119,7 @@
           <a:p>
             <a:fld id="{73F84220-E5C1-4CCC-8729-E034337E325F}" type="datetimeFigureOut">
               <a:rPr lang="pt-BR" smtClean="0"/>
-              <a:t>10/09/2019</a:t>
+              <a:t>12/09/2019</a:t>
             </a:fld>
             <a:endParaRPr lang="pt-BR"/>
           </a:p>
@@ -3319,7 +3319,7 @@
           <a:p>
             <a:fld id="{73F84220-E5C1-4CCC-8729-E034337E325F}" type="datetimeFigureOut">
               <a:rPr lang="pt-BR" smtClean="0"/>
-              <a:t>10/09/2019</a:t>
+              <a:t>12/09/2019</a:t>
             </a:fld>
             <a:endParaRPr lang="pt-BR"/>
           </a:p>
@@ -3595,7 +3595,7 @@
           <a:p>
             <a:fld id="{73F84220-E5C1-4CCC-8729-E034337E325F}" type="datetimeFigureOut">
               <a:rPr lang="pt-BR" smtClean="0"/>
-              <a:t>10/09/2019</a:t>
+              <a:t>12/09/2019</a:t>
             </a:fld>
             <a:endParaRPr lang="pt-BR"/>
           </a:p>
@@ -3861,7 +3861,7 @@
           <a:p>
             <a:fld id="{73F84220-E5C1-4CCC-8729-E034337E325F}" type="datetimeFigureOut">
               <a:rPr lang="pt-BR" smtClean="0"/>
-              <a:t>10/09/2019</a:t>
+              <a:t>12/09/2019</a:t>
             </a:fld>
             <a:endParaRPr lang="pt-BR"/>
           </a:p>
@@ -4235,7 +4235,7 @@
           <a:p>
             <a:fld id="{73F84220-E5C1-4CCC-8729-E034337E325F}" type="datetimeFigureOut">
               <a:rPr lang="pt-BR" smtClean="0"/>
-              <a:t>10/09/2019</a:t>
+              <a:t>12/09/2019</a:t>
             </a:fld>
             <a:endParaRPr lang="pt-BR"/>
           </a:p>
@@ -4383,7 +4383,7 @@
           <a:p>
             <a:fld id="{73F84220-E5C1-4CCC-8729-E034337E325F}" type="datetimeFigureOut">
               <a:rPr lang="pt-BR" smtClean="0"/>
-              <a:t>10/09/2019</a:t>
+              <a:t>12/09/2019</a:t>
             </a:fld>
             <a:endParaRPr lang="pt-BR"/>
           </a:p>
@@ -4508,7 +4508,7 @@
           <a:p>
             <a:fld id="{73F84220-E5C1-4CCC-8729-E034337E325F}" type="datetimeFigureOut">
               <a:rPr lang="pt-BR" smtClean="0"/>
-              <a:t>10/09/2019</a:t>
+              <a:t>12/09/2019</a:t>
             </a:fld>
             <a:endParaRPr lang="pt-BR"/>
           </a:p>
@@ -4793,7 +4793,7 @@
           <a:p>
             <a:fld id="{73F84220-E5C1-4CCC-8729-E034337E325F}" type="datetimeFigureOut">
               <a:rPr lang="pt-BR" smtClean="0"/>
-              <a:t>10/09/2019</a:t>
+              <a:t>12/09/2019</a:t>
             </a:fld>
             <a:endParaRPr lang="pt-BR"/>
           </a:p>
@@ -5117,7 +5117,7 @@
           <a:p>
             <a:fld id="{73F84220-E5C1-4CCC-8729-E034337E325F}" type="datetimeFigureOut">
               <a:rPr lang="pt-BR" smtClean="0"/>
-              <a:t>10/09/2019</a:t>
+              <a:t>12/09/2019</a:t>
             </a:fld>
             <a:endParaRPr lang="pt-BR"/>
           </a:p>
@@ -5331,7 +5331,7 @@
           <a:p>
             <a:fld id="{73F84220-E5C1-4CCC-8729-E034337E325F}" type="datetimeFigureOut">
               <a:rPr lang="pt-BR" smtClean="0"/>
-              <a:t>10/09/2019</a:t>
+              <a:t>12/09/2019</a:t>
             </a:fld>
             <a:endParaRPr lang="pt-BR"/>
           </a:p>
@@ -7892,7 +7892,128 @@
                 <a:latin typeface="Arial" panose="020B0604020202020204" pitchFamily="34" charset="0"/>
                 <a:cs typeface="Arial" panose="020B0604020202020204" pitchFamily="34" charset="0"/>
               </a:rPr>
-              <a:t>Gestor </a:t>
+              <a:t>Gestor NOC</a:t>
+            </a:r>
+          </a:p>
+          <a:p>
+            <a:endParaRPr lang="pt-BR" sz="2800" dirty="0">
+              <a:latin typeface="Arial" panose="020B0604020202020204" pitchFamily="34" charset="0"/>
+              <a:cs typeface="Arial" panose="020B0604020202020204" pitchFamily="34" charset="0"/>
+            </a:endParaRPr>
+          </a:p>
+          <a:p>
+            <a:pPr marL="342900" indent="-342900">
+              <a:buFont typeface="Arial" panose="020B0604020202020204" pitchFamily="34" charset="0"/>
+              <a:buChar char="•"/>
+            </a:pPr>
+            <a:r>
+              <a:rPr lang="pt-BR" sz="2000" dirty="0">
+                <a:latin typeface="Arial" panose="020B0604020202020204" pitchFamily="34" charset="0"/>
+                <a:cs typeface="Arial" panose="020B0604020202020204" pitchFamily="34" charset="0"/>
+              </a:rPr>
+              <a:t>Eu como gestor do NOC devo receber </a:t>
+            </a:r>
+            <a:r>
+              <a:rPr lang="pt-BR" sz="2000" dirty="0">
+                <a:solidFill>
+                  <a:srgbClr val="FF0000"/>
+                </a:solidFill>
+                <a:latin typeface="Arial" panose="020B0604020202020204" pitchFamily="34" charset="0"/>
+                <a:cs typeface="Arial" panose="020B0604020202020204" pitchFamily="34" charset="0"/>
+              </a:rPr>
+              <a:t>relatórios diários </a:t>
+            </a:r>
+            <a:r>
+              <a:rPr lang="pt-BR" sz="2000" dirty="0">
+                <a:latin typeface="Arial" panose="020B0604020202020204" pitchFamily="34" charset="0"/>
+                <a:cs typeface="Arial" panose="020B0604020202020204" pitchFamily="34" charset="0"/>
+              </a:rPr>
+              <a:t>para melhor controle do monitoramento.</a:t>
+            </a:r>
+          </a:p>
+          <a:p>
+            <a:pPr marL="342900" indent="-342900">
+              <a:buFont typeface="Arial" panose="020B0604020202020204" pitchFamily="34" charset="0"/>
+              <a:buChar char="•"/>
+            </a:pPr>
+            <a:r>
+              <a:rPr lang="pt-BR" sz="2000" dirty="0">
+                <a:latin typeface="Arial" panose="020B0604020202020204" pitchFamily="34" charset="0"/>
+                <a:cs typeface="Arial" panose="020B0604020202020204" pitchFamily="34" charset="0"/>
+              </a:rPr>
+              <a:t>Eu como gestor gostaria de envio de </a:t>
+            </a:r>
+            <a:r>
+              <a:rPr lang="pt-BR" sz="2000" dirty="0">
+                <a:solidFill>
+                  <a:srgbClr val="FF0000"/>
+                </a:solidFill>
+                <a:latin typeface="Arial" panose="020B0604020202020204" pitchFamily="34" charset="0"/>
+                <a:cs typeface="Arial" panose="020B0604020202020204" pitchFamily="34" charset="0"/>
+              </a:rPr>
+              <a:t>alertas</a:t>
+            </a:r>
+            <a:r>
+              <a:rPr lang="pt-BR" sz="2000" dirty="0">
+                <a:latin typeface="Arial" panose="020B0604020202020204" pitchFamily="34" charset="0"/>
+                <a:cs typeface="Arial" panose="020B0604020202020204" pitchFamily="34" charset="0"/>
+              </a:rPr>
+              <a:t> com soluções de erros conhecidos, para uma resolução rápida e prática.</a:t>
+            </a:r>
+          </a:p>
+          <a:p>
+            <a:pPr marL="342900" indent="-342900">
+              <a:buFont typeface="Arial" panose="020B0604020202020204" pitchFamily="34" charset="0"/>
+              <a:buChar char="•"/>
+            </a:pPr>
+            <a:r>
+              <a:rPr lang="pt-BR" sz="2000" dirty="0">
+                <a:latin typeface="Arial" panose="020B0604020202020204" pitchFamily="34" charset="0"/>
+                <a:cs typeface="Arial" panose="020B0604020202020204" pitchFamily="34" charset="0"/>
+              </a:rPr>
+              <a:t>Eu como gestor quero um </a:t>
+            </a:r>
+            <a:r>
+              <a:rPr lang="pt-BR" sz="2000" dirty="0">
+                <a:solidFill>
+                  <a:srgbClr val="FF0000"/>
+                </a:solidFill>
+                <a:latin typeface="Arial" panose="020B0604020202020204" pitchFamily="34" charset="0"/>
+                <a:cs typeface="Arial" panose="020B0604020202020204" pitchFamily="34" charset="0"/>
+              </a:rPr>
+              <a:t>software proativo </a:t>
+            </a:r>
+            <a:r>
+              <a:rPr lang="pt-BR" sz="2000" dirty="0">
+                <a:latin typeface="Arial" panose="020B0604020202020204" pitchFamily="34" charset="0"/>
+                <a:cs typeface="Arial" panose="020B0604020202020204" pitchFamily="34" charset="0"/>
+              </a:rPr>
+              <a:t>com melhorias de processos para </a:t>
+            </a:r>
+            <a:r>
+              <a:rPr lang="pt-BR" sz="2000" dirty="0">
+                <a:solidFill>
+                  <a:srgbClr val="FF0000"/>
+                </a:solidFill>
+                <a:latin typeface="Arial" panose="020B0604020202020204" pitchFamily="34" charset="0"/>
+                <a:cs typeface="Arial" panose="020B0604020202020204" pitchFamily="34" charset="0"/>
+              </a:rPr>
+              <a:t>atender o SLA no prazo estipulado.</a:t>
+            </a:r>
+          </a:p>
+          <a:p>
+            <a:endParaRPr lang="pt-BR" sz="2800" dirty="0">
+              <a:latin typeface="Arial" panose="020B0604020202020204" pitchFamily="34" charset="0"/>
+              <a:cs typeface="Arial" panose="020B0604020202020204" pitchFamily="34" charset="0"/>
+            </a:endParaRPr>
+          </a:p>
+          <a:p>
+            <a:r>
+              <a:rPr lang="pt-BR" sz="2800" dirty="0">
+                <a:latin typeface="Arial" panose="020B0604020202020204" pitchFamily="34" charset="0"/>
+                <a:cs typeface="Arial" panose="020B0604020202020204" pitchFamily="34" charset="0"/>
+              </a:rPr>
+              <a:t>Funcionário do </a:t>
             </a:r>
             <a:r>
               <a:rPr lang="pt-BR" sz="2800" dirty="0" err="1">
@@ -7922,21 +8043,24 @@
                 <a:latin typeface="Arial" panose="020B0604020202020204" pitchFamily="34" charset="0"/>
                 <a:cs typeface="Arial" panose="020B0604020202020204" pitchFamily="34" charset="0"/>
               </a:rPr>
-              <a:t>Eu como gestor do </a:t>
-            </a:r>
-            <a:r>
-              <a:rPr lang="pt-BR" sz="2000" dirty="0" err="1">
+              <a:t>Eu como funcionário do NOC, gostaria de um sistema com uma </a:t>
+            </a:r>
+            <a:r>
+              <a:rPr lang="pt-BR" sz="2000" dirty="0">
+                <a:solidFill>
+                  <a:srgbClr val="FF0000"/>
+                </a:solidFill>
                 <a:latin typeface="Arial" panose="020B0604020202020204" pitchFamily="34" charset="0"/>
                 <a:cs typeface="Arial" panose="020B0604020202020204" pitchFamily="34" charset="0"/>
               </a:rPr>
-              <a:t>noc</a:t>
+              <a:t>interface limpa </a:t>
             </a:r>
             <a:r>
               <a:rPr lang="pt-BR" sz="2000" dirty="0">
                 <a:latin typeface="Arial" panose="020B0604020202020204" pitchFamily="34" charset="0"/>
                 <a:cs typeface="Arial" panose="020B0604020202020204" pitchFamily="34" charset="0"/>
               </a:rPr>
-              <a:t> devo receber relatórios diários para melhor controle do monitoramento.</a:t>
+              <a:t>para melhor visualização e entendimento.</a:t>
             </a:r>
           </a:p>
           <a:p>
@@ -7949,106 +8073,24 @@
                 <a:latin typeface="Arial" panose="020B0604020202020204" pitchFamily="34" charset="0"/>
                 <a:cs typeface="Arial" panose="020B0604020202020204" pitchFamily="34" charset="0"/>
               </a:rPr>
-              <a:t>Eu como gestor gostaria de envio de alertas com soluções de erros conhecidos, para uma resolução rápida e prática.</a:t>
-            </a:r>
-          </a:p>
-          <a:p>
-            <a:pPr marL="342900" indent="-342900">
-              <a:buFont typeface="Arial" panose="020B0604020202020204" pitchFamily="34" charset="0"/>
-              <a:buChar char="•"/>
-            </a:pPr>
+              <a:t>Eu como funcionário do NOC preciso de </a:t>
+            </a:r>
+            <a:r>
+              <a:rPr lang="pt-BR" sz="2000" dirty="0">
+                <a:solidFill>
+                  <a:srgbClr val="FF0000"/>
+                </a:solidFill>
+                <a:latin typeface="Arial" panose="020B0604020202020204" pitchFamily="34" charset="0"/>
+                <a:cs typeface="Arial" panose="020B0604020202020204" pitchFamily="34" charset="0"/>
+              </a:rPr>
+              <a:t>gráficos em tempo real </a:t>
+            </a:r>
             <a:r>
               <a:rPr lang="pt-BR" sz="2000" dirty="0">
                 <a:latin typeface="Arial" panose="020B0604020202020204" pitchFamily="34" charset="0"/>
                 <a:cs typeface="Arial" panose="020B0604020202020204" pitchFamily="34" charset="0"/>
               </a:rPr>
-              <a:t>Eu como gestor quero um software proativo com melhorias de processos para atender o SLA no prazo estipulado.</a:t>
-            </a:r>
-          </a:p>
-          <a:p>
-            <a:endParaRPr lang="pt-BR" sz="2800" dirty="0">
-              <a:latin typeface="Arial" panose="020B0604020202020204" pitchFamily="34" charset="0"/>
-              <a:cs typeface="Arial" panose="020B0604020202020204" pitchFamily="34" charset="0"/>
-            </a:endParaRPr>
-          </a:p>
-          <a:p>
-            <a:r>
-              <a:rPr lang="pt-BR" sz="2800" dirty="0">
-                <a:latin typeface="Arial" panose="020B0604020202020204" pitchFamily="34" charset="0"/>
-                <a:cs typeface="Arial" panose="020B0604020202020204" pitchFamily="34" charset="0"/>
-              </a:rPr>
-              <a:t>Funcionário do </a:t>
-            </a:r>
-            <a:r>
-              <a:rPr lang="pt-BR" sz="2800" dirty="0" err="1">
-                <a:latin typeface="Arial" panose="020B0604020202020204" pitchFamily="34" charset="0"/>
-                <a:cs typeface="Arial" panose="020B0604020202020204" pitchFamily="34" charset="0"/>
-              </a:rPr>
-              <a:t>Noc</a:t>
-            </a:r>
-            <a:endParaRPr lang="pt-BR" sz="2800" dirty="0">
-              <a:latin typeface="Arial" panose="020B0604020202020204" pitchFamily="34" charset="0"/>
-              <a:cs typeface="Arial" panose="020B0604020202020204" pitchFamily="34" charset="0"/>
-            </a:endParaRPr>
-          </a:p>
-          <a:p>
-            <a:endParaRPr lang="pt-BR" sz="2800" dirty="0">
-              <a:latin typeface="Arial" panose="020B0604020202020204" pitchFamily="34" charset="0"/>
-              <a:cs typeface="Arial" panose="020B0604020202020204" pitchFamily="34" charset="0"/>
-            </a:endParaRPr>
-          </a:p>
-          <a:p>
-            <a:pPr marL="342900" indent="-342900">
-              <a:buFont typeface="Arial" panose="020B0604020202020204" pitchFamily="34" charset="0"/>
-              <a:buChar char="•"/>
-            </a:pPr>
-            <a:r>
-              <a:rPr lang="pt-BR" sz="2000" dirty="0">
-                <a:latin typeface="Arial" panose="020B0604020202020204" pitchFamily="34" charset="0"/>
-                <a:cs typeface="Arial" panose="020B0604020202020204" pitchFamily="34" charset="0"/>
-              </a:rPr>
-              <a:t>Eu como funcionário do </a:t>
-            </a:r>
-            <a:r>
-              <a:rPr lang="pt-BR" sz="2000" dirty="0" err="1">
-                <a:latin typeface="Arial" panose="020B0604020202020204" pitchFamily="34" charset="0"/>
-                <a:cs typeface="Arial" panose="020B0604020202020204" pitchFamily="34" charset="0"/>
-              </a:rPr>
-              <a:t>Noc</a:t>
-            </a:r>
-            <a:r>
-              <a:rPr lang="pt-BR" sz="2000" dirty="0">
-                <a:latin typeface="Arial" panose="020B0604020202020204" pitchFamily="34" charset="0"/>
-                <a:cs typeface="Arial" panose="020B0604020202020204" pitchFamily="34" charset="0"/>
-              </a:rPr>
-              <a:t>, gostaria de um sistema com uma interface limpa para melhor visualização e entendimento.</a:t>
-            </a:r>
-          </a:p>
-          <a:p>
-            <a:pPr marL="342900" indent="-342900">
-              <a:buFont typeface="Arial" panose="020B0604020202020204" pitchFamily="34" charset="0"/>
-              <a:buChar char="•"/>
-            </a:pPr>
-            <a:r>
-              <a:rPr lang="pt-BR" sz="2000" dirty="0">
-                <a:latin typeface="Arial" panose="020B0604020202020204" pitchFamily="34" charset="0"/>
-                <a:cs typeface="Arial" panose="020B0604020202020204" pitchFamily="34" charset="0"/>
-              </a:rPr>
-              <a:t>Eu como funcionário do </a:t>
-            </a:r>
-            <a:r>
-              <a:rPr lang="pt-BR" sz="2000" dirty="0" err="1">
-                <a:latin typeface="Arial" panose="020B0604020202020204" pitchFamily="34" charset="0"/>
-                <a:cs typeface="Arial" panose="020B0604020202020204" pitchFamily="34" charset="0"/>
-              </a:rPr>
-              <a:t>Noc</a:t>
-            </a:r>
-            <a:r>
-              <a:rPr lang="pt-BR" sz="2000" dirty="0">
-                <a:latin typeface="Arial" panose="020B0604020202020204" pitchFamily="34" charset="0"/>
-                <a:cs typeface="Arial" panose="020B0604020202020204" pitchFamily="34" charset="0"/>
-              </a:rPr>
-              <a:t> preciso de gráficos em tempo real para melhor visualização dos itens monitorados.</a:t>
+              <a:t>para melhor visualização dos itens monitorados.</a:t>
             </a:r>
           </a:p>
           <a:p>

--- a/Documentação/Projeto Monitoramento.pptx
+++ b/Documentação/Projeto Monitoramento.pptx
@@ -8128,12 +8128,55 @@
           <a:chExt cx="0" cy="0"/>
         </a:xfrm>
       </p:grpSpPr>
+      <p:sp>
+        <p:nvSpPr>
+          <p:cNvPr id="11" name="CaixaDeTexto 10">
+            <a:extLst>
+              <a:ext uri="{FF2B5EF4-FFF2-40B4-BE49-F238E27FC236}">
+                <a16:creationId xmlns:a16="http://schemas.microsoft.com/office/drawing/2014/main" id="{9E4E36FA-94F8-4A0C-8D97-A3CB4E9FA318}"/>
+              </a:ext>
+            </a:extLst>
+          </p:cNvPr>
+          <p:cNvSpPr txBox="1"/>
+          <p:nvPr/>
+        </p:nvSpPr>
+        <p:spPr>
+          <a:xfrm>
+            <a:off x="26504" y="0"/>
+            <a:ext cx="12192000" cy="1200329"/>
+          </a:xfrm>
+          <a:prstGeom prst="rect">
+            <a:avLst/>
+          </a:prstGeom>
+          <a:noFill/>
+        </p:spPr>
+        <p:txBody>
+          <a:bodyPr wrap="square" rtlCol="0">
+            <a:spAutoFit/>
+          </a:bodyPr>
+          <a:lstStyle/>
+          <a:p>
+            <a:pPr algn="ctr"/>
+            <a:r>
+              <a:rPr lang="pt-BR" sz="7200" dirty="0" err="1">
+                <a:latin typeface="Arial" panose="020B0604020202020204" pitchFamily="34" charset="0"/>
+                <a:cs typeface="Arial" panose="020B0604020202020204" pitchFamily="34" charset="0"/>
+              </a:rPr>
+              <a:t>StoryBoard</a:t>
+            </a:r>
+            <a:endParaRPr lang="pt-BR" dirty="0">
+              <a:latin typeface="Arial" panose="020B0604020202020204" pitchFamily="34" charset="0"/>
+              <a:cs typeface="Arial" panose="020B0604020202020204" pitchFamily="34" charset="0"/>
+            </a:endParaRPr>
+          </a:p>
+        </p:txBody>
+      </p:sp>
       <p:pic>
         <p:nvPicPr>
-          <p:cNvPr id="9" name="Imagem 8">
+          <p:cNvPr id="3" name="Imagem 2">
             <a:extLst>
               <a:ext uri="{FF2B5EF4-FFF2-40B4-BE49-F238E27FC236}">
-                <a16:creationId xmlns:a16="http://schemas.microsoft.com/office/drawing/2014/main" id="{131FBE4D-EC1B-4D72-8CE5-6FCF1095288E}"/>
+                <a16:creationId xmlns:a16="http://schemas.microsoft.com/office/drawing/2014/main" id="{617822E2-D6AE-414B-9567-FA6E3FCEBB82}"/>
               </a:ext>
             </a:extLst>
           </p:cNvPr>
@@ -8156,57 +8199,14 @@
         </p:blipFill>
         <p:spPr>
           <a:xfrm>
-            <a:off x="0" y="1175656"/>
-            <a:ext cx="12192000" cy="5682343"/>
+            <a:off x="0" y="1200328"/>
+            <a:ext cx="12192000" cy="5657671"/>
           </a:xfrm>
           <a:prstGeom prst="rect">
             <a:avLst/>
           </a:prstGeom>
         </p:spPr>
       </p:pic>
-      <p:sp>
-        <p:nvSpPr>
-          <p:cNvPr id="11" name="CaixaDeTexto 10">
-            <a:extLst>
-              <a:ext uri="{FF2B5EF4-FFF2-40B4-BE49-F238E27FC236}">
-                <a16:creationId xmlns:a16="http://schemas.microsoft.com/office/drawing/2014/main" id="{9E4E36FA-94F8-4A0C-8D97-A3CB4E9FA318}"/>
-              </a:ext>
-            </a:extLst>
-          </p:cNvPr>
-          <p:cNvSpPr txBox="1"/>
-          <p:nvPr/>
-        </p:nvSpPr>
-        <p:spPr>
-          <a:xfrm>
-            <a:off x="26504" y="0"/>
-            <a:ext cx="12192000" cy="1200329"/>
-          </a:xfrm>
-          <a:prstGeom prst="rect">
-            <a:avLst/>
-          </a:prstGeom>
-          <a:noFill/>
-        </p:spPr>
-        <p:txBody>
-          <a:bodyPr wrap="square" rtlCol="0">
-            <a:spAutoFit/>
-          </a:bodyPr>
-          <a:lstStyle/>
-          <a:p>
-            <a:pPr algn="ctr"/>
-            <a:r>
-              <a:rPr lang="pt-BR" sz="7200" dirty="0" err="1">
-                <a:latin typeface="Arial" panose="020B0604020202020204" pitchFamily="34" charset="0"/>
-                <a:cs typeface="Arial" panose="020B0604020202020204" pitchFamily="34" charset="0"/>
-              </a:rPr>
-              <a:t>StoryBoard</a:t>
-            </a:r>
-            <a:endParaRPr lang="pt-BR" dirty="0">
-              <a:latin typeface="Arial" panose="020B0604020202020204" pitchFamily="34" charset="0"/>
-              <a:cs typeface="Arial" panose="020B0604020202020204" pitchFamily="34" charset="0"/>
-            </a:endParaRPr>
-          </a:p>
-        </p:txBody>
-      </p:sp>
     </p:spTree>
     <p:extLst>
       <p:ext uri="{BB962C8B-B14F-4D97-AF65-F5344CB8AC3E}">
